--- a/!Test Driven Development.pptx
+++ b/!Test Driven Development.pptx
@@ -8311,7 +8311,7 @@
             </a:br>
             <a:r>
               <a:rPr lang="en-AU" sz="2800" dirty="0"/>
-              <a:t>QuillGroup team lead</a:t>
+              <a:t>Agile Developer / Team Lead</a:t>
             </a:r>
           </a:p>
         </p:txBody>

--- a/!Test Driven Development.pptx
+++ b/!Test Driven Development.pptx
@@ -226,7 +226,7 @@
           <a:p>
             <a:fld id="{8C576CB7-23EC-4DFC-81A5-EEBDA0557B2C}" type="datetimeFigureOut">
               <a:rPr lang="en-AU" smtClean="0"/>
-              <a:t>16/10/2018</a:t>
+              <a:t>11/03/2021</a:t>
             </a:fld>
             <a:endParaRPr lang="en-AU"/>
           </a:p>
@@ -1046,6 +1046,12 @@
           <a:p>
             <a:r>
               <a:rPr lang="en-AU" b="1" dirty="0"/>
+              <a:t>Damp = You cant expect the 8 year old to have read the prequel. </a:t>
+            </a:r>
+          </a:p>
+          <a:p>
+            <a:r>
+              <a:rPr lang="en-AU" b="1" dirty="0"/>
               <a:t>Tests Matter = More Important than Production Code?</a:t>
             </a:r>
           </a:p>
@@ -1085,7 +1091,7 @@
           <a:p>
             <a:r>
               <a:rPr lang="en-AU" dirty="0"/>
-              <a:t>Arrange: Keep it simple, you are telling a story</a:t>
+              <a:t>Arrange: Keep it simple, you are telling a story, imagine your trying to describe something to an 8 year old.</a:t>
             </a:r>
           </a:p>
           <a:p>
@@ -1098,6 +1104,16 @@
             <a:r>
               <a:rPr lang="en-AU" dirty="0"/>
               <a:t>Assert: One assert per test, because you are testing 1 thing and proving 1 thing is correct….But you can break this rule if it helps simplify your tests and lowers your code maintenance.</a:t>
+            </a:r>
+          </a:p>
+          <a:p>
+            <a:r>
+              <a:rPr lang="en-AU" dirty="0"/>
+              <a:t>Damp – Not dry. </a:t>
+            </a:r>
+            <a:r>
+              <a:rPr lang="en-AU" b="0" dirty="0"/>
+              <a:t>We need to know why Jack and Jill went up the hill. Don’t start with Something happened in a different story (see reference) and Jill fell down and broke her crown.</a:t>
             </a:r>
           </a:p>
           <a:p>
@@ -3523,15 +3539,7 @@
           <a:p>
             <a:r>
               <a:rPr lang="en-AU" b="0" dirty="0"/>
-              <a:t>Workflows (Bug Tracking, </a:t>
-            </a:r>
-            <a:r>
-              <a:rPr lang="en-AU" b="0" dirty="0" err="1"/>
-              <a:t>Requeustioning</a:t>
-            </a:r>
-            <a:r>
-              <a:rPr lang="en-AU" b="0" dirty="0"/>
-              <a:t> Approval)</a:t>
+              <a:t>Workflows (Bug Tracking, Requestioning Approval)</a:t>
             </a:r>
           </a:p>
           <a:p>
@@ -3543,15 +3551,7 @@
           <a:p>
             <a:r>
               <a:rPr lang="en-AU" b="0" dirty="0"/>
-              <a:t>Importing Files (Xml, </a:t>
-            </a:r>
-            <a:r>
-              <a:rPr lang="en-AU" b="0" dirty="0" err="1"/>
-              <a:t>Json</a:t>
-            </a:r>
-            <a:r>
-              <a:rPr lang="en-AU" b="0" dirty="0"/>
-              <a:t>, CSV)</a:t>
+              <a:t>Importing Files (Xml, Json, CSV)</a:t>
             </a:r>
           </a:p>
           <a:p>
@@ -4757,9 +4757,12 @@
             </a:r>
           </a:p>
           <a:p>
-            <a:r>
-              <a:rPr lang="en-AU" dirty="0"/>
-              <a:t>Assert: Aim for 1 assert per test, this is the rule, but for simplicity rules can be broken. </a:t>
+            <a:endParaRPr lang="en-AU" dirty="0"/>
+          </a:p>
+          <a:p>
+            <a:r>
+              <a:rPr lang="en-AU" dirty="0"/>
+              <a:t>* Assert: Aim for 1 assert per test, this is the rule, but for simplicity rules can be broken. </a:t>
             </a:r>
           </a:p>
         </p:txBody>
@@ -5195,7 +5198,7 @@
           <a:p>
             <a:fld id="{7353DB3B-488C-4107-AF55-F3558AC15F8F}" type="datetimeFigureOut">
               <a:rPr lang="en-AU" smtClean="0"/>
-              <a:t>16/10/2018</a:t>
+              <a:t>11/03/2021</a:t>
             </a:fld>
             <a:endParaRPr lang="en-AU"/>
           </a:p>
@@ -5395,7 +5398,7 @@
           <a:p>
             <a:fld id="{7353DB3B-488C-4107-AF55-F3558AC15F8F}" type="datetimeFigureOut">
               <a:rPr lang="en-AU" smtClean="0"/>
-              <a:t>16/10/2018</a:t>
+              <a:t>11/03/2021</a:t>
             </a:fld>
             <a:endParaRPr lang="en-AU"/>
           </a:p>
@@ -5605,7 +5608,7 @@
           <a:p>
             <a:fld id="{7353DB3B-488C-4107-AF55-F3558AC15F8F}" type="datetimeFigureOut">
               <a:rPr lang="en-AU" smtClean="0"/>
-              <a:t>16/10/2018</a:t>
+              <a:t>11/03/2021</a:t>
             </a:fld>
             <a:endParaRPr lang="en-AU"/>
           </a:p>
@@ -5805,7 +5808,7 @@
           <a:p>
             <a:fld id="{7353DB3B-488C-4107-AF55-F3558AC15F8F}" type="datetimeFigureOut">
               <a:rPr lang="en-AU" smtClean="0"/>
-              <a:t>16/10/2018</a:t>
+              <a:t>11/03/2021</a:t>
             </a:fld>
             <a:endParaRPr lang="en-AU"/>
           </a:p>
@@ -6081,7 +6084,7 @@
           <a:p>
             <a:fld id="{7353DB3B-488C-4107-AF55-F3558AC15F8F}" type="datetimeFigureOut">
               <a:rPr lang="en-AU" smtClean="0"/>
-              <a:t>16/10/2018</a:t>
+              <a:t>11/03/2021</a:t>
             </a:fld>
             <a:endParaRPr lang="en-AU"/>
           </a:p>
@@ -6349,7 +6352,7 @@
           <a:p>
             <a:fld id="{7353DB3B-488C-4107-AF55-F3558AC15F8F}" type="datetimeFigureOut">
               <a:rPr lang="en-AU" smtClean="0"/>
-              <a:t>16/10/2018</a:t>
+              <a:t>11/03/2021</a:t>
             </a:fld>
             <a:endParaRPr lang="en-AU"/>
           </a:p>
@@ -6764,7 +6767,7 @@
           <a:p>
             <a:fld id="{7353DB3B-488C-4107-AF55-F3558AC15F8F}" type="datetimeFigureOut">
               <a:rPr lang="en-AU" smtClean="0"/>
-              <a:t>16/10/2018</a:t>
+              <a:t>11/03/2021</a:t>
             </a:fld>
             <a:endParaRPr lang="en-AU"/>
           </a:p>
@@ -6906,7 +6909,7 @@
           <a:p>
             <a:fld id="{7353DB3B-488C-4107-AF55-F3558AC15F8F}" type="datetimeFigureOut">
               <a:rPr lang="en-AU" smtClean="0"/>
-              <a:t>16/10/2018</a:t>
+              <a:t>11/03/2021</a:t>
             </a:fld>
             <a:endParaRPr lang="en-AU"/>
           </a:p>
@@ -7019,7 +7022,7 @@
           <a:p>
             <a:fld id="{7353DB3B-488C-4107-AF55-F3558AC15F8F}" type="datetimeFigureOut">
               <a:rPr lang="en-AU" smtClean="0"/>
-              <a:t>16/10/2018</a:t>
+              <a:t>11/03/2021</a:t>
             </a:fld>
             <a:endParaRPr lang="en-AU"/>
           </a:p>
@@ -7332,7 +7335,7 @@
           <a:p>
             <a:fld id="{7353DB3B-488C-4107-AF55-F3558AC15F8F}" type="datetimeFigureOut">
               <a:rPr lang="en-AU" smtClean="0"/>
-              <a:t>16/10/2018</a:t>
+              <a:t>11/03/2021</a:t>
             </a:fld>
             <a:endParaRPr lang="en-AU"/>
           </a:p>
@@ -7621,7 +7624,7 @@
           <a:p>
             <a:fld id="{7353DB3B-488C-4107-AF55-F3558AC15F8F}" type="datetimeFigureOut">
               <a:rPr lang="en-AU" smtClean="0"/>
-              <a:t>16/10/2018</a:t>
+              <a:t>11/03/2021</a:t>
             </a:fld>
             <a:endParaRPr lang="en-AU"/>
           </a:p>
@@ -7864,7 +7867,7 @@
           <a:p>
             <a:fld id="{7353DB3B-488C-4107-AF55-F3558AC15F8F}" type="datetimeFigureOut">
               <a:rPr lang="en-AU" smtClean="0"/>
-              <a:t>16/10/2018</a:t>
+              <a:t>11/03/2021</a:t>
             </a:fld>
             <a:endParaRPr lang="en-AU"/>
           </a:p>
@@ -8366,15 +8369,6 @@
             </a:endParaRPr>
           </a:p>
           <a:p>
-            <a:pPr marL="0" indent="0">
-              <a:buNone/>
-            </a:pPr>
-            <a:r>
-              <a:rPr lang="en-AU" dirty="0">
-                <a:hlinkClick r:id="rId4"/>
-              </a:rPr>
-              <a:t>https://twitter.com/JoelViney</a:t>
-            </a:r>
             <a:endParaRPr lang="en-AU" dirty="0"/>
           </a:p>
           <a:p>
@@ -8412,7 +8406,7 @@
           <p:nvPr/>
         </p:nvPicPr>
         <p:blipFill>
-          <a:blip r:embed="rId5">
+          <a:blip r:embed="rId4">
             <a:extLst>
               <a:ext uri="{28A0092B-C50C-407E-A947-70E740481C1C}">
                 <a14:useLocalDpi xmlns:a14="http://schemas.microsoft.com/office/drawing/2010/main" val="0"/>
@@ -8448,7 +8442,7 @@
           <p:nvPr/>
         </p:nvPicPr>
         <p:blipFill>
-          <a:blip r:embed="rId6">
+          <a:blip r:embed="rId5">
             <a:extLst>
               <a:ext uri="{28A0092B-C50C-407E-A947-70E740481C1C}">
                 <a14:useLocalDpi xmlns:a14="http://schemas.microsoft.com/office/drawing/2010/main" val="0"/>
@@ -8964,7 +8958,15 @@
           <a:p>
             <a:r>
               <a:rPr lang="en-US" dirty="0"/>
-              <a:t>Arrange – Keep it simple, you are telling a story</a:t>
+              <a:t>Arrange – KISS. </a:t>
+            </a:r>
+            <a:r>
+              <a:rPr lang="en-US" dirty="0">
+                <a:solidFill>
+                  <a:srgbClr val="FF0000"/>
+                </a:solidFill>
+              </a:rPr>
+              <a:t>You are telling a story to an 8 year old.</a:t>
             </a:r>
           </a:p>
           <a:p>
@@ -8982,19 +8984,19 @@
           <a:p>
             <a:r>
               <a:rPr lang="en-US" dirty="0"/>
+              <a:t>DAMP not DRY – Each story is its own story</a:t>
+            </a:r>
+          </a:p>
+          <a:p>
+            <a:r>
+              <a:rPr lang="en-US" dirty="0"/>
               <a:t>Tests Matter - Treat Test code like you would production code. Maintain and refactor it.</a:t>
             </a:r>
           </a:p>
           <a:p>
             <a:r>
               <a:rPr lang="en-US" dirty="0"/>
-              <a:t>Use Fluid Extensions</a:t>
-            </a:r>
-          </a:p>
-          <a:p>
-            <a:r>
-              <a:rPr lang="en-US" dirty="0"/>
-              <a:t>Keep Tests Short – KISS</a:t>
+              <a:t>Keep Tests Short – KISS, Use Fluid Extensions</a:t>
             </a:r>
           </a:p>
           <a:p>
@@ -10969,7 +10971,7 @@
         <p:spPr/>
         <p:txBody>
           <a:bodyPr>
-            <a:normAutofit/>
+            <a:normAutofit fontScale="92500" lnSpcReduction="20000"/>
           </a:bodyPr>
           <a:lstStyle/>
           <a:p>
@@ -10996,6 +10998,9 @@
             </a:r>
           </a:p>
           <a:p>
+            <a:pPr marL="457200" lvl="1" indent="0">
+              <a:buNone/>
+            </a:pPr>
             <a:r>
               <a:rPr lang="en-AU" dirty="0">
                 <a:solidFill>
@@ -11006,12 +11011,60 @@
             </a:r>
           </a:p>
           <a:p>
+            <a:r>
+              <a:rPr lang="en-AU" dirty="0">
+                <a:solidFill>
+                  <a:schemeClr val="tx2"/>
+                </a:solidFill>
+              </a:rPr>
+              <a:t>Kent Beck – Test Desiderata</a:t>
+            </a:r>
+          </a:p>
+          <a:p>
             <a:pPr marL="457200" lvl="1" indent="0">
               <a:buNone/>
             </a:pPr>
             <a:r>
               <a:rPr lang="en-AU" dirty="0">
+                <a:solidFill>
+                  <a:schemeClr val="tx2"/>
+                </a:solidFill>
                 <a:hlinkClick r:id="rId3"/>
+              </a:rPr>
+              <a:t>https://www.youtube.com/watch?v=5LOdKDqdWYU&amp;list=PLlmVY7qtgT</a:t>
+            </a:r>
+            <a:r>
+              <a:rPr lang="en-AU">
+                <a:solidFill>
+                  <a:schemeClr val="tx2"/>
+                </a:solidFill>
+                <a:hlinkClick r:id="rId3"/>
+              </a:rPr>
+              <a:t>_lkbrk9iZNizp978mVzpBKl</a:t>
+            </a:r>
+            <a:endParaRPr lang="en-AU" dirty="0">
+              <a:solidFill>
+                <a:schemeClr val="tx2"/>
+              </a:solidFill>
+            </a:endParaRPr>
+          </a:p>
+          <a:p>
+            <a:r>
+              <a:rPr lang="en-AU" dirty="0">
+                <a:solidFill>
+                  <a:schemeClr val="tx2"/>
+                </a:solidFill>
+              </a:rPr>
+              <a:t>Unit Tests</a:t>
+            </a:r>
+          </a:p>
+          <a:p>
+            <a:pPr marL="457200" lvl="1" indent="0">
+              <a:buNone/>
+            </a:pPr>
+            <a:r>
+              <a:rPr lang="en-AU" dirty="0">
+                <a:hlinkClick r:id="rId4"/>
               </a:rPr>
               <a:t>https://github.com/JoelViney/TestDrivenTalk</a:t>
             </a:r>
@@ -11033,7 +11086,7 @@
             </a:pPr>
             <a:r>
               <a:rPr lang="en-AU" dirty="0">
-                <a:hlinkClick r:id="rId4"/>
+                <a:hlinkClick r:id="rId5"/>
               </a:rPr>
               <a:t>https://github.com/JoelViney/CorePaginationExample</a:t>
             </a:r>
@@ -11058,7 +11111,7 @@
                 <a:solidFill>
                   <a:schemeClr val="tx2"/>
                 </a:solidFill>
-                <a:hlinkClick r:id="rId5"/>
+                <a:hlinkClick r:id="rId6"/>
               </a:rPr>
               <a:t>https://www.youtube.com/watch?v=UON5Rr_CL2M</a:t>
             </a:r>
@@ -11810,7 +11863,7 @@
             <a:pPr lvl="1"/>
             <a:r>
               <a:rPr lang="en-AU" dirty="0"/>
-              <a:t>Aim for 1 asset per test</a:t>
+              <a:t>Aim for 1 asset per test*</a:t>
             </a:r>
             <a:endParaRPr lang="en-AU" dirty="0">
               <a:solidFill>

--- a/!Test Driven Development.pptx
+++ b/!Test Driven Development.pptx
@@ -5,7 +5,7 @@
     <p:sldMasterId id="2147483648" r:id="rId1"/>
   </p:sldMasterIdLst>
   <p:notesMasterIdLst>
-    <p:notesMasterId r:id="rId29"/>
+    <p:notesMasterId r:id="rId39"/>
   </p:notesMasterIdLst>
   <p:sldIdLst>
     <p:sldId id="275" r:id="rId2"/>
@@ -22,19 +22,29 @@
     <p:sldId id="278" r:id="rId13"/>
     <p:sldId id="259" r:id="rId14"/>
     <p:sldId id="269" r:id="rId15"/>
-    <p:sldId id="274" r:id="rId16"/>
-    <p:sldId id="261" r:id="rId17"/>
-    <p:sldId id="264" r:id="rId18"/>
-    <p:sldId id="273" r:id="rId19"/>
-    <p:sldId id="279" r:id="rId20"/>
-    <p:sldId id="280" r:id="rId21"/>
-    <p:sldId id="260" r:id="rId22"/>
-    <p:sldId id="282" r:id="rId23"/>
-    <p:sldId id="281" r:id="rId24"/>
-    <p:sldId id="263" r:id="rId25"/>
-    <p:sldId id="272" r:id="rId26"/>
-    <p:sldId id="277" r:id="rId27"/>
-    <p:sldId id="276" r:id="rId28"/>
+    <p:sldId id="283" r:id="rId16"/>
+    <p:sldId id="284" r:id="rId17"/>
+    <p:sldId id="285" r:id="rId18"/>
+    <p:sldId id="286" r:id="rId19"/>
+    <p:sldId id="287" r:id="rId20"/>
+    <p:sldId id="288" r:id="rId21"/>
+    <p:sldId id="289" r:id="rId22"/>
+    <p:sldId id="290" r:id="rId23"/>
+    <p:sldId id="291" r:id="rId24"/>
+    <p:sldId id="292" r:id="rId25"/>
+    <p:sldId id="274" r:id="rId26"/>
+    <p:sldId id="261" r:id="rId27"/>
+    <p:sldId id="264" r:id="rId28"/>
+    <p:sldId id="260" r:id="rId29"/>
+    <p:sldId id="282" r:id="rId30"/>
+    <p:sldId id="281" r:id="rId31"/>
+    <p:sldId id="263" r:id="rId32"/>
+    <p:sldId id="273" r:id="rId33"/>
+    <p:sldId id="279" r:id="rId34"/>
+    <p:sldId id="280" r:id="rId35"/>
+    <p:sldId id="272" r:id="rId36"/>
+    <p:sldId id="277" r:id="rId37"/>
+    <p:sldId id="276" r:id="rId38"/>
   </p:sldIdLst>
   <p:sldSz cx="12192000" cy="6858000"/>
   <p:notesSz cx="6807200" cy="9939338"/>
@@ -226,7 +236,7 @@
           <a:p>
             <a:fld id="{8C576CB7-23EC-4DFC-81A5-EEBDA0557B2C}" type="datetimeFigureOut">
               <a:rPr lang="en-AU" smtClean="0"/>
-              <a:t>11/03/2021</a:t>
+              <a:t>13/05/2022</a:t>
             </a:fld>
             <a:endParaRPr lang="en-AU"/>
           </a:p>
@@ -542,10 +552,7 @@
               <a:buFont typeface="Arial" panose="020B0604020202020204" pitchFamily="34" charset="0"/>
               <a:buNone/>
             </a:pPr>
-            <a:r>
-              <a:rPr lang="en-AU" b="1" dirty="0"/>
-              <a:t>Accounting, Financial Planning and Superannuation services.</a:t>
-            </a:r>
+            <a:endParaRPr lang="en-AU" b="1" dirty="0"/>
           </a:p>
           <a:p>
             <a:pPr marL="0" indent="0">
@@ -581,7 +588,7 @@
             </a:pPr>
             <a:r>
               <a:rPr lang="en-AU" dirty="0"/>
-              <a:t>Apple 2c - Started programming an apple 2c 30ish years ago</a:t>
+              <a:t>Apple 2c - Started programming an apple 2c 30ish years ago (Microsoft Basic)</a:t>
             </a:r>
           </a:p>
           <a:p>
@@ -589,10 +596,7 @@
               <a:buFont typeface="Arial" panose="020B0604020202020204" pitchFamily="34" charset="0"/>
               <a:buChar char="•"/>
             </a:pPr>
-            <a:r>
-              <a:rPr lang="en-AU" dirty="0"/>
-              <a:t>Café Manager - 26 I was the night manager of a café and programming in my spare time</a:t>
-            </a:r>
+            <a:endParaRPr lang="en-AU" dirty="0"/>
           </a:p>
           <a:p>
             <a:pPr marL="171450" indent="-171450">
@@ -601,7 +605,7 @@
             </a:pPr>
             <a:r>
               <a:rPr lang="en-AU" dirty="0"/>
-              <a:t>Realised I had it the wrong way around, so started programming and making coffee in my spare time</a:t>
+              <a:t>Café Manager - 26 I was the night manager of a café and programming in my spare time</a:t>
             </a:r>
           </a:p>
           <a:p>
@@ -611,7 +615,7 @@
             </a:pPr>
             <a:r>
               <a:rPr lang="en-AU" dirty="0"/>
-              <a:t>Programmed C and some crappy languages that I wont mention</a:t>
+              <a:t>Realised I had it the wrong way around, so started programming and making coffee in my spare time</a:t>
             </a:r>
           </a:p>
           <a:p>
@@ -619,10 +623,7 @@
               <a:buFont typeface="Arial" panose="020B0604020202020204" pitchFamily="34" charset="0"/>
               <a:buChar char="•"/>
             </a:pPr>
-            <a:r>
-              <a:rPr lang="en-AU" dirty="0"/>
-              <a:t>Released my first C# application when it was still in Beta</a:t>
-            </a:r>
+            <a:endParaRPr lang="en-AU" dirty="0"/>
           </a:p>
           <a:p>
             <a:pPr marL="171450" indent="-171450">
@@ -631,15 +632,7 @@
             </a:pPr>
             <a:r>
               <a:rPr lang="en-AU" dirty="0"/>
-              <a:t>Apart from the odd venture into the world of Java I have been programming </a:t>
-            </a:r>
-            <a:r>
-              <a:rPr lang="en-AU" dirty="0" err="1"/>
-              <a:t>.Net</a:t>
-            </a:r>
-            <a:r>
-              <a:rPr lang="en-AU" dirty="0"/>
-              <a:t> since then.</a:t>
+              <a:t>Programmed C and some crappy languages that I wont mention</a:t>
             </a:r>
           </a:p>
           <a:p>
@@ -649,7 +642,42 @@
             </a:pPr>
             <a:r>
               <a:rPr lang="en-AU" dirty="0"/>
-              <a:t>My first introduction to test driven development was 15 years ago</a:t>
+              <a:t>Released my first C# application when it was still in Beta</a:t>
+            </a:r>
+          </a:p>
+          <a:p>
+            <a:pPr marL="171450" indent="-171450">
+              <a:buFont typeface="Arial" panose="020B0604020202020204" pitchFamily="34" charset="0"/>
+              <a:buChar char="•"/>
+            </a:pPr>
+            <a:r>
+              <a:rPr lang="en-AU" dirty="0"/>
+              <a:t>Apart from the odd venture into the world of Java I have been programming </a:t>
+            </a:r>
+            <a:r>
+              <a:rPr lang="en-AU" dirty="0" err="1"/>
+              <a:t>dotNet</a:t>
+            </a:r>
+            <a:r>
+              <a:rPr lang="en-AU" dirty="0"/>
+              <a:t> since then.</a:t>
+            </a:r>
+          </a:p>
+          <a:p>
+            <a:pPr marL="0" indent="0">
+              <a:buFont typeface="Arial" panose="020B0604020202020204" pitchFamily="34" charset="0"/>
+              <a:buNone/>
+            </a:pPr>
+            <a:endParaRPr lang="en-AU" dirty="0"/>
+          </a:p>
+          <a:p>
+            <a:pPr marL="171450" indent="-171450">
+              <a:buFont typeface="Arial" panose="020B0604020202020204" pitchFamily="34" charset="0"/>
+              <a:buChar char="•"/>
+            </a:pPr>
+            <a:r>
+              <a:rPr lang="en-AU" dirty="0"/>
+              <a:t>My first introduction to test driven development was about 15 years ago…</a:t>
             </a:r>
           </a:p>
           <a:p>
@@ -839,7 +867,7 @@
           <a:p>
             <a:r>
               <a:rPr lang="en-AU" b="1" dirty="0"/>
-              <a:t>Code Smells - Verbatim 1. Arrange gets Hairy, Simpler way to describe problem | Add a Factory etc..</a:t>
+              <a:t>Code Smells - Verbatim 1. Arrange gets Hairy, Simpler way to describe problem | Add a Factory, Fluid Extensions etc..</a:t>
             </a:r>
           </a:p>
           <a:p>
@@ -854,7 +882,13 @@
           <a:p>
             <a:r>
               <a:rPr lang="en-AU" dirty="0"/>
-              <a:t>This will happen. Your // Arrange code will get hairy. Or due to emergent design your new test will introduce a new object or you will think of a simpler way of describe the problem.</a:t>
+              <a:t>This will happen. Your // Arrange code will get hairy. </a:t>
+            </a:r>
+          </a:p>
+          <a:p>
+            <a:r>
+              <a:rPr lang="en-AU" dirty="0"/>
+              <a:t>Or due to emergent design your new test will introduce a new object or you will think of a simpler way of describe the problem.</a:t>
             </a:r>
           </a:p>
           <a:p>
@@ -1232,45 +1266,8 @@
             </a:pPr>
             <a:r>
               <a:rPr lang="en-AU" b="1" dirty="0"/>
-              <a:t>X = </a:t>
-            </a:r>
-            <a:r>
-              <a:rPr lang="en-AU" b="1" dirty="0" err="1"/>
-              <a:t>Math.Floor</a:t>
-            </a:r>
-            <a:r>
-              <a:rPr lang="en-AU" b="1" dirty="0"/>
-              <a:t>(price * 20) / 20;</a:t>
-            </a:r>
-          </a:p>
-          <a:p>
-            <a:endParaRPr lang="en-AU" b="1" dirty="0"/>
-          </a:p>
-          <a:p>
-            <a:r>
-              <a:rPr lang="en-AU" b="1" dirty="0"/>
-              <a:t>Could go on.</a:t>
-            </a:r>
-          </a:p>
-          <a:p>
-            <a:r>
-              <a:rPr lang="en-AU" b="1" dirty="0"/>
-              <a:t>Customer Loyalty</a:t>
-            </a:r>
-          </a:p>
-          <a:p>
-            <a:r>
-              <a:rPr lang="en-AU" b="1" dirty="0"/>
-              <a:t>Group Discount – Grouping, Order, </a:t>
-            </a:r>
-            <a:r>
-              <a:rPr lang="en-AU" b="1" dirty="0" err="1"/>
-              <a:t>OrderLines</a:t>
-            </a:r>
-            <a:endParaRPr lang="en-AU" b="1" dirty="0"/>
-          </a:p>
-          <a:p>
-            <a:endParaRPr lang="en-AU" b="1" dirty="0"/>
+              <a:t>Some Examples |  Trivial = doesn’t highlight TDD | Too Complex = struggle to grasp | Start Trivial -&gt; Get Complex</a:t>
+            </a:r>
           </a:p>
           <a:p>
             <a:pPr marL="0" marR="0" lvl="0" indent="0" algn="l" defTabSz="914400" rtl="0" eaLnBrk="1" fontAlgn="auto" latinLnBrk="0" hangingPunct="1">
@@ -1290,9 +1287,38 @@
               <a:tabLst/>
               <a:defRPr/>
             </a:pPr>
-            <a:r>
-              <a:rPr lang="en-AU" b="1" dirty="0"/>
-              <a:t>Not checking every edge case.</a:t>
+            <a:endParaRPr lang="en-AU" b="0" dirty="0"/>
+          </a:p>
+          <a:p>
+            <a:pPr marL="0" marR="0" lvl="0" indent="0" algn="l" defTabSz="914400" rtl="0" eaLnBrk="1" fontAlgn="auto" latinLnBrk="0" hangingPunct="1">
+              <a:lnSpc>
+                <a:spcPct val="100000"/>
+              </a:lnSpc>
+              <a:spcBef>
+                <a:spcPts val="0"/>
+              </a:spcBef>
+              <a:spcAft>
+                <a:spcPts val="0"/>
+              </a:spcAft>
+              <a:buClrTx/>
+              <a:buSzTx/>
+              <a:buFontTx/>
+              <a:buNone/>
+              <a:tabLst/>
+              <a:defRPr/>
+            </a:pPr>
+            <a:r>
+              <a:rPr lang="en-AU" b="0" dirty="0"/>
+              <a:t>Okay, lets go through some simple examples. And then start to slowly add some business logic.</a:t>
+            </a:r>
+          </a:p>
+          <a:p>
+            <a:endParaRPr lang="en-AU" b="0" dirty="0"/>
+          </a:p>
+          <a:p>
+            <a:r>
+              <a:rPr lang="en-AU" b="0" dirty="0"/>
+              <a:t>The problem with what I am about to show you is… You need to make trivial examples so people can follow, but it doesn’t really highlight TDD very well. And if you get too complex, it starts to highlight TDD but is too hard to really follow.</a:t>
             </a:r>
           </a:p>
           <a:p>
@@ -1380,364 +1406,48 @@
           <a:bodyPr/>
           <a:lstStyle/>
           <a:p>
-            <a:pPr marL="0" marR="0" lvl="0" indent="0" algn="l" defTabSz="914400" rtl="0" eaLnBrk="1" fontAlgn="auto" latinLnBrk="0" hangingPunct="1">
-              <a:lnSpc>
-                <a:spcPct val="100000"/>
-              </a:lnSpc>
-              <a:spcBef>
-                <a:spcPts val="0"/>
-              </a:spcBef>
-              <a:spcAft>
-                <a:spcPts val="0"/>
-              </a:spcAft>
-              <a:buClrTx/>
-              <a:buSzTx/>
-              <a:buFontTx/>
-              <a:buNone/>
-              <a:tabLst/>
-              <a:defRPr/>
-            </a:pPr>
             <a:r>
               <a:rPr lang="en-AU" b="1" dirty="0"/>
-              <a:t>Over over-engineered: Reach for == CORBA, Message Queues, The Cloud, Microservices.</a:t>
-            </a:r>
-          </a:p>
-          <a:p>
-            <a:pPr marL="0" marR="0" lvl="0" indent="0" algn="l" defTabSz="914400" rtl="0" eaLnBrk="1" fontAlgn="auto" latinLnBrk="0" hangingPunct="1">
-              <a:lnSpc>
-                <a:spcPct val="100000"/>
-              </a:lnSpc>
-              <a:spcBef>
-                <a:spcPts val="0"/>
-              </a:spcBef>
-              <a:spcAft>
-                <a:spcPts val="0"/>
-              </a:spcAft>
-              <a:buClrTx/>
-              <a:buSzTx/>
-              <a:buFontTx/>
-              <a:buNone/>
-              <a:tabLst/>
-              <a:defRPr/>
-            </a:pPr>
+              <a:t>Pricing Calculator | Price is 11.99 | Buy Online == Same Price as In Store</a:t>
+            </a:r>
+          </a:p>
+          <a:p>
+            <a:endParaRPr lang="en-AU" b="1" dirty="0"/>
+          </a:p>
+          <a:p>
             <a:r>
               <a:rPr lang="en-AU" b="1" dirty="0"/>
-              <a:t>Programmers Complex Solutions</a:t>
-            </a:r>
-          </a:p>
-          <a:p>
-            <a:pPr marL="0" marR="0" lvl="0" indent="0" algn="l" defTabSz="914400" rtl="0" eaLnBrk="1" fontAlgn="auto" latinLnBrk="0" hangingPunct="1">
-              <a:lnSpc>
-                <a:spcPct val="100000"/>
-              </a:lnSpc>
-              <a:spcBef>
-                <a:spcPts val="0"/>
-              </a:spcBef>
-              <a:spcAft>
-                <a:spcPts val="0"/>
-              </a:spcAft>
-              <a:buClrTx/>
-              <a:buSzTx/>
-              <a:buFontTx/>
-              <a:buNone/>
-              <a:tabLst/>
-              <a:defRPr/>
-            </a:pPr>
+              <a:t>Comment = </a:t>
+            </a:r>
+            <a:r>
+              <a:rPr lang="en-AU" b="1" dirty="0" err="1"/>
+              <a:t>DiscreteBusiness</a:t>
+            </a:r>
             <a:endParaRPr lang="en-AU" b="1" dirty="0"/>
           </a:p>
           <a:p>
-            <a:pPr marL="0" marR="0" lvl="0" indent="0" algn="l" defTabSz="914400" rtl="0" eaLnBrk="1" fontAlgn="auto" latinLnBrk="0" hangingPunct="1">
-              <a:lnSpc>
-                <a:spcPct val="100000"/>
-              </a:lnSpc>
-              <a:spcBef>
-                <a:spcPts val="0"/>
-              </a:spcBef>
-              <a:spcAft>
-                <a:spcPts val="0"/>
-              </a:spcAft>
-              <a:buClrTx/>
-              <a:buSzTx/>
-              <a:buFontTx/>
-              <a:buNone/>
-              <a:tabLst/>
-              <a:defRPr/>
-            </a:pPr>
+            <a:endParaRPr lang="en-AU" b="1" dirty="0"/>
+          </a:p>
+          <a:p>
             <a:r>
               <a:rPr lang="en-AU" b="1" dirty="0"/>
-              <a:t>Bare Minimum | In Example: Didn’t Start With An Order… Start at Beginning == Emergent Design.. </a:t>
-            </a:r>
-          </a:p>
-          <a:p>
-            <a:pPr marL="0" marR="0" lvl="0" indent="0" algn="l" defTabSz="914400" rtl="0" eaLnBrk="1" fontAlgn="auto" latinLnBrk="0" hangingPunct="1">
-              <a:lnSpc>
-                <a:spcPct val="100000"/>
-              </a:lnSpc>
-              <a:spcBef>
-                <a:spcPts val="0"/>
-              </a:spcBef>
-              <a:spcAft>
-                <a:spcPts val="0"/>
-              </a:spcAft>
-              <a:buClrTx/>
-              <a:buSzTx/>
-              <a:buFontTx/>
-              <a:buNone/>
-              <a:tabLst/>
-              <a:defRPr/>
-            </a:pPr>
+              <a:t>Run Test -&gt; Fail</a:t>
+            </a:r>
+          </a:p>
+          <a:p>
             <a:endParaRPr lang="en-AU" b="1" dirty="0"/>
           </a:p>
           <a:p>
-            <a:pPr marL="0" marR="0" lvl="0" indent="0" algn="l" defTabSz="914400" rtl="0" eaLnBrk="1" fontAlgn="auto" latinLnBrk="0" hangingPunct="1">
-              <a:lnSpc>
-                <a:spcPct val="100000"/>
-              </a:lnSpc>
-              <a:spcBef>
-                <a:spcPts val="0"/>
-              </a:spcBef>
-              <a:spcAft>
-                <a:spcPts val="0"/>
-              </a:spcAft>
-              <a:buClrTx/>
-              <a:buSzTx/>
-              <a:buFontTx/>
-              <a:buNone/>
-              <a:tabLst/>
-              <a:defRPr/>
-            </a:pPr>
-            <a:r>
-              <a:rPr lang="en-AU" b="1" dirty="0"/>
-              <a:t>Baby Bathwater | Factory | Service Layer | With Caution | Knowing Patterns | Find Right Solution | Balance == hard.</a:t>
-            </a:r>
-          </a:p>
-          <a:p>
-            <a:pPr marL="0" marR="0" lvl="0" indent="0" algn="l" defTabSz="914400" rtl="0" eaLnBrk="1" fontAlgn="auto" latinLnBrk="0" hangingPunct="1">
-              <a:lnSpc>
-                <a:spcPct val="100000"/>
-              </a:lnSpc>
-              <a:spcBef>
-                <a:spcPts val="0"/>
-              </a:spcBef>
-              <a:spcAft>
-                <a:spcPts val="0"/>
-              </a:spcAft>
-              <a:buClrTx/>
-              <a:buSzTx/>
-              <a:buFontTx/>
-              <a:buNone/>
-              <a:tabLst/>
-              <a:defRPr/>
-            </a:pPr>
-            <a:endParaRPr lang="en-AU" dirty="0"/>
-          </a:p>
-          <a:p>
-            <a:pPr marL="0" marR="0" lvl="0" indent="0" algn="l" defTabSz="914400" rtl="0" eaLnBrk="1" fontAlgn="auto" latinLnBrk="0" hangingPunct="1">
-              <a:lnSpc>
-                <a:spcPct val="100000"/>
-              </a:lnSpc>
-              <a:spcBef>
-                <a:spcPts val="0"/>
-              </a:spcBef>
-              <a:spcAft>
-                <a:spcPts val="0"/>
-              </a:spcAft>
-              <a:buClrTx/>
-              <a:buSzTx/>
-              <a:buFontTx/>
-              <a:buNone/>
-              <a:tabLst/>
-              <a:defRPr/>
-            </a:pPr>
-            <a:r>
-              <a:rPr lang="en-AU" b="1" dirty="0"/>
-              <a:t>Gang of 4 Book, The Other Book</a:t>
-            </a:r>
-          </a:p>
-          <a:p>
-            <a:pPr marL="0" marR="0" lvl="0" indent="0" algn="l" defTabSz="914400" rtl="0" eaLnBrk="1" fontAlgn="auto" latinLnBrk="0" hangingPunct="1">
-              <a:lnSpc>
-                <a:spcPct val="100000"/>
-              </a:lnSpc>
-              <a:spcBef>
-                <a:spcPts val="0"/>
-              </a:spcBef>
-              <a:spcAft>
-                <a:spcPts val="0"/>
-              </a:spcAft>
-              <a:buClrTx/>
-              <a:buSzTx/>
-              <a:buFontTx/>
-              <a:buNone/>
-              <a:tabLst/>
-              <a:defRPr/>
-            </a:pPr>
-            <a:endParaRPr lang="en-AU" dirty="0"/>
-          </a:p>
-          <a:p>
-            <a:pPr marL="0" marR="0" lvl="0" indent="0" algn="l" defTabSz="914400" rtl="0" eaLnBrk="1" fontAlgn="auto" latinLnBrk="0" hangingPunct="1">
-              <a:lnSpc>
-                <a:spcPct val="100000"/>
-              </a:lnSpc>
-              <a:spcBef>
-                <a:spcPts val="0"/>
-              </a:spcBef>
-              <a:spcAft>
-                <a:spcPts val="0"/>
-              </a:spcAft>
-              <a:buClrTx/>
-              <a:buSzTx/>
-              <a:buFontTx/>
-              <a:buNone/>
-              <a:tabLst/>
-              <a:defRPr/>
-            </a:pPr>
-            <a:r>
-              <a:rPr lang="en-AU" dirty="0"/>
-              <a:t>This is a hard one to describe.</a:t>
-            </a:r>
-          </a:p>
-          <a:p>
-            <a:pPr marL="0" marR="0" lvl="0" indent="0" algn="l" defTabSz="914400" rtl="0" eaLnBrk="1" fontAlgn="auto" latinLnBrk="0" hangingPunct="1">
-              <a:lnSpc>
-                <a:spcPct val="100000"/>
-              </a:lnSpc>
-              <a:spcBef>
-                <a:spcPts val="0"/>
-              </a:spcBef>
-              <a:spcAft>
-                <a:spcPts val="0"/>
-              </a:spcAft>
-              <a:buClrTx/>
-              <a:buSzTx/>
-              <a:buFontTx/>
-              <a:buNone/>
-              <a:tabLst/>
-              <a:defRPr/>
-            </a:pPr>
-            <a:endParaRPr lang="en-AU" dirty="0"/>
-          </a:p>
-          <a:p>
-            <a:pPr marL="0" marR="0" lvl="0" indent="0" algn="l" defTabSz="914400" rtl="0" eaLnBrk="1" fontAlgn="auto" latinLnBrk="0" hangingPunct="1">
-              <a:lnSpc>
-                <a:spcPct val="100000"/>
-              </a:lnSpc>
-              <a:spcBef>
-                <a:spcPts val="0"/>
-              </a:spcBef>
-              <a:spcAft>
-                <a:spcPts val="0"/>
-              </a:spcAft>
-              <a:buClrTx/>
-              <a:buSzTx/>
-              <a:buFontTx/>
-              <a:buNone/>
-              <a:tabLst/>
-              <a:defRPr/>
-            </a:pPr>
-            <a:r>
-              <a:rPr lang="en-AU" dirty="0"/>
-              <a:t>I am sure all of you have worked with over-engineered solutions before.</a:t>
-            </a:r>
-          </a:p>
-          <a:p>
-            <a:pPr marL="0" marR="0" lvl="0" indent="0" algn="l" defTabSz="914400" rtl="0" eaLnBrk="1" fontAlgn="auto" latinLnBrk="0" hangingPunct="1">
-              <a:lnSpc>
-                <a:spcPct val="100000"/>
-              </a:lnSpc>
-              <a:spcBef>
-                <a:spcPts val="0"/>
-              </a:spcBef>
-              <a:spcAft>
-                <a:spcPts val="0"/>
-              </a:spcAft>
-              <a:buClrTx/>
-              <a:buSzTx/>
-              <a:buFontTx/>
-              <a:buNone/>
-              <a:tabLst/>
-              <a:defRPr/>
-            </a:pPr>
-            <a:endParaRPr lang="en-AU" dirty="0"/>
-          </a:p>
-          <a:p>
-            <a:pPr marL="0" marR="0" lvl="0" indent="0" algn="l" defTabSz="914400" rtl="0" eaLnBrk="1" fontAlgn="auto" latinLnBrk="0" hangingPunct="1">
-              <a:lnSpc>
-                <a:spcPct val="100000"/>
-              </a:lnSpc>
-              <a:spcBef>
-                <a:spcPts val="0"/>
-              </a:spcBef>
-              <a:spcAft>
-                <a:spcPts val="0"/>
-              </a:spcAft>
-              <a:buClrTx/>
-              <a:buSzTx/>
-              <a:buFontTx/>
-              <a:buNone/>
-              <a:tabLst/>
-              <a:defRPr/>
-            </a:pPr>
-            <a:r>
-              <a:rPr lang="en-AU" dirty="0"/>
-              <a:t>Some fun warning signs: CORBA, Message Queues, The Cloud, Microservices. or pretty much anything your manager has said since you started programming…</a:t>
-            </a:r>
-          </a:p>
-          <a:p>
-            <a:pPr marL="0" marR="0" lvl="0" indent="0" algn="l" defTabSz="914400" rtl="0" eaLnBrk="1" fontAlgn="auto" latinLnBrk="0" hangingPunct="1">
-              <a:lnSpc>
-                <a:spcPct val="100000"/>
-              </a:lnSpc>
-              <a:spcBef>
-                <a:spcPts val="0"/>
-              </a:spcBef>
-              <a:spcAft>
-                <a:spcPts val="0"/>
-              </a:spcAft>
-              <a:buClrTx/>
-              <a:buSzTx/>
-              <a:buFontTx/>
-              <a:buNone/>
-              <a:tabLst/>
-              <a:defRPr/>
-            </a:pPr>
-            <a:endParaRPr lang="en-AU" dirty="0"/>
-          </a:p>
-          <a:p>
-            <a:r>
-              <a:rPr lang="en-AU" dirty="0"/>
-              <a:t>On top of that programmers bless their soles tend to think up complex solutions to often simple problems.</a:t>
-            </a:r>
-          </a:p>
-          <a:p>
-            <a:endParaRPr lang="en-AU" dirty="0"/>
-          </a:p>
-          <a:p>
-            <a:r>
-              <a:rPr lang="en-AU" dirty="0"/>
-              <a:t>So the idea here is your focusing on the bare minimum required to get the code working.</a:t>
-            </a:r>
-          </a:p>
-          <a:p>
-            <a:endParaRPr lang="en-AU" dirty="0"/>
-          </a:p>
-          <a:p>
-            <a:r>
-              <a:rPr lang="en-AU" dirty="0"/>
-              <a:t>But, don’t throw the baby out with the bath water, if you know your going to need a Factory or a Service Layer, a Repository or some other design pattern. Implement it early, it will start to smell if it isn’t right. This will come with experience, so start small.</a:t>
-            </a:r>
-          </a:p>
-          <a:p>
-            <a:endParaRPr lang="en-AU" dirty="0"/>
-          </a:p>
-          <a:p>
-            <a:r>
-              <a:rPr lang="en-AU" dirty="0"/>
-              <a:t>The simple fact that you can refactor and know you wont be breaking code means you can start simply and then evolve the solution as needed.</a:t>
-            </a:r>
-          </a:p>
-          <a:p>
-            <a:endParaRPr lang="en-AU" dirty="0"/>
+            <a:endParaRPr lang="en-AU" b="1" dirty="0"/>
+          </a:p>
+          <a:p>
+            <a:endParaRPr lang="en-AU" b="1" dirty="0"/>
+          </a:p>
+          <a:p>
+            <a:endParaRPr lang="en-AU" b="1" dirty="0"/>
+          </a:p>
+          <a:p>
+            <a:endParaRPr lang="en-AU" b="1" dirty="0"/>
           </a:p>
         </p:txBody>
       </p:sp>
@@ -1767,7 +1477,7 @@
     </p:spTree>
     <p:extLst>
       <p:ext uri="{BB962C8B-B14F-4D97-AF65-F5344CB8AC3E}">
-        <p14:creationId xmlns:p14="http://schemas.microsoft.com/office/powerpoint/2010/main" val="752595651"/>
+        <p14:creationId xmlns:p14="http://schemas.microsoft.com/office/powerpoint/2010/main" val="3786146881"/>
       </p:ext>
     </p:extLst>
   </p:cSld>
@@ -1823,7 +1533,7 @@
           <a:p>
             <a:r>
               <a:rPr lang="en-AU" b="1" dirty="0"/>
-              <a:t>Verbatim</a:t>
+              <a:t>Simple Implementation | Run Test Pass</a:t>
             </a:r>
           </a:p>
         </p:txBody>
@@ -1854,7 +1564,7 @@
     </p:spTree>
     <p:extLst>
       <p:ext uri="{BB962C8B-B14F-4D97-AF65-F5344CB8AC3E}">
-        <p14:creationId xmlns:p14="http://schemas.microsoft.com/office/powerpoint/2010/main" val="3274277646"/>
+        <p14:creationId xmlns:p14="http://schemas.microsoft.com/office/powerpoint/2010/main" val="313825598"/>
       </p:ext>
     </p:extLst>
   </p:cSld>
@@ -1908,24 +1618,6 @@
           <a:bodyPr/>
           <a:lstStyle/>
           <a:p>
-            <a:r>
-              <a:rPr lang="en-AU" b="1" dirty="0"/>
-              <a:t>Dependent Tests = Cause you pain </a:t>
-            </a:r>
-          </a:p>
-          <a:p>
-            <a:r>
-              <a:rPr lang="en-AU" b="1" dirty="0"/>
-              <a:t>Slow / Unit Tests = Wont be run (Keep them separate)</a:t>
-            </a:r>
-          </a:p>
-          <a:p>
-            <a:r>
-              <a:rPr lang="en-AU" b="1" dirty="0"/>
-              <a:t>Private Methods | Mock -&gt; Check Database  }} expand</a:t>
-            </a:r>
-          </a:p>
-          <a:p>
             <a:pPr marL="0" marR="0" lvl="0" indent="0" algn="l" defTabSz="914400" rtl="0" eaLnBrk="1" fontAlgn="auto" latinLnBrk="0" hangingPunct="1">
               <a:lnSpc>
                 <a:spcPct val="100000"/>
@@ -1945,61 +1637,17 @@
             </a:pPr>
             <a:r>
               <a:rPr lang="en-AU" b="1" dirty="0"/>
-              <a:t>Methods | Focus Tests on Functionality</a:t>
-            </a:r>
-          </a:p>
-          <a:p>
-            <a:r>
+              <a:t>Loyalty Card / Membership | 10% discount</a:t>
+            </a:r>
+            <a:br>
               <a:rPr lang="en-AU" b="1" dirty="0"/>
-              <a:t>“</a:t>
-            </a:r>
-            <a:r>
-              <a:rPr lang="en-US" sz="1200" b="1" i="0" kern="1200" dirty="0">
-                <a:solidFill>
-                  <a:schemeClr val="tx1"/>
-                </a:solidFill>
-                <a:effectLst/>
-                <a:latin typeface="+mn-lt"/>
-                <a:ea typeface="+mn-ea"/>
-                <a:cs typeface="+mn-cs"/>
-              </a:rPr>
-              <a:t>Would I code day-to-day with steps this small? No.</a:t>
-            </a:r>
-            <a:r>
+            </a:br>
+            <a:br>
               <a:rPr lang="en-AU" b="1" dirty="0"/>
-              <a:t>“</a:t>
-            </a:r>
-            <a:r>
-              <a:rPr lang="en-AU" dirty="0"/>
-              <a:t> – Kent Beck - </a:t>
-            </a:r>
-            <a:r>
-              <a:rPr lang="en-US" b="1" dirty="0"/>
-              <a:t>TDD by example pdf</a:t>
-            </a:r>
-            <a:endParaRPr lang="en-AU" b="1" dirty="0"/>
-          </a:p>
-          <a:p>
-            <a:pPr marL="0" marR="0" lvl="0" indent="0" algn="l" defTabSz="914400" rtl="0" eaLnBrk="1" fontAlgn="auto" latinLnBrk="0" hangingPunct="1">
-              <a:lnSpc>
-                <a:spcPct val="100000"/>
-              </a:lnSpc>
-              <a:spcBef>
-                <a:spcPts val="0"/>
-              </a:spcBef>
-              <a:spcAft>
-                <a:spcPts val="0"/>
-              </a:spcAft>
-              <a:buClrTx/>
-              <a:buSzTx/>
-              <a:buFontTx/>
-              <a:buNone/>
-              <a:tabLst/>
-              <a:defRPr/>
-            </a:pPr>
+            </a:br>
             <a:r>
               <a:rPr lang="en-AU" b="1" dirty="0"/>
-              <a:t>If you know the design is, do it. Miss-interpretation of original intent.</a:t>
+              <a:t>Customer Object</a:t>
             </a:r>
           </a:p>
           <a:p>
@@ -2023,59 +1671,30 @@
             <a:endParaRPr lang="en-AU" b="1" dirty="0"/>
           </a:p>
           <a:p>
-            <a:r>
-              <a:rPr lang="en-AU" dirty="0"/>
-              <a:t>Tests should be independent and can be run in any order and in parallel.</a:t>
-            </a:r>
-          </a:p>
-          <a:p>
-            <a:r>
-              <a:rPr lang="en-AU" dirty="0"/>
-              <a:t>Tests should be fast, or people wont run them. People wont run them, they will break stuff.</a:t>
-            </a:r>
-          </a:p>
-          <a:p>
-            <a:r>
-              <a:rPr lang="en-AU" dirty="0"/>
-              <a:t>Unit Tests that integrate…. Don’t get me wrong there is value for integration tests, but they should be kept separate.</a:t>
-            </a:r>
-          </a:p>
-          <a:p>
-            <a:r>
-              <a:rPr lang="en-AU" dirty="0"/>
-              <a:t>Testing private methods: Your testing the external interfaces. Create something, Get it, Delete it, Assure its deleted.</a:t>
-            </a:r>
-          </a:p>
-          <a:p>
-            <a:r>
-              <a:rPr lang="en-AU" dirty="0"/>
-              <a:t>Don’t focus on what method you need to test next. Focus on the requirements, or micro bits of business logic.</a:t>
-            </a:r>
-          </a:p>
-          <a:p>
-            <a:endParaRPr lang="en-AU" dirty="0"/>
-          </a:p>
-          <a:p>
-            <a:r>
-              <a:rPr lang="en-AU" dirty="0"/>
-              <a:t>So it has become very popular when giving examples to write the absolute minimum amount of code to make a test pass, even stopping ½ way through writing a test to make it pass IMHO this is a miss-interpretation of the original intent. “</a:t>
-            </a:r>
-            <a:r>
-              <a:rPr lang="en-US" sz="1200" b="0" i="0" kern="1200" dirty="0">
-                <a:solidFill>
-                  <a:schemeClr val="tx1"/>
-                </a:solidFill>
-                <a:effectLst/>
-                <a:latin typeface="+mn-lt"/>
-                <a:ea typeface="+mn-ea"/>
-                <a:cs typeface="+mn-cs"/>
-              </a:rPr>
-              <a:t>Would I code day-to-day with steps this small? No.</a:t>
-            </a:r>
-            <a:r>
-              <a:rPr lang="en-AU" dirty="0"/>
-              <a:t>“ – Kent Beck </a:t>
-            </a:r>
+            <a:pPr marL="0" marR="0" lvl="0" indent="0" algn="l" defTabSz="914400" rtl="0" eaLnBrk="1" fontAlgn="auto" latinLnBrk="0" hangingPunct="1">
+              <a:lnSpc>
+                <a:spcPct val="100000"/>
+              </a:lnSpc>
+              <a:spcBef>
+                <a:spcPts val="0"/>
+              </a:spcBef>
+              <a:spcAft>
+                <a:spcPts val="0"/>
+              </a:spcAft>
+              <a:buClrTx/>
+              <a:buSzTx/>
+              <a:buFontTx/>
+              <a:buNone/>
+              <a:tabLst/>
+              <a:defRPr/>
+            </a:pPr>
+            <a:r>
+              <a:rPr lang="en-AU" b="1" dirty="0"/>
+              <a:t>Run Test | Fail</a:t>
+            </a:r>
+          </a:p>
+          <a:p>
+            <a:endParaRPr lang="en-AU" b="1" dirty="0"/>
           </a:p>
         </p:txBody>
       </p:sp>
@@ -2105,7 +1724,7 @@
     </p:spTree>
     <p:extLst>
       <p:ext uri="{BB962C8B-B14F-4D97-AF65-F5344CB8AC3E}">
-        <p14:creationId xmlns:p14="http://schemas.microsoft.com/office/powerpoint/2010/main" val="3380934103"/>
+        <p14:creationId xmlns:p14="http://schemas.microsoft.com/office/powerpoint/2010/main" val="1526534509"/>
       </p:ext>
     </p:extLst>
   </p:cSld>
@@ -2159,28 +1778,6 @@
           <a:bodyPr/>
           <a:lstStyle/>
           <a:p>
-            <a:r>
-              <a:rPr lang="en-AU" b="1" dirty="0" err="1"/>
-              <a:t>.Net</a:t>
-            </a:r>
-            <a:r>
-              <a:rPr lang="en-AU" b="1" dirty="0"/>
-              <a:t> Core added InMemory Database</a:t>
-            </a:r>
-          </a:p>
-          <a:p>
-            <a:r>
-              <a:rPr lang="en-AU" b="1" dirty="0"/>
-              <a:t>Game Changer – I used it in the Payroll system</a:t>
-            </a:r>
-          </a:p>
-          <a:p>
-            <a:r>
-              <a:rPr lang="en-AU" b="1" dirty="0"/>
-              <a:t>Don’t Test Crud</a:t>
-            </a:r>
-          </a:p>
-          <a:p>
             <a:pPr marL="0" marR="0" lvl="0" indent="0" algn="l" defTabSz="914400" rtl="0" eaLnBrk="1" fontAlgn="auto" latinLnBrk="0" hangingPunct="1">
               <a:lnSpc>
                 <a:spcPct val="100000"/>
@@ -2200,110 +1797,11 @@
             </a:pPr>
             <a:r>
               <a:rPr lang="en-AU" b="1" dirty="0"/>
-              <a:t>Pagination Example</a:t>
-            </a:r>
-          </a:p>
-          <a:p>
-            <a:pPr marL="0" marR="0" lvl="0" indent="0" algn="l" defTabSz="914400" rtl="0" eaLnBrk="1" fontAlgn="auto" latinLnBrk="0" hangingPunct="1">
-              <a:lnSpc>
-                <a:spcPct val="100000"/>
-              </a:lnSpc>
-              <a:spcBef>
-                <a:spcPts val="0"/>
-              </a:spcBef>
-              <a:spcAft>
-                <a:spcPts val="0"/>
-              </a:spcAft>
-              <a:buClrTx/>
-              <a:buSzTx/>
-              <a:buFontTx/>
-              <a:buNone/>
-              <a:tabLst/>
-              <a:defRPr/>
-            </a:pPr>
-            <a:r>
-              <a:rPr lang="en-AU" b="1" dirty="0"/>
-              <a:t>Jason Taylor – 20 Minutes</a:t>
-            </a:r>
-          </a:p>
-          <a:p>
-            <a:endParaRPr lang="en-AU" b="0" dirty="0"/>
-          </a:p>
-          <a:p>
-            <a:pPr marL="0" marR="0" lvl="0" indent="0" algn="l" defTabSz="914400" rtl="0" eaLnBrk="1" fontAlgn="auto" latinLnBrk="0" hangingPunct="1">
-              <a:lnSpc>
-                <a:spcPct val="100000"/>
-              </a:lnSpc>
-              <a:spcBef>
-                <a:spcPts val="0"/>
-              </a:spcBef>
-              <a:spcAft>
-                <a:spcPts val="0"/>
-              </a:spcAft>
-              <a:buClrTx/>
-              <a:buSzTx/>
-              <a:buFontTx/>
-              <a:buNone/>
-              <a:tabLst/>
-              <a:defRPr/>
-            </a:pPr>
-            <a:r>
-              <a:rPr lang="en-AU" b="1" dirty="0"/>
-              <a:t>Time Limitations</a:t>
-            </a:r>
-          </a:p>
-          <a:p>
-            <a:endParaRPr lang="en-AU" b="0" dirty="0"/>
-          </a:p>
-          <a:p>
-            <a:r>
-              <a:rPr lang="en-AU" b="0" dirty="0"/>
-              <a:t>So </a:t>
-            </a:r>
-            <a:r>
-              <a:rPr lang="en-AU" b="0" dirty="0" err="1"/>
-              <a:t>.Net</a:t>
-            </a:r>
-            <a:r>
-              <a:rPr lang="en-AU" b="0" dirty="0"/>
-              <a:t> core added the InMemory database and to be honest I am astounded it hasn’t got more attention, it’s a bit of a game changer.</a:t>
-            </a:r>
-          </a:p>
-          <a:p>
-            <a:endParaRPr lang="en-AU" b="0" dirty="0"/>
-          </a:p>
-          <a:p>
-            <a:r>
-              <a:rPr lang="en-AU" b="0" dirty="0"/>
-              <a:t>That said, don’t fall into the trap of testing crud, it’s fragile.</a:t>
-            </a:r>
-          </a:p>
-          <a:p>
-            <a:endParaRPr lang="en-AU" b="0" dirty="0"/>
-          </a:p>
-          <a:p>
-            <a:r>
-              <a:rPr lang="en-AU" b="0" dirty="0"/>
-              <a:t>I’ve linked a simple example that implements searching, filtering ordering and pagination. It’s also at the end of the slide.</a:t>
-            </a:r>
-          </a:p>
-          <a:p>
-            <a:endParaRPr lang="en-AU" b="0" dirty="0"/>
-          </a:p>
-          <a:p>
-            <a:r>
-              <a:rPr lang="en-AU" b="0" dirty="0"/>
-              <a:t>Jason Taylor has also done a brief 20 minute presentation on using it which is worth watching. </a:t>
-            </a:r>
-          </a:p>
-          <a:p>
-            <a:endParaRPr lang="en-AU" b="0" dirty="0"/>
-          </a:p>
-          <a:p>
-            <a:r>
-              <a:rPr lang="en-AU" b="0" dirty="0"/>
-              <a:t>Because of time limitations I won’t go into detail on this</a:t>
-            </a:r>
+              <a:t>Add Code to Handle Club Member | Pass Test</a:t>
+            </a:r>
+          </a:p>
+          <a:p>
+            <a:endParaRPr lang="en-AU" b="1" dirty="0"/>
           </a:p>
         </p:txBody>
       </p:sp>
@@ -2333,7 +1831,7 @@
     </p:spTree>
     <p:extLst>
       <p:ext uri="{BB962C8B-B14F-4D97-AF65-F5344CB8AC3E}">
-        <p14:creationId xmlns:p14="http://schemas.microsoft.com/office/powerpoint/2010/main" val="3498915987"/>
+        <p14:creationId xmlns:p14="http://schemas.microsoft.com/office/powerpoint/2010/main" val="467920552"/>
       </p:ext>
     </p:extLst>
   </p:cSld>
@@ -2387,22 +1885,81 @@
           <a:bodyPr/>
           <a:lstStyle/>
           <a:p>
+            <a:pPr marL="0" marR="0" lvl="0" indent="0" algn="l" defTabSz="914400" rtl="0" eaLnBrk="1" fontAlgn="auto" latinLnBrk="0" hangingPunct="1">
+              <a:lnSpc>
+                <a:spcPct val="100000"/>
+              </a:lnSpc>
+              <a:spcBef>
+                <a:spcPts val="0"/>
+              </a:spcBef>
+              <a:spcAft>
+                <a:spcPts val="0"/>
+              </a:spcAft>
+              <a:buClrTx/>
+              <a:buSzTx/>
+              <a:buFontTx/>
+              <a:buNone/>
+              <a:tabLst/>
+              <a:defRPr/>
+            </a:pPr>
             <a:r>
               <a:rPr lang="en-AU" b="1" dirty="0"/>
-              <a:t>Example of creating the in memory context.</a:t>
-            </a:r>
-          </a:p>
-          <a:p>
+              <a:t>Put Products on Sale</a:t>
+            </a:r>
+          </a:p>
+          <a:p>
+            <a:pPr marL="0" marR="0" lvl="0" indent="0" algn="l" defTabSz="914400" rtl="0" eaLnBrk="1" fontAlgn="auto" latinLnBrk="0" hangingPunct="1">
+              <a:lnSpc>
+                <a:spcPct val="100000"/>
+              </a:lnSpc>
+              <a:spcBef>
+                <a:spcPts val="0"/>
+              </a:spcBef>
+              <a:spcAft>
+                <a:spcPts val="0"/>
+              </a:spcAft>
+              <a:buClrTx/>
+              <a:buSzTx/>
+              <a:buFontTx/>
+              <a:buNone/>
+              <a:tabLst/>
+              <a:defRPr/>
+            </a:pPr>
             <a:endParaRPr lang="en-AU" b="1" dirty="0"/>
           </a:p>
           <a:p>
-            <a:endParaRPr lang="en-AU" b="0" dirty="0"/>
-          </a:p>
-          <a:p>
-            <a:r>
-              <a:rPr lang="en-AU" b="0" dirty="0"/>
-              <a:t>SO this is an example of creating the in memory database context. It’s pretty self explanatory.</a:t>
-            </a:r>
+            <a:pPr marL="0" marR="0" lvl="0" indent="0" algn="l" defTabSz="914400" rtl="0" eaLnBrk="1" fontAlgn="auto" latinLnBrk="0" hangingPunct="1">
+              <a:lnSpc>
+                <a:spcPct val="100000"/>
+              </a:lnSpc>
+              <a:spcBef>
+                <a:spcPts val="0"/>
+              </a:spcBef>
+              <a:spcAft>
+                <a:spcPts val="0"/>
+              </a:spcAft>
+              <a:buClrTx/>
+              <a:buSzTx/>
+              <a:buFontTx/>
+              <a:buNone/>
+              <a:tabLst/>
+              <a:defRPr/>
+            </a:pPr>
+            <a:r>
+              <a:rPr lang="en-AU" b="1" dirty="0"/>
+              <a:t>Product Object | Refactor </a:t>
+            </a:r>
+            <a:r>
+              <a:rPr lang="en-AU" b="1" dirty="0" err="1"/>
+              <a:t>GetPrice</a:t>
+            </a:r>
+            <a:r>
+              <a:rPr lang="en-AU" b="1" dirty="0"/>
+              <a:t> | Run Test = Fail</a:t>
+            </a:r>
+          </a:p>
+          <a:p>
+            <a:endParaRPr lang="en-AU" b="1" dirty="0"/>
           </a:p>
         </p:txBody>
       </p:sp>
@@ -2432,7 +1989,7 @@
     </p:spTree>
     <p:extLst>
       <p:ext uri="{BB962C8B-B14F-4D97-AF65-F5344CB8AC3E}">
-        <p14:creationId xmlns:p14="http://schemas.microsoft.com/office/powerpoint/2010/main" val="2631704921"/>
+        <p14:creationId xmlns:p14="http://schemas.microsoft.com/office/powerpoint/2010/main" val="627239627"/>
       </p:ext>
     </p:extLst>
   </p:cSld>
@@ -2500,10 +2057,7 @@
               <a:buFont typeface="Arial" panose="020B0604020202020204" pitchFamily="34" charset="0"/>
               <a:buNone/>
             </a:pPr>
-            <a:r>
-              <a:rPr lang="en-US" b="1" dirty="0"/>
-              <a:t>Q: Write Tests </a:t>
-            </a:r>
+            <a:endParaRPr lang="en-US" b="1" dirty="0"/>
           </a:p>
           <a:p>
             <a:pPr marL="0" indent="0">
@@ -2512,7 +2066,34 @@
             </a:pPr>
             <a:r>
               <a:rPr lang="en-US" b="1" dirty="0"/>
-              <a:t>Q Does TDD? Test &gt; Code</a:t>
+              <a:t>Question? Who writes Tests?</a:t>
+            </a:r>
+          </a:p>
+          <a:p>
+            <a:pPr marL="0" indent="0">
+              <a:buFont typeface="Arial" panose="020B0604020202020204" pitchFamily="34" charset="0"/>
+              <a:buNone/>
+            </a:pPr>
+            <a:r>
+              <a:rPr lang="en-US" b="1" dirty="0"/>
+              <a:t>Question? Who does TDD?</a:t>
+            </a:r>
+          </a:p>
+          <a:p>
+            <a:pPr marL="0" indent="0">
+              <a:buFont typeface="Arial" panose="020B0604020202020204" pitchFamily="34" charset="0"/>
+              <a:buNone/>
+            </a:pPr>
+            <a:endParaRPr lang="en-US" b="1" dirty="0"/>
+          </a:p>
+          <a:p>
+            <a:pPr marL="0" indent="0">
+              <a:buFont typeface="Arial" panose="020B0604020202020204" pitchFamily="34" charset="0"/>
+              <a:buNone/>
+            </a:pPr>
+            <a:r>
+              <a:rPr lang="en-US" b="1" dirty="0"/>
+              <a:t>TDD?: Write Test before Write Production Code…</a:t>
             </a:r>
           </a:p>
           <a:p>
@@ -2539,7 +2120,31 @@
             </a:pPr>
             <a:r>
               <a:rPr lang="en-US" dirty="0"/>
-              <a:t>Who here does test driven development at work?</a:t>
+              <a:t>Who here does or has done TDD at work?</a:t>
+            </a:r>
+          </a:p>
+          <a:p>
+            <a:pPr marL="171450" indent="-171450">
+              <a:buFont typeface="Arial" panose="020B0604020202020204" pitchFamily="34" charset="0"/>
+              <a:buChar char="•"/>
+            </a:pPr>
+            <a:endParaRPr lang="en-US" dirty="0"/>
+          </a:p>
+          <a:p>
+            <a:pPr marL="171450" indent="-171450">
+              <a:buFont typeface="Arial" panose="020B0604020202020204" pitchFamily="34" charset="0"/>
+              <a:buChar char="•"/>
+            </a:pPr>
+            <a:r>
+              <a:rPr lang="en-US" dirty="0"/>
+              <a:t>What is Test Driven Development?</a:t>
+            </a:r>
+            <a:br>
+              <a:rPr lang="en-US" dirty="0"/>
+            </a:br>
+            <a:r>
+              <a:rPr lang="en-US" dirty="0"/>
+              <a:t>Its pretty simple, you write the tests before you write the production code.</a:t>
             </a:r>
           </a:p>
         </p:txBody>
@@ -2624,58 +2229,9 @@
           <a:bodyPr/>
           <a:lstStyle/>
           <a:p>
-            <a:pPr marL="0" marR="0" lvl="0" indent="0" algn="l" defTabSz="914400" rtl="0" eaLnBrk="1" fontAlgn="auto" latinLnBrk="0" hangingPunct="1">
-              <a:lnSpc>
-                <a:spcPct val="100000"/>
-              </a:lnSpc>
-              <a:spcBef>
-                <a:spcPts val="0"/>
-              </a:spcBef>
-              <a:spcAft>
-                <a:spcPts val="0"/>
-              </a:spcAft>
-              <a:buClrTx/>
-              <a:buSzTx/>
-              <a:buFontTx/>
-              <a:buNone/>
-              <a:tabLst/>
-              <a:defRPr/>
-            </a:pPr>
             <a:r>
               <a:rPr lang="en-AU" b="1" dirty="0"/>
-              <a:t>Test that the Paginator Paginates.</a:t>
-            </a:r>
-          </a:p>
-          <a:p>
-            <a:pPr marL="0" marR="0" lvl="0" indent="0" algn="l" defTabSz="914400" rtl="0" eaLnBrk="1" fontAlgn="auto" latinLnBrk="0" hangingPunct="1">
-              <a:lnSpc>
-                <a:spcPct val="100000"/>
-              </a:lnSpc>
-              <a:spcBef>
-                <a:spcPts val="0"/>
-              </a:spcBef>
-              <a:spcAft>
-                <a:spcPts val="0"/>
-              </a:spcAft>
-              <a:buClrTx/>
-              <a:buSzTx/>
-              <a:buFontTx/>
-              <a:buNone/>
-              <a:tabLst/>
-              <a:defRPr/>
-            </a:pPr>
-            <a:r>
-              <a:rPr lang="en-AU" b="1" dirty="0"/>
-              <a:t>Go through the code… Widgets adds a bunch of widgets…</a:t>
-            </a:r>
-          </a:p>
-          <a:p>
-            <a:endParaRPr lang="en-AU" b="1" dirty="0"/>
-          </a:p>
-          <a:p>
-            <a:r>
-              <a:rPr lang="en-AU" b="0" dirty="0"/>
-              <a:t>So then here is a simple example of using it. Passing in the in memory context to the concrete repository. Creating some widgets, then searching for them and assuring we get the number back that we requested. Simple but it proves the paginator paginates.</a:t>
+              <a:t>So Account for Sale Price | Not Realistic = Sales are for limited time</a:t>
             </a:r>
           </a:p>
         </p:txBody>
@@ -2706,7 +2262,7 @@
     </p:spTree>
     <p:extLst>
       <p:ext uri="{BB962C8B-B14F-4D97-AF65-F5344CB8AC3E}">
-        <p14:creationId xmlns:p14="http://schemas.microsoft.com/office/powerpoint/2010/main" val="3324498862"/>
+        <p14:creationId xmlns:p14="http://schemas.microsoft.com/office/powerpoint/2010/main" val="743170740"/>
       </p:ext>
     </p:extLst>
   </p:cSld>
@@ -2760,114 +2316,30 @@
           <a:bodyPr/>
           <a:lstStyle/>
           <a:p>
-            <a:pPr fontAlgn="base"/>
-            <a:r>
-              <a:rPr lang="en-AU" sz="1200" b="1" i="0" kern="1200" dirty="0">
-                <a:solidFill>
-                  <a:schemeClr val="tx1"/>
-                </a:solidFill>
-                <a:effectLst/>
-                <a:latin typeface="+mn-lt"/>
-                <a:ea typeface="+mn-ea"/>
-                <a:cs typeface="+mn-cs"/>
-              </a:rPr>
-              <a:t>Sometimes Test Service Layer But Not Repository.</a:t>
-            </a:r>
-          </a:p>
-          <a:p>
-            <a:pPr fontAlgn="base"/>
-            <a:endParaRPr lang="en-AU" sz="1200" b="1" i="0" kern="1200" dirty="0">
-              <a:solidFill>
-                <a:schemeClr val="tx1"/>
-              </a:solidFill>
-              <a:effectLst/>
-              <a:latin typeface="+mn-lt"/>
-              <a:ea typeface="+mn-ea"/>
-              <a:cs typeface="+mn-cs"/>
-            </a:endParaRPr>
-          </a:p>
-          <a:p>
-            <a:pPr fontAlgn="base"/>
-            <a:r>
-              <a:rPr lang="en-AU" sz="1200" b="1" i="0" kern="1200" dirty="0">
-                <a:solidFill>
-                  <a:schemeClr val="tx1"/>
-                </a:solidFill>
-                <a:effectLst/>
-                <a:latin typeface="+mn-lt"/>
-                <a:ea typeface="+mn-ea"/>
-                <a:cs typeface="+mn-cs"/>
-              </a:rPr>
-              <a:t>Verbatim</a:t>
-            </a:r>
-          </a:p>
-          <a:p>
-            <a:pPr fontAlgn="base"/>
-            <a:endParaRPr lang="en-AU" sz="1200" b="1" i="0" kern="1200" dirty="0">
-              <a:solidFill>
-                <a:schemeClr val="tx1"/>
-              </a:solidFill>
-              <a:effectLst/>
-              <a:latin typeface="+mn-lt"/>
-              <a:ea typeface="+mn-ea"/>
-              <a:cs typeface="+mn-cs"/>
-            </a:endParaRPr>
-          </a:p>
-          <a:p>
-            <a:pPr fontAlgn="base"/>
-            <a:r>
-              <a:rPr lang="en-AU" sz="1200" b="1" i="0" kern="1200" dirty="0">
-                <a:solidFill>
-                  <a:schemeClr val="tx1"/>
-                </a:solidFill>
-                <a:effectLst/>
-                <a:latin typeface="+mn-lt"/>
-                <a:ea typeface="+mn-ea"/>
-                <a:cs typeface="+mn-cs"/>
-              </a:rPr>
-              <a:t>Fakes? Consensus = Stub</a:t>
-            </a:r>
-          </a:p>
-          <a:p>
-            <a:pPr fontAlgn="base"/>
-            <a:r>
-              <a:rPr lang="en-AU" sz="1200" b="1" i="0" kern="1200" dirty="0">
-                <a:solidFill>
-                  <a:schemeClr val="tx1"/>
-                </a:solidFill>
-                <a:effectLst/>
-                <a:latin typeface="+mn-lt"/>
-                <a:ea typeface="+mn-ea"/>
-                <a:cs typeface="+mn-cs"/>
-              </a:rPr>
-              <a:t>Test Doubles</a:t>
-            </a:r>
-          </a:p>
-          <a:p>
-            <a:pPr fontAlgn="base"/>
-            <a:endParaRPr lang="en-AU" sz="1200" b="0" i="0" kern="1200" dirty="0">
-              <a:solidFill>
-                <a:schemeClr val="tx1"/>
-              </a:solidFill>
-              <a:effectLst/>
-              <a:latin typeface="+mn-lt"/>
-              <a:ea typeface="+mn-ea"/>
-              <a:cs typeface="+mn-cs"/>
-            </a:endParaRPr>
-          </a:p>
-          <a:p>
-            <a:pPr fontAlgn="base"/>
-            <a:r>
-              <a:rPr lang="en-AU" sz="1200" b="0" i="0" kern="1200" dirty="0">
-                <a:solidFill>
-                  <a:schemeClr val="tx1"/>
-                </a:solidFill>
-                <a:effectLst/>
-                <a:latin typeface="+mn-lt"/>
-                <a:ea typeface="+mn-ea"/>
-                <a:cs typeface="+mn-cs"/>
-              </a:rPr>
-              <a:t>So there was a bit of a land grab in the early 2000s and people started making up all sorts of fancy names for different things. But it all boils down to there being two types of ‘test doubles’ which are the stub and the mock… </a:t>
+            <a:r>
+              <a:rPr lang="en-AU" b="1" dirty="0" err="1"/>
+              <a:t>So.</a:t>
+            </a:r>
+            <a:r>
+              <a:rPr lang="en-AU" b="1" dirty="0"/>
+              <a:t>. Lets add Sales to the Product | Test</a:t>
+            </a:r>
+          </a:p>
+          <a:p>
+            <a:endParaRPr lang="en-AU" b="1" dirty="0"/>
+          </a:p>
+          <a:p>
+            <a:r>
+              <a:rPr lang="en-AU" b="1" dirty="0"/>
+              <a:t>Dates will be outdated… So </a:t>
+            </a:r>
+            <a:r>
+              <a:rPr lang="en-AU" b="1" dirty="0" err="1"/>
+              <a:t>Mock|Stub</a:t>
+            </a:r>
+            <a:r>
+              <a:rPr lang="en-AU" b="1" dirty="0"/>
+              <a:t> Time</a:t>
             </a:r>
           </a:p>
         </p:txBody>
@@ -2898,7 +2370,7 @@
     </p:spTree>
     <p:extLst>
       <p:ext uri="{BB962C8B-B14F-4D97-AF65-F5344CB8AC3E}">
-        <p14:creationId xmlns:p14="http://schemas.microsoft.com/office/powerpoint/2010/main" val="2035013783"/>
+        <p14:creationId xmlns:p14="http://schemas.microsoft.com/office/powerpoint/2010/main" val="650213715"/>
       </p:ext>
     </p:extLst>
   </p:cSld>
@@ -2953,169 +2425,22 @@
           <a:lstStyle/>
           <a:p>
             <a:r>
+              <a:rPr lang="en-AU" b="1" dirty="0" err="1"/>
+              <a:t>ICalendar</a:t>
+            </a:r>
+            <a:r>
               <a:rPr lang="en-AU" b="1" dirty="0"/>
-              <a:t>Black = Don’t know internals , White = Know internals</a:t>
-            </a:r>
+              <a:t> &amp; Calendar Stub</a:t>
+            </a:r>
+          </a:p>
+          <a:p>
+            <a:endParaRPr lang="en-AU" b="1" dirty="0"/>
           </a:p>
           <a:p>
             <a:r>
               <a:rPr lang="en-AU" b="1" dirty="0"/>
-              <a:t>Testing Internals is generally Bad. I don’t care that </a:t>
-            </a:r>
-            <a:r>
-              <a:rPr lang="en-AU" b="1" dirty="0" err="1"/>
-              <a:t>DayOfWeek</a:t>
-            </a:r>
-            <a:r>
-              <a:rPr lang="en-AU" b="1" dirty="0"/>
-              <a:t> was called once.</a:t>
-            </a:r>
-          </a:p>
-          <a:p>
-            <a:endParaRPr lang="en-AU" dirty="0"/>
-          </a:p>
-          <a:p>
-            <a:r>
-              <a:rPr lang="en-AU" b="1" dirty="0"/>
-              <a:t>“</a:t>
-            </a:r>
-            <a:r>
-              <a:rPr lang="en-US" sz="1200" b="1" i="0" kern="1200" dirty="0">
-                <a:solidFill>
-                  <a:schemeClr val="tx1"/>
-                </a:solidFill>
-                <a:effectLst/>
-                <a:latin typeface="+mn-lt"/>
-                <a:ea typeface="+mn-ea"/>
-                <a:cs typeface="+mn-cs"/>
-              </a:rPr>
-              <a:t>I really like the fact that while writing the test you focus on the result of the behavior, not how it's done. ” – Martin Fowler</a:t>
-            </a:r>
-          </a:p>
-          <a:p>
-            <a:endParaRPr lang="en-US" sz="1200" b="0" i="0" kern="1200" dirty="0">
-              <a:solidFill>
-                <a:schemeClr val="tx1"/>
-              </a:solidFill>
-              <a:effectLst/>
-              <a:latin typeface="+mn-lt"/>
-              <a:ea typeface="+mn-ea"/>
-              <a:cs typeface="+mn-cs"/>
-            </a:endParaRPr>
-          </a:p>
-          <a:p>
-            <a:r>
-              <a:rPr lang="en-US" sz="1200" b="0" i="0" kern="1200" dirty="0">
-                <a:solidFill>
-                  <a:schemeClr val="tx1"/>
-                </a:solidFill>
-                <a:effectLst/>
-                <a:latin typeface="+mn-lt"/>
-                <a:ea typeface="+mn-ea"/>
-                <a:cs typeface="+mn-cs"/>
-              </a:rPr>
-              <a:t>So mocks are a third party library that implements the methods you request. I actually don’t know how they do it, </a:t>
-            </a:r>
-            <a:r>
-              <a:rPr lang="en-US" sz="1200" b="0" i="0" kern="1200" dirty="0" err="1">
-                <a:solidFill>
-                  <a:schemeClr val="tx1"/>
-                </a:solidFill>
-                <a:effectLst/>
-                <a:latin typeface="+mn-lt"/>
-                <a:ea typeface="+mn-ea"/>
-                <a:cs typeface="+mn-cs"/>
-              </a:rPr>
-              <a:t>ExpandoObject</a:t>
-            </a:r>
-            <a:r>
-              <a:rPr lang="en-US" sz="1200" b="0" i="0" kern="1200" dirty="0">
-                <a:solidFill>
-                  <a:schemeClr val="tx1"/>
-                </a:solidFill>
-                <a:effectLst/>
-                <a:latin typeface="+mn-lt"/>
-                <a:ea typeface="+mn-ea"/>
-                <a:cs typeface="+mn-cs"/>
-              </a:rPr>
-              <a:t>? I should really know but I tend to stick in the strongly typed world of </a:t>
-            </a:r>
-            <a:r>
-              <a:rPr lang="en-US" sz="1200" b="0" i="0" kern="1200" dirty="0" err="1">
-                <a:solidFill>
-                  <a:schemeClr val="tx1"/>
-                </a:solidFill>
-                <a:effectLst/>
-                <a:latin typeface="+mn-lt"/>
-                <a:ea typeface="+mn-ea"/>
-                <a:cs typeface="+mn-cs"/>
-              </a:rPr>
-              <a:t>.Net</a:t>
-            </a:r>
-            <a:r>
-              <a:rPr lang="en-US" sz="1200" b="0" i="0" kern="1200" dirty="0">
-                <a:solidFill>
-                  <a:schemeClr val="tx1"/>
-                </a:solidFill>
-                <a:effectLst/>
-                <a:latin typeface="+mn-lt"/>
-                <a:ea typeface="+mn-ea"/>
-                <a:cs typeface="+mn-cs"/>
-              </a:rPr>
-              <a:t> and avoid this kind of stuff.</a:t>
-            </a:r>
-          </a:p>
-          <a:p>
-            <a:endParaRPr lang="en-US" sz="1200" b="0" i="0" kern="1200" dirty="0">
-              <a:solidFill>
-                <a:schemeClr val="tx1"/>
-              </a:solidFill>
-              <a:effectLst/>
-              <a:latin typeface="+mn-lt"/>
-              <a:ea typeface="+mn-ea"/>
-              <a:cs typeface="+mn-cs"/>
-            </a:endParaRPr>
-          </a:p>
-          <a:p>
-            <a:r>
-              <a:rPr lang="en-US" sz="1200" b="0" i="0" kern="1200" dirty="0">
-                <a:solidFill>
-                  <a:schemeClr val="tx1"/>
-                </a:solidFill>
-                <a:effectLst/>
-                <a:latin typeface="+mn-lt"/>
-                <a:ea typeface="+mn-ea"/>
-                <a:cs typeface="+mn-cs"/>
-              </a:rPr>
-              <a:t>So I am not a fan of mocks for one reason, people tend to end up using them to verify that the dependent object was called which to me is a bit of a smell. I like to focus on the inputs and outputs of the object you are testing. So does Martin Fowler so that’s nice.</a:t>
-            </a:r>
-          </a:p>
-          <a:p>
-            <a:endParaRPr lang="en-AU" b="0" dirty="0"/>
-          </a:p>
-          <a:p>
-            <a:r>
-              <a:rPr lang="en-AU" b="0" dirty="0"/>
-              <a:t>“</a:t>
-            </a:r>
-            <a:r>
-              <a:rPr lang="en-US" sz="1200" b="0" i="0" kern="1200" dirty="0">
-                <a:solidFill>
-                  <a:schemeClr val="tx1"/>
-                </a:solidFill>
-                <a:effectLst/>
-                <a:latin typeface="+mn-lt"/>
-                <a:ea typeface="+mn-ea"/>
-                <a:cs typeface="+mn-cs"/>
-              </a:rPr>
-              <a:t>I really like the fact that while writing the test you focus on the result of the behavior, not how it's done. ” – Martin Fowler</a:t>
-            </a:r>
-          </a:p>
-          <a:p>
-            <a:endParaRPr lang="en-AU" b="0" dirty="0"/>
-          </a:p>
-          <a:p>
-            <a:endParaRPr lang="en-AU" dirty="0"/>
+              <a:t>But the Test is Getting Lengthy…</a:t>
+            </a:r>
           </a:p>
         </p:txBody>
       </p:sp>
@@ -3145,7 +2470,7 @@
     </p:spTree>
     <p:extLst>
       <p:ext uri="{BB962C8B-B14F-4D97-AF65-F5344CB8AC3E}">
-        <p14:creationId xmlns:p14="http://schemas.microsoft.com/office/powerpoint/2010/main" val="919874261"/>
+        <p14:creationId xmlns:p14="http://schemas.microsoft.com/office/powerpoint/2010/main" val="99458353"/>
       </p:ext>
     </p:extLst>
   </p:cSld>
@@ -3201,17 +2526,11 @@
           <a:p>
             <a:r>
               <a:rPr lang="en-AU" b="1" dirty="0"/>
-              <a:t>I Like Stubs | Define an output | Go With It</a:t>
-            </a:r>
-          </a:p>
-          <a:p>
-            <a:endParaRPr lang="en-AU" b="0" dirty="0"/>
-          </a:p>
-          <a:p>
-            <a:r>
-              <a:rPr lang="en-AU" b="0" dirty="0"/>
-              <a:t>I like stubs, they are simple (as long as you keep them simple) and it’s harder to fall into the trap of testing anything past the external interfaces of your object under test. </a:t>
-            </a:r>
+              <a:t>Fluid Extensions | 8 Year Old</a:t>
+            </a:r>
+          </a:p>
+          <a:p>
+            <a:endParaRPr lang="en-AU" b="1" dirty="0"/>
           </a:p>
         </p:txBody>
       </p:sp>
@@ -3241,7 +2560,7 @@
     </p:spTree>
     <p:extLst>
       <p:ext uri="{BB962C8B-B14F-4D97-AF65-F5344CB8AC3E}">
-        <p14:creationId xmlns:p14="http://schemas.microsoft.com/office/powerpoint/2010/main" val="3759364831"/>
+        <p14:creationId xmlns:p14="http://schemas.microsoft.com/office/powerpoint/2010/main" val="2597080106"/>
       </p:ext>
     </p:extLst>
   </p:cSld>
@@ -3295,28 +2614,30 @@
           <a:bodyPr/>
           <a:lstStyle/>
           <a:p>
+            <a:pPr marL="0" marR="0" lvl="0" indent="0" algn="l" defTabSz="914400" rtl="0" eaLnBrk="1" fontAlgn="auto" latinLnBrk="0" hangingPunct="1">
+              <a:lnSpc>
+                <a:spcPct val="100000"/>
+              </a:lnSpc>
+              <a:spcBef>
+                <a:spcPts val="0"/>
+              </a:spcBef>
+              <a:spcAft>
+                <a:spcPts val="0"/>
+              </a:spcAft>
+              <a:buClrTx/>
+              <a:buSzTx/>
+              <a:buFontTx/>
+              <a:buNone/>
+              <a:tabLst/>
+              <a:defRPr/>
+            </a:pPr>
             <a:r>
               <a:rPr lang="en-AU" b="1" dirty="0"/>
-              <a:t>8 year old</a:t>
-            </a:r>
-          </a:p>
-          <a:p>
-            <a:endParaRPr lang="en-AU" b="0" dirty="0"/>
-          </a:p>
-          <a:p>
-            <a:r>
-              <a:rPr lang="en-AU" b="0" dirty="0"/>
-              <a:t>I previously mentioned tests should look like your trying to tell a story to an 8 year old. One way to help achieve that is to use Fluid Extensions. </a:t>
-            </a:r>
-          </a:p>
-          <a:p>
-            <a:endParaRPr lang="en-AU" b="0" dirty="0"/>
-          </a:p>
-          <a:p>
-            <a:r>
-              <a:rPr lang="en-AU" b="0" dirty="0"/>
-              <a:t>I tend to use them in the test setup and you can almost write sentences using this approach.</a:t>
-            </a:r>
+              <a:t>Implementation</a:t>
+            </a:r>
+          </a:p>
+          <a:p>
+            <a:endParaRPr lang="en-AU" b="1" dirty="0"/>
           </a:p>
         </p:txBody>
       </p:sp>
@@ -3346,7 +2667,7 @@
     </p:spTree>
     <p:extLst>
       <p:ext uri="{BB962C8B-B14F-4D97-AF65-F5344CB8AC3E}">
-        <p14:creationId xmlns:p14="http://schemas.microsoft.com/office/powerpoint/2010/main" val="3638340669"/>
+        <p14:creationId xmlns:p14="http://schemas.microsoft.com/office/powerpoint/2010/main" val="3746855564"/>
       </p:ext>
     </p:extLst>
   </p:cSld>
@@ -3400,204 +2721,364 @@
           <a:bodyPr/>
           <a:lstStyle/>
           <a:p>
+            <a:pPr marL="0" marR="0" lvl="0" indent="0" algn="l" defTabSz="914400" rtl="0" eaLnBrk="1" fontAlgn="auto" latinLnBrk="0" hangingPunct="1">
+              <a:lnSpc>
+                <a:spcPct val="100000"/>
+              </a:lnSpc>
+              <a:spcBef>
+                <a:spcPts val="0"/>
+              </a:spcBef>
+              <a:spcAft>
+                <a:spcPts val="0"/>
+              </a:spcAft>
+              <a:buClrTx/>
+              <a:buSzTx/>
+              <a:buFontTx/>
+              <a:buNone/>
+              <a:tabLst/>
+              <a:defRPr/>
+            </a:pPr>
             <a:r>
               <a:rPr lang="en-AU" b="1" dirty="0"/>
-              <a:t>Integration Tests = Easy to Understand, Simple to Interface out.</a:t>
-            </a:r>
-          </a:p>
-          <a:p>
+              <a:t>Over over-engineered: Reach for == CORBA, Message Queues, The Cloud, Microservices.</a:t>
+            </a:r>
+          </a:p>
+          <a:p>
+            <a:pPr marL="0" marR="0" lvl="0" indent="0" algn="l" defTabSz="914400" rtl="0" eaLnBrk="1" fontAlgn="auto" latinLnBrk="0" hangingPunct="1">
+              <a:lnSpc>
+                <a:spcPct val="100000"/>
+              </a:lnSpc>
+              <a:spcBef>
+                <a:spcPts val="0"/>
+              </a:spcBef>
+              <a:spcAft>
+                <a:spcPts val="0"/>
+              </a:spcAft>
+              <a:buClrTx/>
+              <a:buSzTx/>
+              <a:buFontTx/>
+              <a:buNone/>
+              <a:tabLst/>
+              <a:defRPr/>
+            </a:pPr>
             <a:r>
               <a:rPr lang="en-AU" b="1" dirty="0"/>
-              <a:t>Test Create Folder, Save File etc… Not business logic e.g. Resize Image, Save To Folder</a:t>
-            </a:r>
-          </a:p>
-          <a:p>
+              <a:t>Programmers Complex Solutions</a:t>
+            </a:r>
+          </a:p>
+          <a:p>
+            <a:pPr marL="0" marR="0" lvl="0" indent="0" algn="l" defTabSz="914400" rtl="0" eaLnBrk="1" fontAlgn="auto" latinLnBrk="0" hangingPunct="1">
+              <a:lnSpc>
+                <a:spcPct val="100000"/>
+              </a:lnSpc>
+              <a:spcBef>
+                <a:spcPts val="0"/>
+              </a:spcBef>
+              <a:spcAft>
+                <a:spcPts val="0"/>
+              </a:spcAft>
+              <a:buClrTx/>
+              <a:buSzTx/>
+              <a:buFontTx/>
+              <a:buNone/>
+              <a:tabLst/>
+              <a:defRPr/>
+            </a:pPr>
             <a:endParaRPr lang="en-AU" b="1" dirty="0"/>
           </a:p>
           <a:p>
+            <a:pPr marL="0" marR="0" lvl="0" indent="0" algn="l" defTabSz="914400" rtl="0" eaLnBrk="1" fontAlgn="auto" latinLnBrk="0" hangingPunct="1">
+              <a:lnSpc>
+                <a:spcPct val="100000"/>
+              </a:lnSpc>
+              <a:spcBef>
+                <a:spcPts val="0"/>
+              </a:spcBef>
+              <a:spcAft>
+                <a:spcPts val="0"/>
+              </a:spcAft>
+              <a:buClrTx/>
+              <a:buSzTx/>
+              <a:buFontTx/>
+              <a:buNone/>
+              <a:tabLst/>
+              <a:defRPr/>
+            </a:pPr>
             <a:r>
               <a:rPr lang="en-AU" b="1" dirty="0"/>
-              <a:t>Complex Problem – </a:t>
-            </a:r>
-          </a:p>
-          <a:p>
+              <a:t>Bare Minimum | In Example: Didn’t Start With An Order… Start at Beginning == Emergent Design.. </a:t>
+            </a:r>
+          </a:p>
+          <a:p>
+            <a:pPr marL="0" marR="0" lvl="0" indent="0" algn="l" defTabSz="914400" rtl="0" eaLnBrk="1" fontAlgn="auto" latinLnBrk="0" hangingPunct="1">
+              <a:lnSpc>
+                <a:spcPct val="100000"/>
+              </a:lnSpc>
+              <a:spcBef>
+                <a:spcPts val="0"/>
+              </a:spcBef>
+              <a:spcAft>
+                <a:spcPts val="0"/>
+              </a:spcAft>
+              <a:buClrTx/>
+              <a:buSzTx/>
+              <a:buFontTx/>
+              <a:buNone/>
+              <a:tabLst/>
+              <a:defRPr/>
+            </a:pPr>
+            <a:endParaRPr lang="en-AU" b="1" dirty="0"/>
+          </a:p>
+          <a:p>
+            <a:pPr marL="0" marR="0" lvl="0" indent="0" algn="l" defTabSz="914400" rtl="0" eaLnBrk="1" fontAlgn="auto" latinLnBrk="0" hangingPunct="1">
+              <a:lnSpc>
+                <a:spcPct val="100000"/>
+              </a:lnSpc>
+              <a:spcBef>
+                <a:spcPts val="0"/>
+              </a:spcBef>
+              <a:spcAft>
+                <a:spcPts val="0"/>
+              </a:spcAft>
+              <a:buClrTx/>
+              <a:buSzTx/>
+              <a:buFontTx/>
+              <a:buNone/>
+              <a:tabLst/>
+              <a:defRPr/>
+            </a:pPr>
             <a:r>
               <a:rPr lang="en-AU" b="1" dirty="0"/>
-              <a:t>Price / Order Calculators</a:t>
-            </a:r>
-          </a:p>
-          <a:p>
+              <a:t>Baby Bathwater ( Factory or Service Layer ) With Caution | Knowing Patterns | Find Right Solution | Balance == hard.</a:t>
+            </a:r>
+          </a:p>
+          <a:p>
+            <a:pPr marL="0" marR="0" lvl="0" indent="0" algn="l" defTabSz="914400" rtl="0" eaLnBrk="1" fontAlgn="auto" latinLnBrk="0" hangingPunct="1">
+              <a:lnSpc>
+                <a:spcPct val="100000"/>
+              </a:lnSpc>
+              <a:spcBef>
+                <a:spcPts val="0"/>
+              </a:spcBef>
+              <a:spcAft>
+                <a:spcPts val="0"/>
+              </a:spcAft>
+              <a:buClrTx/>
+              <a:buSzTx/>
+              <a:buFontTx/>
+              <a:buNone/>
+              <a:tabLst/>
+              <a:defRPr/>
+            </a:pPr>
+            <a:endParaRPr lang="en-AU" dirty="0"/>
+          </a:p>
+          <a:p>
+            <a:pPr marL="0" marR="0" lvl="0" indent="0" algn="l" defTabSz="914400" rtl="0" eaLnBrk="1" fontAlgn="auto" latinLnBrk="0" hangingPunct="1">
+              <a:lnSpc>
+                <a:spcPct val="100000"/>
+              </a:lnSpc>
+              <a:spcBef>
+                <a:spcPts val="0"/>
+              </a:spcBef>
+              <a:spcAft>
+                <a:spcPts val="0"/>
+              </a:spcAft>
+              <a:buClrTx/>
+              <a:buSzTx/>
+              <a:buFontTx/>
+              <a:buNone/>
+              <a:tabLst/>
+              <a:defRPr/>
+            </a:pPr>
             <a:r>
               <a:rPr lang="en-AU" b="1" dirty="0"/>
-              <a:t>HR -&gt; Process Shifts -&gt; Payslip -&gt; Process Bank File</a:t>
-            </a:r>
-          </a:p>
-          <a:p>
-            <a:r>
-              <a:rPr lang="en-AU" b="1" dirty="0"/>
-              <a:t>Alert / Notification Systems</a:t>
-            </a:r>
-          </a:p>
-          <a:p>
-            <a:r>
-              <a:rPr lang="en-AU" b="1" dirty="0"/>
-              <a:t>Workflows (Bug Tracking, Requestioning Approval)</a:t>
-            </a:r>
-          </a:p>
-          <a:p>
-            <a:r>
-              <a:rPr lang="en-AU" b="1" dirty="0"/>
-              <a:t>Queue Systems</a:t>
-            </a:r>
-          </a:p>
-          <a:p>
-            <a:r>
-              <a:rPr lang="en-AU" b="1" dirty="0"/>
-              <a:t>Importing Files (Xml, </a:t>
-            </a:r>
-            <a:r>
-              <a:rPr lang="en-AU" b="1" dirty="0" err="1"/>
-              <a:t>Json</a:t>
-            </a:r>
-            <a:r>
-              <a:rPr lang="en-AU" b="1" dirty="0"/>
-              <a:t>, CSV)</a:t>
-            </a:r>
-          </a:p>
-          <a:p>
-            <a:r>
-              <a:rPr lang="en-AU" b="1" dirty="0"/>
-              <a:t>Validation Systems</a:t>
-            </a:r>
-          </a:p>
-          <a:p>
-            <a:r>
-              <a:rPr lang="en-AU" b="1" dirty="0"/>
-              <a:t>Authentication Processes</a:t>
-            </a:r>
-          </a:p>
-          <a:p>
-            <a:r>
-              <a:rPr lang="en-AU" b="1" dirty="0"/>
-              <a:t>Flight Booking – Traveling Salesman Problem</a:t>
-            </a:r>
-          </a:p>
-          <a:p>
-            <a:r>
-              <a:rPr lang="en-AU" b="1" dirty="0"/>
-              <a:t>Expert Systems</a:t>
-            </a:r>
-          </a:p>
-          <a:p>
-            <a:endParaRPr lang="en-AU" b="0" dirty="0"/>
-          </a:p>
-          <a:p>
-            <a:r>
-              <a:rPr lang="en-AU" b="0" dirty="0"/>
-              <a:t>Trying to teach juniors to learn test driven I tend to start with something really simple, where they know the solution and in theory can write tests that explain it simply. For example interfacing out your local file system implementation. Doing this also means when you have other tests that need the local file system you have a nice clean and tidy interface to it that you can then implement with mocks or stubs.</a:t>
-            </a:r>
-          </a:p>
-          <a:p>
-            <a:endParaRPr lang="en-AU" b="0" dirty="0"/>
-          </a:p>
-          <a:p>
-            <a:r>
-              <a:rPr lang="en-AU" b="0" dirty="0"/>
-              <a:t>A word of warning, write the interface to the file system, e.g. Create Folder, Save File. Don’t implement your business logic e.g. I need to resize and image and save it to a specific folder, that’s another layer of tests.</a:t>
-            </a:r>
-          </a:p>
-          <a:p>
-            <a:endParaRPr lang="en-AU" b="0" dirty="0"/>
-          </a:p>
-          <a:p>
-            <a:endParaRPr lang="en-AU" b="0" dirty="0"/>
-          </a:p>
-          <a:p>
-            <a:r>
-              <a:rPr lang="en-AU" b="0" dirty="0"/>
-              <a:t>Some examples of where I have used Unit Tests in my career are:</a:t>
-            </a:r>
-          </a:p>
-          <a:p>
-            <a:r>
-              <a:rPr lang="en-AU" b="0" dirty="0"/>
-              <a:t>Price / Order Calculators</a:t>
-            </a:r>
-          </a:p>
-          <a:p>
-            <a:r>
-              <a:rPr lang="en-AU" b="0" dirty="0"/>
-              <a:t>HR -&gt; Process Shifts -&gt; Payslip -&gt; Process Bank File</a:t>
-            </a:r>
-          </a:p>
-          <a:p>
-            <a:r>
-              <a:rPr lang="en-AU" b="0" dirty="0"/>
-              <a:t>Alert / Notification Systems</a:t>
-            </a:r>
-          </a:p>
-          <a:p>
-            <a:r>
-              <a:rPr lang="en-AU" b="0" dirty="0"/>
-              <a:t>Workflows (Bug Tracking, Requestioning Approval)</a:t>
-            </a:r>
-          </a:p>
-          <a:p>
-            <a:r>
-              <a:rPr lang="en-AU" b="0" dirty="0"/>
-              <a:t>Queue Systems</a:t>
-            </a:r>
-          </a:p>
-          <a:p>
-            <a:r>
-              <a:rPr lang="en-AU" b="0" dirty="0"/>
-              <a:t>Importing Files (Xml, Json, CSV)</a:t>
-            </a:r>
-          </a:p>
-          <a:p>
-            <a:r>
-              <a:rPr lang="en-AU" b="0" dirty="0"/>
-              <a:t>Validation Systems</a:t>
-            </a:r>
-          </a:p>
-          <a:p>
-            <a:r>
-              <a:rPr lang="en-AU" b="0" dirty="0"/>
-              <a:t>Authentication Processes</a:t>
-            </a:r>
-          </a:p>
-          <a:p>
-            <a:r>
-              <a:rPr lang="en-AU" b="0" dirty="0"/>
-              <a:t>Flight Booking – Traveling Salesman Problem</a:t>
-            </a:r>
-          </a:p>
-          <a:p>
-            <a:r>
-              <a:rPr lang="en-AU" b="0" dirty="0"/>
-              <a:t>Expert Systems</a:t>
-            </a:r>
-          </a:p>
-          <a:p>
-            <a:endParaRPr lang="en-AU" b="0" dirty="0"/>
-          </a:p>
-          <a:p>
-            <a:r>
-              <a:rPr lang="en-AU" b="0" dirty="0"/>
-              <a:t>Look for these kind of complex problems within the applications you are writing. They should have some complex business logic in them, they should be easy to isolate so you can define the boundaries of your tests. They can be dependant on other libraries or integrations, but you should be able to mock or stub them out.</a:t>
-            </a:r>
-          </a:p>
-          <a:p>
-            <a:endParaRPr lang="en-AU" b="0" dirty="0"/>
-          </a:p>
-          <a:p>
-            <a:endParaRPr lang="en-AU" b="0" dirty="0"/>
-          </a:p>
-          <a:p>
-            <a:endParaRPr lang="en-AU" b="0" dirty="0"/>
-          </a:p>
-          <a:p>
-            <a:endParaRPr lang="en-AU" b="0" dirty="0"/>
+              <a:t>Gang of 4 Book, The Other Book</a:t>
+            </a:r>
+          </a:p>
+          <a:p>
+            <a:pPr marL="0" marR="0" lvl="0" indent="0" algn="l" defTabSz="914400" rtl="0" eaLnBrk="1" fontAlgn="auto" latinLnBrk="0" hangingPunct="1">
+              <a:lnSpc>
+                <a:spcPct val="100000"/>
+              </a:lnSpc>
+              <a:spcBef>
+                <a:spcPts val="0"/>
+              </a:spcBef>
+              <a:spcAft>
+                <a:spcPts val="0"/>
+              </a:spcAft>
+              <a:buClrTx/>
+              <a:buSzTx/>
+              <a:buFontTx/>
+              <a:buNone/>
+              <a:tabLst/>
+              <a:defRPr/>
+            </a:pPr>
+            <a:endParaRPr lang="en-AU" dirty="0"/>
+          </a:p>
+          <a:p>
+            <a:pPr marL="0" marR="0" lvl="0" indent="0" algn="l" defTabSz="914400" rtl="0" eaLnBrk="1" fontAlgn="auto" latinLnBrk="0" hangingPunct="1">
+              <a:lnSpc>
+                <a:spcPct val="100000"/>
+              </a:lnSpc>
+              <a:spcBef>
+                <a:spcPts val="0"/>
+              </a:spcBef>
+              <a:spcAft>
+                <a:spcPts val="0"/>
+              </a:spcAft>
+              <a:buClrTx/>
+              <a:buSzTx/>
+              <a:buFontTx/>
+              <a:buNone/>
+              <a:tabLst/>
+              <a:defRPr/>
+            </a:pPr>
+            <a:r>
+              <a:rPr lang="en-AU" dirty="0"/>
+              <a:t>This is a hard one to describe.</a:t>
+            </a:r>
+          </a:p>
+          <a:p>
+            <a:pPr marL="0" marR="0" lvl="0" indent="0" algn="l" defTabSz="914400" rtl="0" eaLnBrk="1" fontAlgn="auto" latinLnBrk="0" hangingPunct="1">
+              <a:lnSpc>
+                <a:spcPct val="100000"/>
+              </a:lnSpc>
+              <a:spcBef>
+                <a:spcPts val="0"/>
+              </a:spcBef>
+              <a:spcAft>
+                <a:spcPts val="0"/>
+              </a:spcAft>
+              <a:buClrTx/>
+              <a:buSzTx/>
+              <a:buFontTx/>
+              <a:buNone/>
+              <a:tabLst/>
+              <a:defRPr/>
+            </a:pPr>
+            <a:endParaRPr lang="en-AU" dirty="0"/>
+          </a:p>
+          <a:p>
+            <a:pPr marL="0" marR="0" lvl="0" indent="0" algn="l" defTabSz="914400" rtl="0" eaLnBrk="1" fontAlgn="auto" latinLnBrk="0" hangingPunct="1">
+              <a:lnSpc>
+                <a:spcPct val="100000"/>
+              </a:lnSpc>
+              <a:spcBef>
+                <a:spcPts val="0"/>
+              </a:spcBef>
+              <a:spcAft>
+                <a:spcPts val="0"/>
+              </a:spcAft>
+              <a:buClrTx/>
+              <a:buSzTx/>
+              <a:buFontTx/>
+              <a:buNone/>
+              <a:tabLst/>
+              <a:defRPr/>
+            </a:pPr>
+            <a:r>
+              <a:rPr lang="en-AU" dirty="0"/>
+              <a:t>I am sure all of you have worked with over-engineered solutions before.</a:t>
+            </a:r>
+          </a:p>
+          <a:p>
+            <a:pPr marL="0" marR="0" lvl="0" indent="0" algn="l" defTabSz="914400" rtl="0" eaLnBrk="1" fontAlgn="auto" latinLnBrk="0" hangingPunct="1">
+              <a:lnSpc>
+                <a:spcPct val="100000"/>
+              </a:lnSpc>
+              <a:spcBef>
+                <a:spcPts val="0"/>
+              </a:spcBef>
+              <a:spcAft>
+                <a:spcPts val="0"/>
+              </a:spcAft>
+              <a:buClrTx/>
+              <a:buSzTx/>
+              <a:buFontTx/>
+              <a:buNone/>
+              <a:tabLst/>
+              <a:defRPr/>
+            </a:pPr>
+            <a:endParaRPr lang="en-AU" dirty="0"/>
+          </a:p>
+          <a:p>
+            <a:pPr marL="0" marR="0" lvl="0" indent="0" algn="l" defTabSz="914400" rtl="0" eaLnBrk="1" fontAlgn="auto" latinLnBrk="0" hangingPunct="1">
+              <a:lnSpc>
+                <a:spcPct val="100000"/>
+              </a:lnSpc>
+              <a:spcBef>
+                <a:spcPts val="0"/>
+              </a:spcBef>
+              <a:spcAft>
+                <a:spcPts val="0"/>
+              </a:spcAft>
+              <a:buClrTx/>
+              <a:buSzTx/>
+              <a:buFontTx/>
+              <a:buNone/>
+              <a:tabLst/>
+              <a:defRPr/>
+            </a:pPr>
+            <a:r>
+              <a:rPr lang="en-AU" dirty="0"/>
+              <a:t>Some fun warning signs: CORBA, Message Queues, The Cloud, Microservices. or pretty much anything your manager has said since you started programming…</a:t>
+            </a:r>
+          </a:p>
+          <a:p>
+            <a:pPr marL="0" marR="0" lvl="0" indent="0" algn="l" defTabSz="914400" rtl="0" eaLnBrk="1" fontAlgn="auto" latinLnBrk="0" hangingPunct="1">
+              <a:lnSpc>
+                <a:spcPct val="100000"/>
+              </a:lnSpc>
+              <a:spcBef>
+                <a:spcPts val="0"/>
+              </a:spcBef>
+              <a:spcAft>
+                <a:spcPts val="0"/>
+              </a:spcAft>
+              <a:buClrTx/>
+              <a:buSzTx/>
+              <a:buFontTx/>
+              <a:buNone/>
+              <a:tabLst/>
+              <a:defRPr/>
+            </a:pPr>
+            <a:endParaRPr lang="en-AU" dirty="0"/>
+          </a:p>
+          <a:p>
+            <a:r>
+              <a:rPr lang="en-AU" dirty="0"/>
+              <a:t>On top of that programmers bless their soles tend to think up complex solutions to often simple problems.</a:t>
+            </a:r>
+          </a:p>
+          <a:p>
+            <a:endParaRPr lang="en-AU" dirty="0"/>
+          </a:p>
+          <a:p>
+            <a:r>
+              <a:rPr lang="en-AU" dirty="0"/>
+              <a:t>So the idea here is your focusing on the bare minimum required to get the code working.</a:t>
+            </a:r>
+          </a:p>
+          <a:p>
+            <a:endParaRPr lang="en-AU" dirty="0"/>
+          </a:p>
+          <a:p>
+            <a:r>
+              <a:rPr lang="en-AU" dirty="0"/>
+              <a:t>But, don’t throw the baby out with the bath water, if you know your going to need a Factory or a Service Layer, a Repository or some other design pattern. Implement it early, it will start to smell if it isn’t right. This will come with experience, so start small.</a:t>
+            </a:r>
+          </a:p>
+          <a:p>
+            <a:endParaRPr lang="en-AU" dirty="0"/>
+          </a:p>
+          <a:p>
+            <a:r>
+              <a:rPr lang="en-AU" dirty="0"/>
+              <a:t>The simple fact that you can refactor and know you wont be breaking code means you can start simply and then evolve the solution as needed.</a:t>
+            </a:r>
+          </a:p>
+          <a:p>
+            <a:endParaRPr lang="en-AU" dirty="0"/>
           </a:p>
         </p:txBody>
       </p:sp>
@@ -3627,7 +3108,7 @@
     </p:spTree>
     <p:extLst>
       <p:ext uri="{BB962C8B-B14F-4D97-AF65-F5344CB8AC3E}">
-        <p14:creationId xmlns:p14="http://schemas.microsoft.com/office/powerpoint/2010/main" val="1000839509"/>
+        <p14:creationId xmlns:p14="http://schemas.microsoft.com/office/powerpoint/2010/main" val="752595651"/>
       </p:ext>
     </p:extLst>
   </p:cSld>
@@ -3681,158 +3162,9 @@
           <a:bodyPr/>
           <a:lstStyle/>
           <a:p>
-            <a:pPr marL="0" marR="0" lvl="0" indent="0" algn="l" defTabSz="914400" rtl="0" eaLnBrk="1" fontAlgn="auto" latinLnBrk="0" hangingPunct="1">
-              <a:lnSpc>
-                <a:spcPct val="100000"/>
-              </a:lnSpc>
-              <a:spcBef>
-                <a:spcPts val="0"/>
-              </a:spcBef>
-              <a:spcAft>
-                <a:spcPts val="0"/>
-              </a:spcAft>
-              <a:buClrTx/>
-              <a:buSzTx/>
-              <a:buFontTx/>
-              <a:buNone/>
-              <a:tabLst/>
-              <a:defRPr/>
-            </a:pPr>
             <a:r>
               <a:rPr lang="en-AU" b="1" dirty="0"/>
               <a:t>Verbatim</a:t>
-            </a:r>
-          </a:p>
-          <a:p>
-            <a:pPr marL="0" marR="0" lvl="0" indent="0" algn="l" defTabSz="914400" rtl="0" eaLnBrk="1" fontAlgn="auto" latinLnBrk="0" hangingPunct="1">
-              <a:lnSpc>
-                <a:spcPct val="100000"/>
-              </a:lnSpc>
-              <a:spcBef>
-                <a:spcPts val="0"/>
-              </a:spcBef>
-              <a:spcAft>
-                <a:spcPts val="0"/>
-              </a:spcAft>
-              <a:buClrTx/>
-              <a:buSzTx/>
-              <a:buFontTx/>
-              <a:buNone/>
-              <a:tabLst/>
-              <a:defRPr/>
-            </a:pPr>
-            <a:r>
-              <a:rPr lang="en-AU" b="1" dirty="0"/>
-              <a:t>Low hanging fruit</a:t>
-            </a:r>
-          </a:p>
-          <a:p>
-            <a:pPr marL="0" marR="0" lvl="0" indent="0" algn="l" defTabSz="914400" rtl="0" eaLnBrk="1" fontAlgn="auto" latinLnBrk="0" hangingPunct="1">
-              <a:lnSpc>
-                <a:spcPct val="100000"/>
-              </a:lnSpc>
-              <a:spcBef>
-                <a:spcPts val="0"/>
-              </a:spcBef>
-              <a:spcAft>
-                <a:spcPts val="0"/>
-              </a:spcAft>
-              <a:buClrTx/>
-              <a:buSzTx/>
-              <a:buFontTx/>
-              <a:buNone/>
-              <a:tabLst/>
-              <a:defRPr/>
-            </a:pPr>
-            <a:r>
-              <a:rPr lang="en-AU" b="1" dirty="0"/>
-              <a:t>Emergent Design = You need to do it, cant learn it from watching slides.</a:t>
-            </a:r>
-          </a:p>
-          <a:p>
-            <a:pPr marL="0" marR="0" lvl="0" indent="0" algn="l" defTabSz="914400" rtl="0" eaLnBrk="1" fontAlgn="auto" latinLnBrk="0" hangingPunct="1">
-              <a:lnSpc>
-                <a:spcPct val="100000"/>
-              </a:lnSpc>
-              <a:spcBef>
-                <a:spcPts val="0"/>
-              </a:spcBef>
-              <a:spcAft>
-                <a:spcPts val="0"/>
-              </a:spcAft>
-              <a:buClrTx/>
-              <a:buSzTx/>
-              <a:buFontTx/>
-              <a:buNone/>
-              <a:tabLst/>
-              <a:defRPr/>
-            </a:pPr>
-            <a:endParaRPr lang="en-AU" b="0" dirty="0"/>
-          </a:p>
-          <a:p>
-            <a:pPr marL="0" marR="0" lvl="0" indent="0" algn="l" defTabSz="914400" rtl="0" eaLnBrk="1" fontAlgn="auto" latinLnBrk="0" hangingPunct="1">
-              <a:lnSpc>
-                <a:spcPct val="100000"/>
-              </a:lnSpc>
-              <a:spcBef>
-                <a:spcPts val="0"/>
-              </a:spcBef>
-              <a:spcAft>
-                <a:spcPts val="0"/>
-              </a:spcAft>
-              <a:buClrTx/>
-              <a:buSzTx/>
-              <a:buFontTx/>
-              <a:buNone/>
-              <a:tabLst/>
-              <a:defRPr/>
-            </a:pPr>
-            <a:r>
-              <a:rPr lang="en-AU" b="0" dirty="0"/>
-              <a:t>This is what we have covered and I would hope by the end of this you can start to see the approach that I take to test driven development. I don’t use it as a golden hammer, I pick the low hanging fruit and leverage it to solve complex business problems. I think this is where test driven really shines and should be added to every developers toolbox.</a:t>
-            </a:r>
-          </a:p>
-          <a:p>
-            <a:pPr marL="0" marR="0" lvl="0" indent="0" algn="l" defTabSz="914400" rtl="0" eaLnBrk="1" fontAlgn="auto" latinLnBrk="0" hangingPunct="1">
-              <a:lnSpc>
-                <a:spcPct val="100000"/>
-              </a:lnSpc>
-              <a:spcBef>
-                <a:spcPts val="0"/>
-              </a:spcBef>
-              <a:spcAft>
-                <a:spcPts val="0"/>
-              </a:spcAft>
-              <a:buClrTx/>
-              <a:buSzTx/>
-              <a:buFontTx/>
-              <a:buNone/>
-              <a:tabLst/>
-              <a:defRPr/>
-            </a:pPr>
-            <a:endParaRPr lang="en-AU" b="0" dirty="0"/>
-          </a:p>
-          <a:p>
-            <a:pPr marL="0" marR="0" lvl="0" indent="0" algn="l" defTabSz="914400" rtl="0" eaLnBrk="1" fontAlgn="auto" latinLnBrk="0" hangingPunct="1">
-              <a:lnSpc>
-                <a:spcPct val="100000"/>
-              </a:lnSpc>
-              <a:spcBef>
-                <a:spcPts val="0"/>
-              </a:spcBef>
-              <a:spcAft>
-                <a:spcPts val="0"/>
-              </a:spcAft>
-              <a:buClrTx/>
-              <a:buSzTx/>
-              <a:buFontTx/>
-              <a:buNone/>
-              <a:tabLst/>
-              <a:defRPr/>
-            </a:pPr>
-            <a:r>
-              <a:rPr lang="en-AU" b="0" dirty="0"/>
-              <a:t>Emergent design is a big one, and something that has to be done, it can’t really be shown effectively. You need to get in there and start writing code.</a:t>
             </a:r>
           </a:p>
         </p:txBody>
@@ -3863,7 +3195,7 @@
     </p:spTree>
     <p:extLst>
       <p:ext uri="{BB962C8B-B14F-4D97-AF65-F5344CB8AC3E}">
-        <p14:creationId xmlns:p14="http://schemas.microsoft.com/office/powerpoint/2010/main" val="1612311656"/>
+        <p14:creationId xmlns:p14="http://schemas.microsoft.com/office/powerpoint/2010/main" val="3274277646"/>
       </p:ext>
     </p:extLst>
   </p:cSld>
@@ -3919,34 +3251,146 @@
           <a:p>
             <a:r>
               <a:rPr lang="en-AU" b="1" dirty="0"/>
-              <a:t>Love TDD</a:t>
+              <a:t>Dependent Tests = Cause you pain </a:t>
             </a:r>
           </a:p>
           <a:p>
             <a:r>
               <a:rPr lang="en-AU" b="1" dirty="0"/>
-              <a:t>Examples. Struggled, Start With Kent.</a:t>
+              <a:t>Slow / Unit Tests = Wont be run (Keep them separate)</a:t>
             </a:r>
           </a:p>
           <a:p>
             <a:r>
               <a:rPr lang="en-AU" b="1" dirty="0"/>
-              <a:t>Verbatim</a:t>
-            </a:r>
-          </a:p>
-          <a:p>
+              <a:t>Private Methods | Mock -&gt; Check Database  }} expand</a:t>
+            </a:r>
+          </a:p>
+          <a:p>
+            <a:pPr marL="0" marR="0" lvl="0" indent="0" algn="l" defTabSz="914400" rtl="0" eaLnBrk="1" fontAlgn="auto" latinLnBrk="0" hangingPunct="1">
+              <a:lnSpc>
+                <a:spcPct val="100000"/>
+              </a:lnSpc>
+              <a:spcBef>
+                <a:spcPts val="0"/>
+              </a:spcBef>
+              <a:spcAft>
+                <a:spcPts val="0"/>
+              </a:spcAft>
+              <a:buClrTx/>
+              <a:buSzTx/>
+              <a:buFontTx/>
+              <a:buNone/>
+              <a:tabLst/>
+              <a:defRPr/>
+            </a:pPr>
             <a:r>
               <a:rPr lang="en-AU" b="1" dirty="0"/>
-              <a:t>Thank You</a:t>
-            </a:r>
-          </a:p>
-          <a:p>
+              <a:t>Methods | Focus Tests on Functionality</a:t>
+            </a:r>
+          </a:p>
+          <a:p>
+            <a:r>
+              <a:rPr lang="en-AU" b="1" dirty="0"/>
+              <a:t>“</a:t>
+            </a:r>
+            <a:r>
+              <a:rPr lang="en-US" sz="1200" b="1" i="0" kern="1200" dirty="0">
+                <a:solidFill>
+                  <a:schemeClr val="tx1"/>
+                </a:solidFill>
+                <a:effectLst/>
+                <a:latin typeface="+mn-lt"/>
+                <a:ea typeface="+mn-ea"/>
+                <a:cs typeface="+mn-cs"/>
+              </a:rPr>
+              <a:t>Would I code day-to-day with steps this small? No.</a:t>
+            </a:r>
+            <a:r>
+              <a:rPr lang="en-AU" b="1" dirty="0"/>
+              <a:t>“</a:t>
+            </a:r>
+            <a:r>
+              <a:rPr lang="en-AU" dirty="0"/>
+              <a:t> – Kent Beck - </a:t>
+            </a:r>
+            <a:r>
+              <a:rPr lang="en-US" b="1" dirty="0"/>
+              <a:t>TDD by example pdf</a:t>
+            </a:r>
             <a:endParaRPr lang="en-AU" b="1" dirty="0"/>
           </a:p>
           <a:p>
+            <a:pPr marL="0" marR="0" lvl="0" indent="0" algn="l" defTabSz="914400" rtl="0" eaLnBrk="1" fontAlgn="auto" latinLnBrk="0" hangingPunct="1">
+              <a:lnSpc>
+                <a:spcPct val="100000"/>
+              </a:lnSpc>
+              <a:spcBef>
+                <a:spcPts val="0"/>
+              </a:spcBef>
+              <a:spcAft>
+                <a:spcPts val="0"/>
+              </a:spcAft>
+              <a:buClrTx/>
+              <a:buSzTx/>
+              <a:buFontTx/>
+              <a:buNone/>
+              <a:tabLst/>
+              <a:defRPr/>
+            </a:pPr>
             <a:r>
               <a:rPr lang="en-AU" b="1" dirty="0"/>
-              <a:t>QUESTIONS…</a:t>
+              <a:t>If you know the design is, do it. Miss-interpretation of original intent.</a:t>
+            </a:r>
+          </a:p>
+          <a:p>
+            <a:pPr marL="0" marR="0" lvl="0" indent="0" algn="l" defTabSz="914400" rtl="0" eaLnBrk="1" fontAlgn="auto" latinLnBrk="0" hangingPunct="1">
+              <a:lnSpc>
+                <a:spcPct val="100000"/>
+              </a:lnSpc>
+              <a:spcBef>
+                <a:spcPts val="0"/>
+              </a:spcBef>
+              <a:spcAft>
+                <a:spcPts val="0"/>
+              </a:spcAft>
+              <a:buClrTx/>
+              <a:buSzTx/>
+              <a:buFontTx/>
+              <a:buNone/>
+              <a:tabLst/>
+              <a:defRPr/>
+            </a:pPr>
+            <a:endParaRPr lang="en-AU" b="1" dirty="0"/>
+          </a:p>
+          <a:p>
+            <a:r>
+              <a:rPr lang="en-AU" dirty="0"/>
+              <a:t>Tests should be independent and can be run in any order and in parallel.</a:t>
+            </a:r>
+          </a:p>
+          <a:p>
+            <a:r>
+              <a:rPr lang="en-AU" dirty="0"/>
+              <a:t>Tests should be fast, or people won’t run them. People won’t run them, they will break stuff.</a:t>
+            </a:r>
+          </a:p>
+          <a:p>
+            <a:r>
+              <a:rPr lang="en-AU" dirty="0"/>
+              <a:t>Unit Tests that integrate…. Don’t get me wrong there is value for integration tests, but they should be kept separate.</a:t>
+            </a:r>
+          </a:p>
+          <a:p>
+            <a:r>
+              <a:rPr lang="en-AU" dirty="0"/>
+              <a:t>Testing private methods: You are testing the external interfaces. Create something, Get it, Delete it, Assure its deleted.</a:t>
+            </a:r>
+          </a:p>
+          <a:p>
+            <a:r>
+              <a:rPr lang="en-AU" dirty="0"/>
+              <a:t>Don’t focus on what method you need to test next. Focus on the requirements, or micro bits of business logic.</a:t>
             </a:r>
           </a:p>
           <a:p>
@@ -3955,44 +3399,24 @@
           <a:p>
             <a:r>
               <a:rPr lang="en-AU" dirty="0"/>
-              <a:t>I love TDD and I hope that I showed that in this presentation. </a:t>
-            </a:r>
-          </a:p>
-          <a:p>
-            <a:endParaRPr lang="en-AU" dirty="0"/>
-          </a:p>
-          <a:p>
-            <a:r>
-              <a:rPr lang="en-AU" dirty="0"/>
-              <a:t>Reading material. I would suggest starting with Kent Becks TDD by example. It’s a bit hard reading but there are some gems in there. I struggled to find material apart from that to be honest.</a:t>
-            </a:r>
-          </a:p>
-          <a:p>
-            <a:endParaRPr lang="en-AU" dirty="0"/>
-          </a:p>
-          <a:p>
-            <a:r>
-              <a:rPr lang="en-AU" dirty="0"/>
-              <a:t>Wow, you read this far? </a:t>
-            </a:r>
-          </a:p>
-          <a:p>
-            <a:r>
-              <a:rPr lang="en-AU" dirty="0"/>
-              <a:t>https://www.youtube.com/watch?v=T1XgFsitnQw</a:t>
-            </a:r>
-          </a:p>
-          <a:p>
-            <a:endParaRPr lang="en-AU" dirty="0"/>
-          </a:p>
-          <a:p>
-            <a:endParaRPr lang="en-AU" dirty="0"/>
-          </a:p>
-          <a:p>
-            <a:endParaRPr lang="en-AU" dirty="0"/>
-          </a:p>
-          <a:p>
-            <a:endParaRPr lang="en-AU" dirty="0"/>
+              <a:t>So it has become very popular when giving examples to write the absolute minimum amount of code to make a test pass, even stopping ½ way through writing a test to make it pass IMHO this is a miss-interpretation of the original intent. “</a:t>
+            </a:r>
+            <a:r>
+              <a:rPr lang="en-US" sz="1200" b="0" i="0" kern="1200" dirty="0">
+                <a:solidFill>
+                  <a:schemeClr val="tx1"/>
+                </a:solidFill>
+                <a:effectLst/>
+                <a:latin typeface="+mn-lt"/>
+                <a:ea typeface="+mn-ea"/>
+                <a:cs typeface="+mn-cs"/>
+              </a:rPr>
+              <a:t>Would I code day-to-day with steps this small? No.</a:t>
+            </a:r>
+            <a:r>
+              <a:rPr lang="en-AU" dirty="0"/>
+              <a:t>“ – Kent Beck </a:t>
+            </a:r>
           </a:p>
         </p:txBody>
       </p:sp>
@@ -4022,7 +3446,446 @@
     </p:spTree>
     <p:extLst>
       <p:ext uri="{BB962C8B-B14F-4D97-AF65-F5344CB8AC3E}">
-        <p14:creationId xmlns:p14="http://schemas.microsoft.com/office/powerpoint/2010/main" val="4107792998"/>
+        <p14:creationId xmlns:p14="http://schemas.microsoft.com/office/powerpoint/2010/main" val="3380934103"/>
+      </p:ext>
+    </p:extLst>
+  </p:cSld>
+  <p:clrMapOvr>
+    <a:masterClrMapping/>
+  </p:clrMapOvr>
+</p:notes>
+</file>
+
+<file path=ppt/notesSlides/notesSlide28.xml><?xml version="1.0" encoding="utf-8"?>
+<p:notes xmlns:a="http://schemas.openxmlformats.org/drawingml/2006/main" xmlns:r="http://schemas.openxmlformats.org/officeDocument/2006/relationships" xmlns:p="http://schemas.openxmlformats.org/presentationml/2006/main">
+  <p:cSld>
+    <p:spTree>
+      <p:nvGrpSpPr>
+        <p:cNvPr id="1" name=""/>
+        <p:cNvGrpSpPr/>
+        <p:nvPr/>
+      </p:nvGrpSpPr>
+      <p:grpSpPr>
+        <a:xfrm>
+          <a:off x="0" y="0"/>
+          <a:ext cx="0" cy="0"/>
+          <a:chOff x="0" y="0"/>
+          <a:chExt cx="0" cy="0"/>
+        </a:xfrm>
+      </p:grpSpPr>
+      <p:sp>
+        <p:nvSpPr>
+          <p:cNvPr id="2" name="Slide Image Placeholder 1"/>
+          <p:cNvSpPr>
+            <a:spLocks noGrp="1" noRot="1" noChangeAspect="1"/>
+          </p:cNvSpPr>
+          <p:nvPr>
+            <p:ph type="sldImg"/>
+          </p:nvPr>
+        </p:nvSpPr>
+        <p:spPr/>
+      </p:sp>
+      <p:sp>
+        <p:nvSpPr>
+          <p:cNvPr id="3" name="Notes Placeholder 2"/>
+          <p:cNvSpPr>
+            <a:spLocks noGrp="1"/>
+          </p:cNvSpPr>
+          <p:nvPr>
+            <p:ph type="body" idx="1"/>
+          </p:nvPr>
+        </p:nvSpPr>
+        <p:spPr/>
+        <p:txBody>
+          <a:bodyPr/>
+          <a:lstStyle/>
+          <a:p>
+            <a:pPr fontAlgn="base"/>
+            <a:r>
+              <a:rPr lang="en-AU" sz="1200" b="1" i="0" kern="1200" dirty="0">
+                <a:solidFill>
+                  <a:schemeClr val="tx1"/>
+                </a:solidFill>
+                <a:effectLst/>
+                <a:latin typeface="+mn-lt"/>
+                <a:ea typeface="+mn-ea"/>
+                <a:cs typeface="+mn-cs"/>
+              </a:rPr>
+              <a:t>Sometimes Test Service Layer But Not Repository.</a:t>
+            </a:r>
+          </a:p>
+          <a:p>
+            <a:pPr fontAlgn="base"/>
+            <a:endParaRPr lang="en-AU" sz="1200" b="1" i="0" kern="1200" dirty="0">
+              <a:solidFill>
+                <a:schemeClr val="tx1"/>
+              </a:solidFill>
+              <a:effectLst/>
+              <a:latin typeface="+mn-lt"/>
+              <a:ea typeface="+mn-ea"/>
+              <a:cs typeface="+mn-cs"/>
+            </a:endParaRPr>
+          </a:p>
+          <a:p>
+            <a:pPr fontAlgn="base"/>
+            <a:r>
+              <a:rPr lang="en-AU" sz="1200" b="1" i="0" kern="1200" dirty="0">
+                <a:solidFill>
+                  <a:schemeClr val="tx1"/>
+                </a:solidFill>
+                <a:effectLst/>
+                <a:latin typeface="+mn-lt"/>
+                <a:ea typeface="+mn-ea"/>
+                <a:cs typeface="+mn-cs"/>
+              </a:rPr>
+              <a:t>Verbatim</a:t>
+            </a:r>
+          </a:p>
+          <a:p>
+            <a:pPr fontAlgn="base"/>
+            <a:endParaRPr lang="en-AU" sz="1200" b="1" i="0" kern="1200" dirty="0">
+              <a:solidFill>
+                <a:schemeClr val="tx1"/>
+              </a:solidFill>
+              <a:effectLst/>
+              <a:latin typeface="+mn-lt"/>
+              <a:ea typeface="+mn-ea"/>
+              <a:cs typeface="+mn-cs"/>
+            </a:endParaRPr>
+          </a:p>
+          <a:p>
+            <a:pPr fontAlgn="base"/>
+            <a:r>
+              <a:rPr lang="en-AU" sz="1200" b="1" i="0" kern="1200" dirty="0">
+                <a:solidFill>
+                  <a:schemeClr val="tx1"/>
+                </a:solidFill>
+                <a:effectLst/>
+                <a:latin typeface="+mn-lt"/>
+                <a:ea typeface="+mn-ea"/>
+                <a:cs typeface="+mn-cs"/>
+              </a:rPr>
+              <a:t>Fakes? Consensus = Stub</a:t>
+            </a:r>
+          </a:p>
+          <a:p>
+            <a:pPr fontAlgn="base"/>
+            <a:r>
+              <a:rPr lang="en-AU" sz="1200" b="1" i="0" kern="1200" dirty="0">
+                <a:solidFill>
+                  <a:schemeClr val="tx1"/>
+                </a:solidFill>
+                <a:effectLst/>
+                <a:latin typeface="+mn-lt"/>
+                <a:ea typeface="+mn-ea"/>
+                <a:cs typeface="+mn-cs"/>
+              </a:rPr>
+              <a:t>Test Doubles</a:t>
+            </a:r>
+          </a:p>
+          <a:p>
+            <a:pPr fontAlgn="base"/>
+            <a:endParaRPr lang="en-AU" sz="1200" b="0" i="0" kern="1200" dirty="0">
+              <a:solidFill>
+                <a:schemeClr val="tx1"/>
+              </a:solidFill>
+              <a:effectLst/>
+              <a:latin typeface="+mn-lt"/>
+              <a:ea typeface="+mn-ea"/>
+              <a:cs typeface="+mn-cs"/>
+            </a:endParaRPr>
+          </a:p>
+          <a:p>
+            <a:pPr fontAlgn="base"/>
+            <a:r>
+              <a:rPr lang="en-AU" sz="1200" b="0" i="0" kern="1200" dirty="0">
+                <a:solidFill>
+                  <a:schemeClr val="tx1"/>
+                </a:solidFill>
+                <a:effectLst/>
+                <a:latin typeface="+mn-lt"/>
+                <a:ea typeface="+mn-ea"/>
+                <a:cs typeface="+mn-cs"/>
+              </a:rPr>
+              <a:t>So there was a bit of a land grab in the early 2000s and people started making up all sorts of fancy names for different things. But it all boils down to there being two types of ‘test doubles’ which are the stub and the mock… </a:t>
+            </a:r>
+          </a:p>
+        </p:txBody>
+      </p:sp>
+      <p:sp>
+        <p:nvSpPr>
+          <p:cNvPr id="4" name="Slide Number Placeholder 3"/>
+          <p:cNvSpPr>
+            <a:spLocks noGrp="1"/>
+          </p:cNvSpPr>
+          <p:nvPr>
+            <p:ph type="sldNum" sz="quarter" idx="10"/>
+          </p:nvPr>
+        </p:nvSpPr>
+        <p:spPr/>
+        <p:txBody>
+          <a:bodyPr/>
+          <a:lstStyle/>
+          <a:p>
+            <a:fld id="{406952BA-80B8-4541-A308-4338B0EBE1A6}" type="slidenum">
+              <a:rPr lang="en-AU" smtClean="0"/>
+              <a:t>28</a:t>
+            </a:fld>
+            <a:endParaRPr lang="en-AU"/>
+          </a:p>
+        </p:txBody>
+      </p:sp>
+    </p:spTree>
+    <p:extLst>
+      <p:ext uri="{BB962C8B-B14F-4D97-AF65-F5344CB8AC3E}">
+        <p14:creationId xmlns:p14="http://schemas.microsoft.com/office/powerpoint/2010/main" val="2035013783"/>
+      </p:ext>
+    </p:extLst>
+  </p:cSld>
+  <p:clrMapOvr>
+    <a:masterClrMapping/>
+  </p:clrMapOvr>
+</p:notes>
+</file>
+
+<file path=ppt/notesSlides/notesSlide29.xml><?xml version="1.0" encoding="utf-8"?>
+<p:notes xmlns:a="http://schemas.openxmlformats.org/drawingml/2006/main" xmlns:r="http://schemas.openxmlformats.org/officeDocument/2006/relationships" xmlns:p="http://schemas.openxmlformats.org/presentationml/2006/main">
+  <p:cSld>
+    <p:spTree>
+      <p:nvGrpSpPr>
+        <p:cNvPr id="1" name=""/>
+        <p:cNvGrpSpPr/>
+        <p:nvPr/>
+      </p:nvGrpSpPr>
+      <p:grpSpPr>
+        <a:xfrm>
+          <a:off x="0" y="0"/>
+          <a:ext cx="0" cy="0"/>
+          <a:chOff x="0" y="0"/>
+          <a:chExt cx="0" cy="0"/>
+        </a:xfrm>
+      </p:grpSpPr>
+      <p:sp>
+        <p:nvSpPr>
+          <p:cNvPr id="2" name="Slide Image Placeholder 1"/>
+          <p:cNvSpPr>
+            <a:spLocks noGrp="1" noRot="1" noChangeAspect="1"/>
+          </p:cNvSpPr>
+          <p:nvPr>
+            <p:ph type="sldImg"/>
+          </p:nvPr>
+        </p:nvSpPr>
+        <p:spPr/>
+      </p:sp>
+      <p:sp>
+        <p:nvSpPr>
+          <p:cNvPr id="3" name="Notes Placeholder 2"/>
+          <p:cNvSpPr>
+            <a:spLocks noGrp="1"/>
+          </p:cNvSpPr>
+          <p:nvPr>
+            <p:ph type="body" idx="1"/>
+          </p:nvPr>
+        </p:nvSpPr>
+        <p:spPr/>
+        <p:txBody>
+          <a:bodyPr/>
+          <a:lstStyle/>
+          <a:p>
+            <a:r>
+              <a:rPr lang="en-AU" b="1" dirty="0"/>
+              <a:t>Black = Don’t know internals , White = Know internals</a:t>
+            </a:r>
+          </a:p>
+          <a:p>
+            <a:r>
+              <a:rPr lang="en-AU" b="1" dirty="0"/>
+              <a:t>Testing Internals is generally Bad. I don’t care that </a:t>
+            </a:r>
+            <a:r>
+              <a:rPr lang="en-AU" b="1" dirty="0" err="1"/>
+              <a:t>DayOfWeek</a:t>
+            </a:r>
+            <a:r>
+              <a:rPr lang="en-AU" b="1" dirty="0"/>
+              <a:t> was called once.</a:t>
+            </a:r>
+          </a:p>
+          <a:p>
+            <a:endParaRPr lang="en-AU" dirty="0"/>
+          </a:p>
+          <a:p>
+            <a:r>
+              <a:rPr lang="en-AU" b="1" dirty="0"/>
+              <a:t>“</a:t>
+            </a:r>
+            <a:r>
+              <a:rPr lang="en-US" sz="1200" b="1" i="0" kern="1200" dirty="0">
+                <a:solidFill>
+                  <a:schemeClr val="tx1"/>
+                </a:solidFill>
+                <a:effectLst/>
+                <a:latin typeface="+mn-lt"/>
+                <a:ea typeface="+mn-ea"/>
+                <a:cs typeface="+mn-cs"/>
+              </a:rPr>
+              <a:t>I really like the fact that while writing the test you focus on the result of the behavior, not how it's done. ” – Martin Fowler</a:t>
+            </a:r>
+          </a:p>
+          <a:p>
+            <a:endParaRPr lang="en-US" sz="1200" b="0" i="0" kern="1200" dirty="0">
+              <a:solidFill>
+                <a:schemeClr val="tx1"/>
+              </a:solidFill>
+              <a:effectLst/>
+              <a:latin typeface="+mn-lt"/>
+              <a:ea typeface="+mn-ea"/>
+              <a:cs typeface="+mn-cs"/>
+            </a:endParaRPr>
+          </a:p>
+          <a:p>
+            <a:r>
+              <a:rPr lang="en-US" sz="1200" b="0" i="0" kern="1200" dirty="0">
+                <a:solidFill>
+                  <a:schemeClr val="tx1"/>
+                </a:solidFill>
+                <a:effectLst/>
+                <a:latin typeface="+mn-lt"/>
+                <a:ea typeface="+mn-ea"/>
+                <a:cs typeface="+mn-cs"/>
+              </a:rPr>
+              <a:t>So mocks are a third party library that implements the methods you request. I actually don’t know how they do it, </a:t>
+            </a:r>
+            <a:r>
+              <a:rPr lang="en-US" sz="1200" b="0" i="0" kern="1200" dirty="0" err="1">
+                <a:solidFill>
+                  <a:schemeClr val="tx1"/>
+                </a:solidFill>
+                <a:effectLst/>
+                <a:latin typeface="+mn-lt"/>
+                <a:ea typeface="+mn-ea"/>
+                <a:cs typeface="+mn-cs"/>
+              </a:rPr>
+              <a:t>ExpandoObject</a:t>
+            </a:r>
+            <a:r>
+              <a:rPr lang="en-US" sz="1200" b="0" i="0" kern="1200" dirty="0">
+                <a:solidFill>
+                  <a:schemeClr val="tx1"/>
+                </a:solidFill>
+                <a:effectLst/>
+                <a:latin typeface="+mn-lt"/>
+                <a:ea typeface="+mn-ea"/>
+                <a:cs typeface="+mn-cs"/>
+              </a:rPr>
+              <a:t>? I should really know but I tend to stick in the strongly typed world of </a:t>
+            </a:r>
+            <a:r>
+              <a:rPr lang="en-US" sz="1200" b="0" i="0" kern="1200" dirty="0" err="1">
+                <a:solidFill>
+                  <a:schemeClr val="tx1"/>
+                </a:solidFill>
+                <a:effectLst/>
+                <a:latin typeface="+mn-lt"/>
+                <a:ea typeface="+mn-ea"/>
+                <a:cs typeface="+mn-cs"/>
+              </a:rPr>
+              <a:t>.Net</a:t>
+            </a:r>
+            <a:r>
+              <a:rPr lang="en-US" sz="1200" b="0" i="0" kern="1200" dirty="0">
+                <a:solidFill>
+                  <a:schemeClr val="tx1"/>
+                </a:solidFill>
+                <a:effectLst/>
+                <a:latin typeface="+mn-lt"/>
+                <a:ea typeface="+mn-ea"/>
+                <a:cs typeface="+mn-cs"/>
+              </a:rPr>
+              <a:t> and avoid this kind of stuff.</a:t>
+            </a:r>
+          </a:p>
+          <a:p>
+            <a:endParaRPr lang="en-US" sz="1200" b="0" i="0" kern="1200" dirty="0">
+              <a:solidFill>
+                <a:schemeClr val="tx1"/>
+              </a:solidFill>
+              <a:effectLst/>
+              <a:latin typeface="+mn-lt"/>
+              <a:ea typeface="+mn-ea"/>
+              <a:cs typeface="+mn-cs"/>
+            </a:endParaRPr>
+          </a:p>
+          <a:p>
+            <a:r>
+              <a:rPr lang="en-US" sz="1200" b="0" i="0" kern="1200" dirty="0">
+                <a:solidFill>
+                  <a:schemeClr val="tx1"/>
+                </a:solidFill>
+                <a:effectLst/>
+                <a:latin typeface="+mn-lt"/>
+                <a:ea typeface="+mn-ea"/>
+                <a:cs typeface="+mn-cs"/>
+              </a:rPr>
+              <a:t>So I am not a fan of mocks for one reason, people tend to end up using them to verify that the dependent object was called which to me is a bit of a smell. I like to focus on the inputs and outputs of the object you are testing. So does Martin Fowler so that’s nice.</a:t>
+            </a:r>
+          </a:p>
+          <a:p>
+            <a:endParaRPr lang="en-AU" b="0" dirty="0"/>
+          </a:p>
+          <a:p>
+            <a:r>
+              <a:rPr lang="en-AU" b="0" dirty="0"/>
+              <a:t>“</a:t>
+            </a:r>
+            <a:r>
+              <a:rPr lang="en-US" sz="1200" b="0" i="0" kern="1200" dirty="0">
+                <a:solidFill>
+                  <a:schemeClr val="tx1"/>
+                </a:solidFill>
+                <a:effectLst/>
+                <a:latin typeface="+mn-lt"/>
+                <a:ea typeface="+mn-ea"/>
+                <a:cs typeface="+mn-cs"/>
+              </a:rPr>
+              <a:t>I really like the fact that while writing the test you focus on the result of the behavior, not how it's done. ” – Martin Fowler</a:t>
+            </a:r>
+          </a:p>
+          <a:p>
+            <a:endParaRPr lang="en-AU" b="0" dirty="0"/>
+          </a:p>
+          <a:p>
+            <a:endParaRPr lang="en-AU" dirty="0"/>
+          </a:p>
+        </p:txBody>
+      </p:sp>
+      <p:sp>
+        <p:nvSpPr>
+          <p:cNvPr id="4" name="Slide Number Placeholder 3"/>
+          <p:cNvSpPr>
+            <a:spLocks noGrp="1"/>
+          </p:cNvSpPr>
+          <p:nvPr>
+            <p:ph type="sldNum" sz="quarter" idx="10"/>
+          </p:nvPr>
+        </p:nvSpPr>
+        <p:spPr/>
+        <p:txBody>
+          <a:bodyPr/>
+          <a:lstStyle/>
+          <a:p>
+            <a:fld id="{406952BA-80B8-4541-A308-4338B0EBE1A6}" type="slidenum">
+              <a:rPr lang="en-AU" smtClean="0"/>
+              <a:t>29</a:t>
+            </a:fld>
+            <a:endParaRPr lang="en-AU"/>
+          </a:p>
+        </p:txBody>
+      </p:sp>
+    </p:spTree>
+    <p:extLst>
+      <p:ext uri="{BB962C8B-B14F-4D97-AF65-F5344CB8AC3E}">
+        <p14:creationId xmlns:p14="http://schemas.microsoft.com/office/powerpoint/2010/main" val="919874261"/>
       </p:ext>
     </p:extLst>
   </p:cSld>
@@ -4082,16 +3945,25 @@
             </a:r>
           </a:p>
           <a:p>
+            <a:endParaRPr lang="en-AU" b="1" dirty="0"/>
+          </a:p>
+          <a:p>
             <a:r>
               <a:rPr lang="en-AU" b="1" dirty="0"/>
-              <a:t>Behaviour – User Stories, End to End, 3 pencil, 7 pen &gt; </a:t>
-            </a:r>
+              <a:t>Behaviour – Human readable tests… User Stories, End to End. E.g. Order for 3 pencil, 7 pen &gt; Invoice</a:t>
+            </a:r>
+          </a:p>
+          <a:p>
+            <a:endParaRPr lang="en-AU" b="1" dirty="0"/>
           </a:p>
           <a:p>
             <a:r>
               <a:rPr lang="en-AU" b="1" dirty="0"/>
               <a:t>Load – Performance, External Resource, Real Life, API, Database</a:t>
             </a:r>
+          </a:p>
+          <a:p>
+            <a:endParaRPr lang="en-AU" b="1" dirty="0"/>
           </a:p>
           <a:p>
             <a:r>
@@ -4158,6 +4030,1346 @@
     <p:extLst>
       <p:ext uri="{BB962C8B-B14F-4D97-AF65-F5344CB8AC3E}">
         <p14:creationId xmlns:p14="http://schemas.microsoft.com/office/powerpoint/2010/main" val="3815851070"/>
+      </p:ext>
+    </p:extLst>
+  </p:cSld>
+  <p:clrMapOvr>
+    <a:masterClrMapping/>
+  </p:clrMapOvr>
+</p:notes>
+</file>
+
+<file path=ppt/notesSlides/notesSlide30.xml><?xml version="1.0" encoding="utf-8"?>
+<p:notes xmlns:a="http://schemas.openxmlformats.org/drawingml/2006/main" xmlns:r="http://schemas.openxmlformats.org/officeDocument/2006/relationships" xmlns:p="http://schemas.openxmlformats.org/presentationml/2006/main">
+  <p:cSld>
+    <p:spTree>
+      <p:nvGrpSpPr>
+        <p:cNvPr id="1" name=""/>
+        <p:cNvGrpSpPr/>
+        <p:nvPr/>
+      </p:nvGrpSpPr>
+      <p:grpSpPr>
+        <a:xfrm>
+          <a:off x="0" y="0"/>
+          <a:ext cx="0" cy="0"/>
+          <a:chOff x="0" y="0"/>
+          <a:chExt cx="0" cy="0"/>
+        </a:xfrm>
+      </p:grpSpPr>
+      <p:sp>
+        <p:nvSpPr>
+          <p:cNvPr id="2" name="Slide Image Placeholder 1"/>
+          <p:cNvSpPr>
+            <a:spLocks noGrp="1" noRot="1" noChangeAspect="1"/>
+          </p:cNvSpPr>
+          <p:nvPr>
+            <p:ph type="sldImg"/>
+          </p:nvPr>
+        </p:nvSpPr>
+        <p:spPr/>
+      </p:sp>
+      <p:sp>
+        <p:nvSpPr>
+          <p:cNvPr id="3" name="Notes Placeholder 2"/>
+          <p:cNvSpPr>
+            <a:spLocks noGrp="1"/>
+          </p:cNvSpPr>
+          <p:nvPr>
+            <p:ph type="body" idx="1"/>
+          </p:nvPr>
+        </p:nvSpPr>
+        <p:spPr/>
+        <p:txBody>
+          <a:bodyPr/>
+          <a:lstStyle/>
+          <a:p>
+            <a:r>
+              <a:rPr lang="en-AU" b="1" dirty="0"/>
+              <a:t>I Like Stubs | Define an output | Go With It</a:t>
+            </a:r>
+          </a:p>
+          <a:p>
+            <a:endParaRPr lang="en-AU" b="0" dirty="0"/>
+          </a:p>
+          <a:p>
+            <a:r>
+              <a:rPr lang="en-AU" b="0" dirty="0"/>
+              <a:t>I like stubs, they are simple (as long as you keep them simple) and it’s harder to fall into the trap of testing anything past the external interfaces of your object under test. </a:t>
+            </a:r>
+          </a:p>
+        </p:txBody>
+      </p:sp>
+      <p:sp>
+        <p:nvSpPr>
+          <p:cNvPr id="4" name="Slide Number Placeholder 3"/>
+          <p:cNvSpPr>
+            <a:spLocks noGrp="1"/>
+          </p:cNvSpPr>
+          <p:nvPr>
+            <p:ph type="sldNum" sz="quarter" idx="10"/>
+          </p:nvPr>
+        </p:nvSpPr>
+        <p:spPr/>
+        <p:txBody>
+          <a:bodyPr/>
+          <a:lstStyle/>
+          <a:p>
+            <a:fld id="{406952BA-80B8-4541-A308-4338B0EBE1A6}" type="slidenum">
+              <a:rPr lang="en-AU" smtClean="0"/>
+              <a:t>30</a:t>
+            </a:fld>
+            <a:endParaRPr lang="en-AU"/>
+          </a:p>
+        </p:txBody>
+      </p:sp>
+    </p:spTree>
+    <p:extLst>
+      <p:ext uri="{BB962C8B-B14F-4D97-AF65-F5344CB8AC3E}">
+        <p14:creationId xmlns:p14="http://schemas.microsoft.com/office/powerpoint/2010/main" val="3759364831"/>
+      </p:ext>
+    </p:extLst>
+  </p:cSld>
+  <p:clrMapOvr>
+    <a:masterClrMapping/>
+  </p:clrMapOvr>
+</p:notes>
+</file>
+
+<file path=ppt/notesSlides/notesSlide31.xml><?xml version="1.0" encoding="utf-8"?>
+<p:notes xmlns:a="http://schemas.openxmlformats.org/drawingml/2006/main" xmlns:r="http://schemas.openxmlformats.org/officeDocument/2006/relationships" xmlns:p="http://schemas.openxmlformats.org/presentationml/2006/main">
+  <p:cSld>
+    <p:spTree>
+      <p:nvGrpSpPr>
+        <p:cNvPr id="1" name=""/>
+        <p:cNvGrpSpPr/>
+        <p:nvPr/>
+      </p:nvGrpSpPr>
+      <p:grpSpPr>
+        <a:xfrm>
+          <a:off x="0" y="0"/>
+          <a:ext cx="0" cy="0"/>
+          <a:chOff x="0" y="0"/>
+          <a:chExt cx="0" cy="0"/>
+        </a:xfrm>
+      </p:grpSpPr>
+      <p:sp>
+        <p:nvSpPr>
+          <p:cNvPr id="2" name="Slide Image Placeholder 1"/>
+          <p:cNvSpPr>
+            <a:spLocks noGrp="1" noRot="1" noChangeAspect="1"/>
+          </p:cNvSpPr>
+          <p:nvPr>
+            <p:ph type="sldImg"/>
+          </p:nvPr>
+        </p:nvSpPr>
+        <p:spPr/>
+      </p:sp>
+      <p:sp>
+        <p:nvSpPr>
+          <p:cNvPr id="3" name="Notes Placeholder 2"/>
+          <p:cNvSpPr>
+            <a:spLocks noGrp="1"/>
+          </p:cNvSpPr>
+          <p:nvPr>
+            <p:ph type="body" idx="1"/>
+          </p:nvPr>
+        </p:nvSpPr>
+        <p:spPr/>
+        <p:txBody>
+          <a:bodyPr/>
+          <a:lstStyle/>
+          <a:p>
+            <a:r>
+              <a:rPr lang="en-AU" b="1" dirty="0"/>
+              <a:t>8 year old</a:t>
+            </a:r>
+          </a:p>
+          <a:p>
+            <a:endParaRPr lang="en-AU" b="0" dirty="0"/>
+          </a:p>
+          <a:p>
+            <a:r>
+              <a:rPr lang="en-AU" b="0" dirty="0"/>
+              <a:t>I previously mentioned tests should look like your trying to tell a story to an 8 year old. One way to help achieve that is to use Fluid Extensions. </a:t>
+            </a:r>
+          </a:p>
+          <a:p>
+            <a:endParaRPr lang="en-AU" b="0" dirty="0"/>
+          </a:p>
+          <a:p>
+            <a:r>
+              <a:rPr lang="en-AU" b="0" dirty="0"/>
+              <a:t>I tend to use them in the test setup and you can almost write sentences using this approach.</a:t>
+            </a:r>
+          </a:p>
+        </p:txBody>
+      </p:sp>
+      <p:sp>
+        <p:nvSpPr>
+          <p:cNvPr id="4" name="Slide Number Placeholder 3"/>
+          <p:cNvSpPr>
+            <a:spLocks noGrp="1"/>
+          </p:cNvSpPr>
+          <p:nvPr>
+            <p:ph type="sldNum" sz="quarter" idx="10"/>
+          </p:nvPr>
+        </p:nvSpPr>
+        <p:spPr/>
+        <p:txBody>
+          <a:bodyPr/>
+          <a:lstStyle/>
+          <a:p>
+            <a:fld id="{406952BA-80B8-4541-A308-4338B0EBE1A6}" type="slidenum">
+              <a:rPr lang="en-AU" smtClean="0"/>
+              <a:t>31</a:t>
+            </a:fld>
+            <a:endParaRPr lang="en-AU"/>
+          </a:p>
+        </p:txBody>
+      </p:sp>
+    </p:spTree>
+    <p:extLst>
+      <p:ext uri="{BB962C8B-B14F-4D97-AF65-F5344CB8AC3E}">
+        <p14:creationId xmlns:p14="http://schemas.microsoft.com/office/powerpoint/2010/main" val="3638340669"/>
+      </p:ext>
+    </p:extLst>
+  </p:cSld>
+  <p:clrMapOvr>
+    <a:masterClrMapping/>
+  </p:clrMapOvr>
+</p:notes>
+</file>
+
+<file path=ppt/notesSlides/notesSlide32.xml><?xml version="1.0" encoding="utf-8"?>
+<p:notes xmlns:a="http://schemas.openxmlformats.org/drawingml/2006/main" xmlns:r="http://schemas.openxmlformats.org/officeDocument/2006/relationships" xmlns:p="http://schemas.openxmlformats.org/presentationml/2006/main">
+  <p:cSld>
+    <p:spTree>
+      <p:nvGrpSpPr>
+        <p:cNvPr id="1" name=""/>
+        <p:cNvGrpSpPr/>
+        <p:nvPr/>
+      </p:nvGrpSpPr>
+      <p:grpSpPr>
+        <a:xfrm>
+          <a:off x="0" y="0"/>
+          <a:ext cx="0" cy="0"/>
+          <a:chOff x="0" y="0"/>
+          <a:chExt cx="0" cy="0"/>
+        </a:xfrm>
+      </p:grpSpPr>
+      <p:sp>
+        <p:nvSpPr>
+          <p:cNvPr id="2" name="Slide Image Placeholder 1"/>
+          <p:cNvSpPr>
+            <a:spLocks noGrp="1" noRot="1" noChangeAspect="1"/>
+          </p:cNvSpPr>
+          <p:nvPr>
+            <p:ph type="sldImg"/>
+          </p:nvPr>
+        </p:nvSpPr>
+        <p:spPr/>
+      </p:sp>
+      <p:sp>
+        <p:nvSpPr>
+          <p:cNvPr id="3" name="Notes Placeholder 2"/>
+          <p:cNvSpPr>
+            <a:spLocks noGrp="1"/>
+          </p:cNvSpPr>
+          <p:nvPr>
+            <p:ph type="body" idx="1"/>
+          </p:nvPr>
+        </p:nvSpPr>
+        <p:spPr/>
+        <p:txBody>
+          <a:bodyPr/>
+          <a:lstStyle/>
+          <a:p>
+            <a:r>
+              <a:rPr lang="en-AU" b="1" dirty="0" err="1"/>
+              <a:t>.Net</a:t>
+            </a:r>
+            <a:r>
+              <a:rPr lang="en-AU" b="1" dirty="0"/>
+              <a:t> Core added InMemory Database</a:t>
+            </a:r>
+          </a:p>
+          <a:p>
+            <a:r>
+              <a:rPr lang="en-AU" b="1" dirty="0"/>
+              <a:t>Game Changer – I used it in the Payroll system</a:t>
+            </a:r>
+          </a:p>
+          <a:p>
+            <a:r>
+              <a:rPr lang="en-AU" b="1" dirty="0"/>
+              <a:t>Don’t Test Crud</a:t>
+            </a:r>
+          </a:p>
+          <a:p>
+            <a:pPr marL="0" marR="0" lvl="0" indent="0" algn="l" defTabSz="914400" rtl="0" eaLnBrk="1" fontAlgn="auto" latinLnBrk="0" hangingPunct="1">
+              <a:lnSpc>
+                <a:spcPct val="100000"/>
+              </a:lnSpc>
+              <a:spcBef>
+                <a:spcPts val="0"/>
+              </a:spcBef>
+              <a:spcAft>
+                <a:spcPts val="0"/>
+              </a:spcAft>
+              <a:buClrTx/>
+              <a:buSzTx/>
+              <a:buFontTx/>
+              <a:buNone/>
+              <a:tabLst/>
+              <a:defRPr/>
+            </a:pPr>
+            <a:r>
+              <a:rPr lang="en-AU" b="1" dirty="0"/>
+              <a:t>Pagination Example</a:t>
+            </a:r>
+          </a:p>
+          <a:p>
+            <a:pPr marL="0" marR="0" lvl="0" indent="0" algn="l" defTabSz="914400" rtl="0" eaLnBrk="1" fontAlgn="auto" latinLnBrk="0" hangingPunct="1">
+              <a:lnSpc>
+                <a:spcPct val="100000"/>
+              </a:lnSpc>
+              <a:spcBef>
+                <a:spcPts val="0"/>
+              </a:spcBef>
+              <a:spcAft>
+                <a:spcPts val="0"/>
+              </a:spcAft>
+              <a:buClrTx/>
+              <a:buSzTx/>
+              <a:buFontTx/>
+              <a:buNone/>
+              <a:tabLst/>
+              <a:defRPr/>
+            </a:pPr>
+            <a:r>
+              <a:rPr lang="en-AU" b="1" dirty="0"/>
+              <a:t>Jason Taylor – 20 Minutes</a:t>
+            </a:r>
+          </a:p>
+          <a:p>
+            <a:endParaRPr lang="en-AU" b="0" dirty="0"/>
+          </a:p>
+          <a:p>
+            <a:pPr marL="0" marR="0" lvl="0" indent="0" algn="l" defTabSz="914400" rtl="0" eaLnBrk="1" fontAlgn="auto" latinLnBrk="0" hangingPunct="1">
+              <a:lnSpc>
+                <a:spcPct val="100000"/>
+              </a:lnSpc>
+              <a:spcBef>
+                <a:spcPts val="0"/>
+              </a:spcBef>
+              <a:spcAft>
+                <a:spcPts val="0"/>
+              </a:spcAft>
+              <a:buClrTx/>
+              <a:buSzTx/>
+              <a:buFontTx/>
+              <a:buNone/>
+              <a:tabLst/>
+              <a:defRPr/>
+            </a:pPr>
+            <a:r>
+              <a:rPr lang="en-AU" b="1" dirty="0"/>
+              <a:t>Time Limitations</a:t>
+            </a:r>
+          </a:p>
+          <a:p>
+            <a:endParaRPr lang="en-AU" b="0" dirty="0"/>
+          </a:p>
+          <a:p>
+            <a:r>
+              <a:rPr lang="en-AU" b="0" dirty="0"/>
+              <a:t>So </a:t>
+            </a:r>
+            <a:r>
+              <a:rPr lang="en-AU" b="0" dirty="0" err="1"/>
+              <a:t>.Net</a:t>
+            </a:r>
+            <a:r>
+              <a:rPr lang="en-AU" b="0" dirty="0"/>
+              <a:t> core added the InMemory database and to be honest I am astounded it hasn’t got more attention, it’s a bit of a game changer.</a:t>
+            </a:r>
+          </a:p>
+          <a:p>
+            <a:endParaRPr lang="en-AU" b="0" dirty="0"/>
+          </a:p>
+          <a:p>
+            <a:r>
+              <a:rPr lang="en-AU" b="0" dirty="0"/>
+              <a:t>That said, don’t fall into the trap of testing crud, it’s fragile.</a:t>
+            </a:r>
+          </a:p>
+          <a:p>
+            <a:endParaRPr lang="en-AU" b="0" dirty="0"/>
+          </a:p>
+          <a:p>
+            <a:r>
+              <a:rPr lang="en-AU" b="0" dirty="0"/>
+              <a:t>I’ve linked a simple example that implements searching, filtering ordering and pagination. It’s also at the end of the slide.</a:t>
+            </a:r>
+          </a:p>
+          <a:p>
+            <a:endParaRPr lang="en-AU" b="0" dirty="0"/>
+          </a:p>
+          <a:p>
+            <a:r>
+              <a:rPr lang="en-AU" b="0" dirty="0"/>
+              <a:t>Jason Taylor has also done a brief 20 minute presentation on using it which is worth watching. </a:t>
+            </a:r>
+          </a:p>
+          <a:p>
+            <a:endParaRPr lang="en-AU" b="0" dirty="0"/>
+          </a:p>
+          <a:p>
+            <a:r>
+              <a:rPr lang="en-AU" b="0" dirty="0"/>
+              <a:t>Because of time limitations I won’t go into detail on this</a:t>
+            </a:r>
+          </a:p>
+        </p:txBody>
+      </p:sp>
+      <p:sp>
+        <p:nvSpPr>
+          <p:cNvPr id="4" name="Slide Number Placeholder 3"/>
+          <p:cNvSpPr>
+            <a:spLocks noGrp="1"/>
+          </p:cNvSpPr>
+          <p:nvPr>
+            <p:ph type="sldNum" sz="quarter" idx="10"/>
+          </p:nvPr>
+        </p:nvSpPr>
+        <p:spPr/>
+        <p:txBody>
+          <a:bodyPr/>
+          <a:lstStyle/>
+          <a:p>
+            <a:fld id="{406952BA-80B8-4541-A308-4338B0EBE1A6}" type="slidenum">
+              <a:rPr lang="en-AU" smtClean="0"/>
+              <a:t>32</a:t>
+            </a:fld>
+            <a:endParaRPr lang="en-AU"/>
+          </a:p>
+        </p:txBody>
+      </p:sp>
+    </p:spTree>
+    <p:extLst>
+      <p:ext uri="{BB962C8B-B14F-4D97-AF65-F5344CB8AC3E}">
+        <p14:creationId xmlns:p14="http://schemas.microsoft.com/office/powerpoint/2010/main" val="3498915987"/>
+      </p:ext>
+    </p:extLst>
+  </p:cSld>
+  <p:clrMapOvr>
+    <a:masterClrMapping/>
+  </p:clrMapOvr>
+</p:notes>
+</file>
+
+<file path=ppt/notesSlides/notesSlide33.xml><?xml version="1.0" encoding="utf-8"?>
+<p:notes xmlns:a="http://schemas.openxmlformats.org/drawingml/2006/main" xmlns:r="http://schemas.openxmlformats.org/officeDocument/2006/relationships" xmlns:p="http://schemas.openxmlformats.org/presentationml/2006/main">
+  <p:cSld>
+    <p:spTree>
+      <p:nvGrpSpPr>
+        <p:cNvPr id="1" name=""/>
+        <p:cNvGrpSpPr/>
+        <p:nvPr/>
+      </p:nvGrpSpPr>
+      <p:grpSpPr>
+        <a:xfrm>
+          <a:off x="0" y="0"/>
+          <a:ext cx="0" cy="0"/>
+          <a:chOff x="0" y="0"/>
+          <a:chExt cx="0" cy="0"/>
+        </a:xfrm>
+      </p:grpSpPr>
+      <p:sp>
+        <p:nvSpPr>
+          <p:cNvPr id="2" name="Slide Image Placeholder 1"/>
+          <p:cNvSpPr>
+            <a:spLocks noGrp="1" noRot="1" noChangeAspect="1"/>
+          </p:cNvSpPr>
+          <p:nvPr>
+            <p:ph type="sldImg"/>
+          </p:nvPr>
+        </p:nvSpPr>
+        <p:spPr/>
+      </p:sp>
+      <p:sp>
+        <p:nvSpPr>
+          <p:cNvPr id="3" name="Notes Placeholder 2"/>
+          <p:cNvSpPr>
+            <a:spLocks noGrp="1"/>
+          </p:cNvSpPr>
+          <p:nvPr>
+            <p:ph type="body" idx="1"/>
+          </p:nvPr>
+        </p:nvSpPr>
+        <p:spPr/>
+        <p:txBody>
+          <a:bodyPr/>
+          <a:lstStyle/>
+          <a:p>
+            <a:r>
+              <a:rPr lang="en-AU" b="1" dirty="0"/>
+              <a:t>Example of creating the in memory context.</a:t>
+            </a:r>
+          </a:p>
+          <a:p>
+            <a:endParaRPr lang="en-AU" b="1" dirty="0"/>
+          </a:p>
+          <a:p>
+            <a:endParaRPr lang="en-AU" b="0" dirty="0"/>
+          </a:p>
+          <a:p>
+            <a:r>
+              <a:rPr lang="en-AU" b="0" dirty="0"/>
+              <a:t>SO this is an example of creating the in memory database context. It’s pretty self explanatory.</a:t>
+            </a:r>
+          </a:p>
+        </p:txBody>
+      </p:sp>
+      <p:sp>
+        <p:nvSpPr>
+          <p:cNvPr id="4" name="Slide Number Placeholder 3"/>
+          <p:cNvSpPr>
+            <a:spLocks noGrp="1"/>
+          </p:cNvSpPr>
+          <p:nvPr>
+            <p:ph type="sldNum" sz="quarter" idx="10"/>
+          </p:nvPr>
+        </p:nvSpPr>
+        <p:spPr/>
+        <p:txBody>
+          <a:bodyPr/>
+          <a:lstStyle/>
+          <a:p>
+            <a:fld id="{406952BA-80B8-4541-A308-4338B0EBE1A6}" type="slidenum">
+              <a:rPr lang="en-AU" smtClean="0"/>
+              <a:t>33</a:t>
+            </a:fld>
+            <a:endParaRPr lang="en-AU"/>
+          </a:p>
+        </p:txBody>
+      </p:sp>
+    </p:spTree>
+    <p:extLst>
+      <p:ext uri="{BB962C8B-B14F-4D97-AF65-F5344CB8AC3E}">
+        <p14:creationId xmlns:p14="http://schemas.microsoft.com/office/powerpoint/2010/main" val="2631704921"/>
+      </p:ext>
+    </p:extLst>
+  </p:cSld>
+  <p:clrMapOvr>
+    <a:masterClrMapping/>
+  </p:clrMapOvr>
+</p:notes>
+</file>
+
+<file path=ppt/notesSlides/notesSlide34.xml><?xml version="1.0" encoding="utf-8"?>
+<p:notes xmlns:a="http://schemas.openxmlformats.org/drawingml/2006/main" xmlns:r="http://schemas.openxmlformats.org/officeDocument/2006/relationships" xmlns:p="http://schemas.openxmlformats.org/presentationml/2006/main">
+  <p:cSld>
+    <p:spTree>
+      <p:nvGrpSpPr>
+        <p:cNvPr id="1" name=""/>
+        <p:cNvGrpSpPr/>
+        <p:nvPr/>
+      </p:nvGrpSpPr>
+      <p:grpSpPr>
+        <a:xfrm>
+          <a:off x="0" y="0"/>
+          <a:ext cx="0" cy="0"/>
+          <a:chOff x="0" y="0"/>
+          <a:chExt cx="0" cy="0"/>
+        </a:xfrm>
+      </p:grpSpPr>
+      <p:sp>
+        <p:nvSpPr>
+          <p:cNvPr id="2" name="Slide Image Placeholder 1"/>
+          <p:cNvSpPr>
+            <a:spLocks noGrp="1" noRot="1" noChangeAspect="1"/>
+          </p:cNvSpPr>
+          <p:nvPr>
+            <p:ph type="sldImg"/>
+          </p:nvPr>
+        </p:nvSpPr>
+        <p:spPr/>
+      </p:sp>
+      <p:sp>
+        <p:nvSpPr>
+          <p:cNvPr id="3" name="Notes Placeholder 2"/>
+          <p:cNvSpPr>
+            <a:spLocks noGrp="1"/>
+          </p:cNvSpPr>
+          <p:nvPr>
+            <p:ph type="body" idx="1"/>
+          </p:nvPr>
+        </p:nvSpPr>
+        <p:spPr/>
+        <p:txBody>
+          <a:bodyPr/>
+          <a:lstStyle/>
+          <a:p>
+            <a:pPr marL="0" marR="0" lvl="0" indent="0" algn="l" defTabSz="914400" rtl="0" eaLnBrk="1" fontAlgn="auto" latinLnBrk="0" hangingPunct="1">
+              <a:lnSpc>
+                <a:spcPct val="100000"/>
+              </a:lnSpc>
+              <a:spcBef>
+                <a:spcPts val="0"/>
+              </a:spcBef>
+              <a:spcAft>
+                <a:spcPts val="0"/>
+              </a:spcAft>
+              <a:buClrTx/>
+              <a:buSzTx/>
+              <a:buFontTx/>
+              <a:buNone/>
+              <a:tabLst/>
+              <a:defRPr/>
+            </a:pPr>
+            <a:r>
+              <a:rPr lang="en-AU" b="1" dirty="0"/>
+              <a:t>Test that the Paginator Paginates.</a:t>
+            </a:r>
+          </a:p>
+          <a:p>
+            <a:pPr marL="0" marR="0" lvl="0" indent="0" algn="l" defTabSz="914400" rtl="0" eaLnBrk="1" fontAlgn="auto" latinLnBrk="0" hangingPunct="1">
+              <a:lnSpc>
+                <a:spcPct val="100000"/>
+              </a:lnSpc>
+              <a:spcBef>
+                <a:spcPts val="0"/>
+              </a:spcBef>
+              <a:spcAft>
+                <a:spcPts val="0"/>
+              </a:spcAft>
+              <a:buClrTx/>
+              <a:buSzTx/>
+              <a:buFontTx/>
+              <a:buNone/>
+              <a:tabLst/>
+              <a:defRPr/>
+            </a:pPr>
+            <a:r>
+              <a:rPr lang="en-AU" b="1" dirty="0"/>
+              <a:t>Go through the code… Widgets adds a bunch of widgets…</a:t>
+            </a:r>
+          </a:p>
+          <a:p>
+            <a:endParaRPr lang="en-AU" b="1" dirty="0"/>
+          </a:p>
+          <a:p>
+            <a:r>
+              <a:rPr lang="en-AU" b="0" dirty="0"/>
+              <a:t>So then here is a simple example of using it. Passing in the in memory context to the concrete repository. Creating some widgets, then searching for them and assuring we get the number back that we requested. Simple but it proves the paginator paginates.</a:t>
+            </a:r>
+          </a:p>
+        </p:txBody>
+      </p:sp>
+      <p:sp>
+        <p:nvSpPr>
+          <p:cNvPr id="4" name="Slide Number Placeholder 3"/>
+          <p:cNvSpPr>
+            <a:spLocks noGrp="1"/>
+          </p:cNvSpPr>
+          <p:nvPr>
+            <p:ph type="sldNum" sz="quarter" idx="10"/>
+          </p:nvPr>
+        </p:nvSpPr>
+        <p:spPr/>
+        <p:txBody>
+          <a:bodyPr/>
+          <a:lstStyle/>
+          <a:p>
+            <a:fld id="{406952BA-80B8-4541-A308-4338B0EBE1A6}" type="slidenum">
+              <a:rPr lang="en-AU" smtClean="0"/>
+              <a:t>34</a:t>
+            </a:fld>
+            <a:endParaRPr lang="en-AU"/>
+          </a:p>
+        </p:txBody>
+      </p:sp>
+    </p:spTree>
+    <p:extLst>
+      <p:ext uri="{BB962C8B-B14F-4D97-AF65-F5344CB8AC3E}">
+        <p14:creationId xmlns:p14="http://schemas.microsoft.com/office/powerpoint/2010/main" val="3324498862"/>
+      </p:ext>
+    </p:extLst>
+  </p:cSld>
+  <p:clrMapOvr>
+    <a:masterClrMapping/>
+  </p:clrMapOvr>
+</p:notes>
+</file>
+
+<file path=ppt/notesSlides/notesSlide35.xml><?xml version="1.0" encoding="utf-8"?>
+<p:notes xmlns:a="http://schemas.openxmlformats.org/drawingml/2006/main" xmlns:r="http://schemas.openxmlformats.org/officeDocument/2006/relationships" xmlns:p="http://schemas.openxmlformats.org/presentationml/2006/main">
+  <p:cSld>
+    <p:spTree>
+      <p:nvGrpSpPr>
+        <p:cNvPr id="1" name=""/>
+        <p:cNvGrpSpPr/>
+        <p:nvPr/>
+      </p:nvGrpSpPr>
+      <p:grpSpPr>
+        <a:xfrm>
+          <a:off x="0" y="0"/>
+          <a:ext cx="0" cy="0"/>
+          <a:chOff x="0" y="0"/>
+          <a:chExt cx="0" cy="0"/>
+        </a:xfrm>
+      </p:grpSpPr>
+      <p:sp>
+        <p:nvSpPr>
+          <p:cNvPr id="2" name="Slide Image Placeholder 1"/>
+          <p:cNvSpPr>
+            <a:spLocks noGrp="1" noRot="1" noChangeAspect="1"/>
+          </p:cNvSpPr>
+          <p:nvPr>
+            <p:ph type="sldImg"/>
+          </p:nvPr>
+        </p:nvSpPr>
+        <p:spPr/>
+      </p:sp>
+      <p:sp>
+        <p:nvSpPr>
+          <p:cNvPr id="3" name="Notes Placeholder 2"/>
+          <p:cNvSpPr>
+            <a:spLocks noGrp="1"/>
+          </p:cNvSpPr>
+          <p:nvPr>
+            <p:ph type="body" idx="1"/>
+          </p:nvPr>
+        </p:nvSpPr>
+        <p:spPr/>
+        <p:txBody>
+          <a:bodyPr/>
+          <a:lstStyle/>
+          <a:p>
+            <a:r>
+              <a:rPr lang="en-AU" b="1" dirty="0"/>
+              <a:t>Integration Tests = Easy to Understand, Simple to Interface out.</a:t>
+            </a:r>
+          </a:p>
+          <a:p>
+            <a:r>
+              <a:rPr lang="en-AU" b="1" dirty="0"/>
+              <a:t>Test Create Folder, Save File etc… Not business logic e.g. Resize Image, Save To Folder</a:t>
+            </a:r>
+          </a:p>
+          <a:p>
+            <a:endParaRPr lang="en-AU" b="1" dirty="0"/>
+          </a:p>
+          <a:p>
+            <a:r>
+              <a:rPr lang="en-AU" b="1" dirty="0"/>
+              <a:t>Complex Problem – </a:t>
+            </a:r>
+          </a:p>
+          <a:p>
+            <a:r>
+              <a:rPr lang="en-AU" b="1" dirty="0"/>
+              <a:t>Price / Order Calculators</a:t>
+            </a:r>
+          </a:p>
+          <a:p>
+            <a:r>
+              <a:rPr lang="en-AU" b="1" dirty="0"/>
+              <a:t>HR -&gt; Process Shifts -&gt; Payslip -&gt; Process Bank File</a:t>
+            </a:r>
+          </a:p>
+          <a:p>
+            <a:r>
+              <a:rPr lang="en-AU" b="1" dirty="0"/>
+              <a:t>Alert / Notification Systems</a:t>
+            </a:r>
+          </a:p>
+          <a:p>
+            <a:r>
+              <a:rPr lang="en-AU" b="1" dirty="0"/>
+              <a:t>Workflows (Bug Tracking, Requestioning Approval)</a:t>
+            </a:r>
+          </a:p>
+          <a:p>
+            <a:r>
+              <a:rPr lang="en-AU" b="1" dirty="0"/>
+              <a:t>Queue Systems</a:t>
+            </a:r>
+          </a:p>
+          <a:p>
+            <a:r>
+              <a:rPr lang="en-AU" b="1" dirty="0"/>
+              <a:t>Importing Files (Xml, </a:t>
+            </a:r>
+            <a:r>
+              <a:rPr lang="en-AU" b="1" dirty="0" err="1"/>
+              <a:t>Json</a:t>
+            </a:r>
+            <a:r>
+              <a:rPr lang="en-AU" b="1" dirty="0"/>
+              <a:t>, CSV)</a:t>
+            </a:r>
+          </a:p>
+          <a:p>
+            <a:r>
+              <a:rPr lang="en-AU" b="1" dirty="0"/>
+              <a:t>Validation Systems</a:t>
+            </a:r>
+          </a:p>
+          <a:p>
+            <a:r>
+              <a:rPr lang="en-AU" b="1" dirty="0"/>
+              <a:t>Authentication Processes</a:t>
+            </a:r>
+          </a:p>
+          <a:p>
+            <a:r>
+              <a:rPr lang="en-AU" b="1" dirty="0"/>
+              <a:t>Flight Booking – Traveling Salesman Problem</a:t>
+            </a:r>
+          </a:p>
+          <a:p>
+            <a:r>
+              <a:rPr lang="en-AU" b="1" dirty="0"/>
+              <a:t>Expert Systems</a:t>
+            </a:r>
+          </a:p>
+          <a:p>
+            <a:endParaRPr lang="en-AU" b="0" dirty="0"/>
+          </a:p>
+          <a:p>
+            <a:r>
+              <a:rPr lang="en-AU" b="0" dirty="0"/>
+              <a:t>Trying to teach juniors to learn test driven I tend to start with something really simple, where they know the solution and in theory can write tests that explain it simply. For example interfacing out your local file system implementation. Doing this also means when you have other tests that need the local file system you have a nice clean and tidy interface to it that you can then implement with mocks or stubs.</a:t>
+            </a:r>
+          </a:p>
+          <a:p>
+            <a:endParaRPr lang="en-AU" b="0" dirty="0"/>
+          </a:p>
+          <a:p>
+            <a:r>
+              <a:rPr lang="en-AU" b="0" dirty="0"/>
+              <a:t>A word of warning, write the interface to the file system, e.g. Create Folder, Save File. Don’t implement your business logic e.g. I need to resize and image and save it to a specific folder, that’s another layer of tests.</a:t>
+            </a:r>
+          </a:p>
+          <a:p>
+            <a:endParaRPr lang="en-AU" b="0" dirty="0"/>
+          </a:p>
+          <a:p>
+            <a:endParaRPr lang="en-AU" b="0" dirty="0"/>
+          </a:p>
+          <a:p>
+            <a:r>
+              <a:rPr lang="en-AU" b="0" dirty="0"/>
+              <a:t>Some examples of where I have used Unit Tests in my career are:</a:t>
+            </a:r>
+          </a:p>
+          <a:p>
+            <a:r>
+              <a:rPr lang="en-AU" b="0" dirty="0"/>
+              <a:t>Price / Order Calculators</a:t>
+            </a:r>
+          </a:p>
+          <a:p>
+            <a:r>
+              <a:rPr lang="en-AU" b="0" dirty="0"/>
+              <a:t>HR -&gt; Process Shifts -&gt; Payslip -&gt; Process Bank File</a:t>
+            </a:r>
+          </a:p>
+          <a:p>
+            <a:r>
+              <a:rPr lang="en-AU" b="0" dirty="0"/>
+              <a:t>Alert / Notification Systems</a:t>
+            </a:r>
+          </a:p>
+          <a:p>
+            <a:r>
+              <a:rPr lang="en-AU" b="0" dirty="0"/>
+              <a:t>Workflows (Bug Tracking, Requestioning Approval)</a:t>
+            </a:r>
+          </a:p>
+          <a:p>
+            <a:r>
+              <a:rPr lang="en-AU" b="0" dirty="0"/>
+              <a:t>Queue Systems</a:t>
+            </a:r>
+          </a:p>
+          <a:p>
+            <a:r>
+              <a:rPr lang="en-AU" b="0" dirty="0"/>
+              <a:t>Importing Files (Xml, Json, CSV)</a:t>
+            </a:r>
+          </a:p>
+          <a:p>
+            <a:r>
+              <a:rPr lang="en-AU" b="0" dirty="0"/>
+              <a:t>Validation Systems</a:t>
+            </a:r>
+          </a:p>
+          <a:p>
+            <a:r>
+              <a:rPr lang="en-AU" b="0" dirty="0"/>
+              <a:t>Authentication Processes</a:t>
+            </a:r>
+          </a:p>
+          <a:p>
+            <a:r>
+              <a:rPr lang="en-AU" b="0" dirty="0"/>
+              <a:t>Flight Booking – Traveling Salesman Problem</a:t>
+            </a:r>
+          </a:p>
+          <a:p>
+            <a:r>
+              <a:rPr lang="en-AU" b="0" dirty="0"/>
+              <a:t>Expert Systems</a:t>
+            </a:r>
+          </a:p>
+          <a:p>
+            <a:endParaRPr lang="en-AU" b="0" dirty="0"/>
+          </a:p>
+          <a:p>
+            <a:r>
+              <a:rPr lang="en-AU" b="0" dirty="0"/>
+              <a:t>Look for these kind of complex problems within the applications you are writing. They should have some complex business logic in them, they should be easy to isolate so you can define the boundaries of your tests. They can be dependant on other libraries or integrations, but you should be able to mock or stub them out.</a:t>
+            </a:r>
+          </a:p>
+          <a:p>
+            <a:endParaRPr lang="en-AU" b="0" dirty="0"/>
+          </a:p>
+          <a:p>
+            <a:endParaRPr lang="en-AU" b="0" dirty="0"/>
+          </a:p>
+          <a:p>
+            <a:endParaRPr lang="en-AU" b="0" dirty="0"/>
+          </a:p>
+          <a:p>
+            <a:endParaRPr lang="en-AU" b="0" dirty="0"/>
+          </a:p>
+        </p:txBody>
+      </p:sp>
+      <p:sp>
+        <p:nvSpPr>
+          <p:cNvPr id="4" name="Slide Number Placeholder 3"/>
+          <p:cNvSpPr>
+            <a:spLocks noGrp="1"/>
+          </p:cNvSpPr>
+          <p:nvPr>
+            <p:ph type="sldNum" sz="quarter" idx="10"/>
+          </p:nvPr>
+        </p:nvSpPr>
+        <p:spPr/>
+        <p:txBody>
+          <a:bodyPr/>
+          <a:lstStyle/>
+          <a:p>
+            <a:fld id="{406952BA-80B8-4541-A308-4338B0EBE1A6}" type="slidenum">
+              <a:rPr lang="en-AU" smtClean="0"/>
+              <a:t>35</a:t>
+            </a:fld>
+            <a:endParaRPr lang="en-AU"/>
+          </a:p>
+        </p:txBody>
+      </p:sp>
+    </p:spTree>
+    <p:extLst>
+      <p:ext uri="{BB962C8B-B14F-4D97-AF65-F5344CB8AC3E}">
+        <p14:creationId xmlns:p14="http://schemas.microsoft.com/office/powerpoint/2010/main" val="1000839509"/>
+      </p:ext>
+    </p:extLst>
+  </p:cSld>
+  <p:clrMapOvr>
+    <a:masterClrMapping/>
+  </p:clrMapOvr>
+</p:notes>
+</file>
+
+<file path=ppt/notesSlides/notesSlide36.xml><?xml version="1.0" encoding="utf-8"?>
+<p:notes xmlns:a="http://schemas.openxmlformats.org/drawingml/2006/main" xmlns:r="http://schemas.openxmlformats.org/officeDocument/2006/relationships" xmlns:p="http://schemas.openxmlformats.org/presentationml/2006/main">
+  <p:cSld>
+    <p:spTree>
+      <p:nvGrpSpPr>
+        <p:cNvPr id="1" name=""/>
+        <p:cNvGrpSpPr/>
+        <p:nvPr/>
+      </p:nvGrpSpPr>
+      <p:grpSpPr>
+        <a:xfrm>
+          <a:off x="0" y="0"/>
+          <a:ext cx="0" cy="0"/>
+          <a:chOff x="0" y="0"/>
+          <a:chExt cx="0" cy="0"/>
+        </a:xfrm>
+      </p:grpSpPr>
+      <p:sp>
+        <p:nvSpPr>
+          <p:cNvPr id="2" name="Slide Image Placeholder 1"/>
+          <p:cNvSpPr>
+            <a:spLocks noGrp="1" noRot="1" noChangeAspect="1"/>
+          </p:cNvSpPr>
+          <p:nvPr>
+            <p:ph type="sldImg"/>
+          </p:nvPr>
+        </p:nvSpPr>
+        <p:spPr/>
+      </p:sp>
+      <p:sp>
+        <p:nvSpPr>
+          <p:cNvPr id="3" name="Notes Placeholder 2"/>
+          <p:cNvSpPr>
+            <a:spLocks noGrp="1"/>
+          </p:cNvSpPr>
+          <p:nvPr>
+            <p:ph type="body" idx="1"/>
+          </p:nvPr>
+        </p:nvSpPr>
+        <p:spPr/>
+        <p:txBody>
+          <a:bodyPr/>
+          <a:lstStyle/>
+          <a:p>
+            <a:pPr marL="0" marR="0" lvl="0" indent="0" algn="l" defTabSz="914400" rtl="0" eaLnBrk="1" fontAlgn="auto" latinLnBrk="0" hangingPunct="1">
+              <a:lnSpc>
+                <a:spcPct val="100000"/>
+              </a:lnSpc>
+              <a:spcBef>
+                <a:spcPts val="0"/>
+              </a:spcBef>
+              <a:spcAft>
+                <a:spcPts val="0"/>
+              </a:spcAft>
+              <a:buClrTx/>
+              <a:buSzTx/>
+              <a:buFontTx/>
+              <a:buNone/>
+              <a:tabLst/>
+              <a:defRPr/>
+            </a:pPr>
+            <a:r>
+              <a:rPr lang="en-AU" b="1" dirty="0"/>
+              <a:t>Verbatim</a:t>
+            </a:r>
+          </a:p>
+          <a:p>
+            <a:pPr marL="0" marR="0" lvl="0" indent="0" algn="l" defTabSz="914400" rtl="0" eaLnBrk="1" fontAlgn="auto" latinLnBrk="0" hangingPunct="1">
+              <a:lnSpc>
+                <a:spcPct val="100000"/>
+              </a:lnSpc>
+              <a:spcBef>
+                <a:spcPts val="0"/>
+              </a:spcBef>
+              <a:spcAft>
+                <a:spcPts val="0"/>
+              </a:spcAft>
+              <a:buClrTx/>
+              <a:buSzTx/>
+              <a:buFontTx/>
+              <a:buNone/>
+              <a:tabLst/>
+              <a:defRPr/>
+            </a:pPr>
+            <a:r>
+              <a:rPr lang="en-AU" b="1" dirty="0"/>
+              <a:t>Low hanging fruit</a:t>
+            </a:r>
+          </a:p>
+          <a:p>
+            <a:pPr marL="0" marR="0" lvl="0" indent="0" algn="l" defTabSz="914400" rtl="0" eaLnBrk="1" fontAlgn="auto" latinLnBrk="0" hangingPunct="1">
+              <a:lnSpc>
+                <a:spcPct val="100000"/>
+              </a:lnSpc>
+              <a:spcBef>
+                <a:spcPts val="0"/>
+              </a:spcBef>
+              <a:spcAft>
+                <a:spcPts val="0"/>
+              </a:spcAft>
+              <a:buClrTx/>
+              <a:buSzTx/>
+              <a:buFontTx/>
+              <a:buNone/>
+              <a:tabLst/>
+              <a:defRPr/>
+            </a:pPr>
+            <a:r>
+              <a:rPr lang="en-AU" b="1" dirty="0"/>
+              <a:t>Emergent Design = You need to do it, cant learn it from watching slides.</a:t>
+            </a:r>
+          </a:p>
+          <a:p>
+            <a:pPr marL="0" marR="0" lvl="0" indent="0" algn="l" defTabSz="914400" rtl="0" eaLnBrk="1" fontAlgn="auto" latinLnBrk="0" hangingPunct="1">
+              <a:lnSpc>
+                <a:spcPct val="100000"/>
+              </a:lnSpc>
+              <a:spcBef>
+                <a:spcPts val="0"/>
+              </a:spcBef>
+              <a:spcAft>
+                <a:spcPts val="0"/>
+              </a:spcAft>
+              <a:buClrTx/>
+              <a:buSzTx/>
+              <a:buFontTx/>
+              <a:buNone/>
+              <a:tabLst/>
+              <a:defRPr/>
+            </a:pPr>
+            <a:endParaRPr lang="en-AU" b="0" dirty="0"/>
+          </a:p>
+          <a:p>
+            <a:pPr marL="0" marR="0" lvl="0" indent="0" algn="l" defTabSz="914400" rtl="0" eaLnBrk="1" fontAlgn="auto" latinLnBrk="0" hangingPunct="1">
+              <a:lnSpc>
+                <a:spcPct val="100000"/>
+              </a:lnSpc>
+              <a:spcBef>
+                <a:spcPts val="0"/>
+              </a:spcBef>
+              <a:spcAft>
+                <a:spcPts val="0"/>
+              </a:spcAft>
+              <a:buClrTx/>
+              <a:buSzTx/>
+              <a:buFontTx/>
+              <a:buNone/>
+              <a:tabLst/>
+              <a:defRPr/>
+            </a:pPr>
+            <a:r>
+              <a:rPr lang="en-AU" b="0" dirty="0"/>
+              <a:t>This is what we have covered and I would hope by the end of this you can start to see the approach that I take to test driven development. I don’t use it as a golden hammer, I pick the low hanging fruit and leverage it to solve complex business problems. I think this is where test driven really shines and should be added to every developers toolbox.</a:t>
+            </a:r>
+          </a:p>
+          <a:p>
+            <a:pPr marL="0" marR="0" lvl="0" indent="0" algn="l" defTabSz="914400" rtl="0" eaLnBrk="1" fontAlgn="auto" latinLnBrk="0" hangingPunct="1">
+              <a:lnSpc>
+                <a:spcPct val="100000"/>
+              </a:lnSpc>
+              <a:spcBef>
+                <a:spcPts val="0"/>
+              </a:spcBef>
+              <a:spcAft>
+                <a:spcPts val="0"/>
+              </a:spcAft>
+              <a:buClrTx/>
+              <a:buSzTx/>
+              <a:buFontTx/>
+              <a:buNone/>
+              <a:tabLst/>
+              <a:defRPr/>
+            </a:pPr>
+            <a:endParaRPr lang="en-AU" b="0" dirty="0"/>
+          </a:p>
+          <a:p>
+            <a:pPr marL="0" marR="0" lvl="0" indent="0" algn="l" defTabSz="914400" rtl="0" eaLnBrk="1" fontAlgn="auto" latinLnBrk="0" hangingPunct="1">
+              <a:lnSpc>
+                <a:spcPct val="100000"/>
+              </a:lnSpc>
+              <a:spcBef>
+                <a:spcPts val="0"/>
+              </a:spcBef>
+              <a:spcAft>
+                <a:spcPts val="0"/>
+              </a:spcAft>
+              <a:buClrTx/>
+              <a:buSzTx/>
+              <a:buFontTx/>
+              <a:buNone/>
+              <a:tabLst/>
+              <a:defRPr/>
+            </a:pPr>
+            <a:r>
+              <a:rPr lang="en-AU" b="0" dirty="0"/>
+              <a:t>Emergent design is a big one, and something that has to be done, it can’t really be shown effectively. You need to get in there and start writing code.</a:t>
+            </a:r>
+          </a:p>
+        </p:txBody>
+      </p:sp>
+      <p:sp>
+        <p:nvSpPr>
+          <p:cNvPr id="4" name="Slide Number Placeholder 3"/>
+          <p:cNvSpPr>
+            <a:spLocks noGrp="1"/>
+          </p:cNvSpPr>
+          <p:nvPr>
+            <p:ph type="sldNum" sz="quarter" idx="10"/>
+          </p:nvPr>
+        </p:nvSpPr>
+        <p:spPr/>
+        <p:txBody>
+          <a:bodyPr/>
+          <a:lstStyle/>
+          <a:p>
+            <a:fld id="{406952BA-80B8-4541-A308-4338B0EBE1A6}" type="slidenum">
+              <a:rPr lang="en-AU" smtClean="0"/>
+              <a:t>36</a:t>
+            </a:fld>
+            <a:endParaRPr lang="en-AU"/>
+          </a:p>
+        </p:txBody>
+      </p:sp>
+    </p:spTree>
+    <p:extLst>
+      <p:ext uri="{BB962C8B-B14F-4D97-AF65-F5344CB8AC3E}">
+        <p14:creationId xmlns:p14="http://schemas.microsoft.com/office/powerpoint/2010/main" val="1612311656"/>
+      </p:ext>
+    </p:extLst>
+  </p:cSld>
+  <p:clrMapOvr>
+    <a:masterClrMapping/>
+  </p:clrMapOvr>
+</p:notes>
+</file>
+
+<file path=ppt/notesSlides/notesSlide37.xml><?xml version="1.0" encoding="utf-8"?>
+<p:notes xmlns:a="http://schemas.openxmlformats.org/drawingml/2006/main" xmlns:r="http://schemas.openxmlformats.org/officeDocument/2006/relationships" xmlns:p="http://schemas.openxmlformats.org/presentationml/2006/main">
+  <p:cSld>
+    <p:spTree>
+      <p:nvGrpSpPr>
+        <p:cNvPr id="1" name=""/>
+        <p:cNvGrpSpPr/>
+        <p:nvPr/>
+      </p:nvGrpSpPr>
+      <p:grpSpPr>
+        <a:xfrm>
+          <a:off x="0" y="0"/>
+          <a:ext cx="0" cy="0"/>
+          <a:chOff x="0" y="0"/>
+          <a:chExt cx="0" cy="0"/>
+        </a:xfrm>
+      </p:grpSpPr>
+      <p:sp>
+        <p:nvSpPr>
+          <p:cNvPr id="2" name="Slide Image Placeholder 1"/>
+          <p:cNvSpPr>
+            <a:spLocks noGrp="1" noRot="1" noChangeAspect="1"/>
+          </p:cNvSpPr>
+          <p:nvPr>
+            <p:ph type="sldImg"/>
+          </p:nvPr>
+        </p:nvSpPr>
+        <p:spPr/>
+      </p:sp>
+      <p:sp>
+        <p:nvSpPr>
+          <p:cNvPr id="3" name="Notes Placeholder 2"/>
+          <p:cNvSpPr>
+            <a:spLocks noGrp="1"/>
+          </p:cNvSpPr>
+          <p:nvPr>
+            <p:ph type="body" idx="1"/>
+          </p:nvPr>
+        </p:nvSpPr>
+        <p:spPr/>
+        <p:txBody>
+          <a:bodyPr/>
+          <a:lstStyle/>
+          <a:p>
+            <a:r>
+              <a:rPr lang="en-AU" b="1" dirty="0"/>
+              <a:t>Love TDD</a:t>
+            </a:r>
+          </a:p>
+          <a:p>
+            <a:r>
+              <a:rPr lang="en-AU" b="1" dirty="0"/>
+              <a:t>Examples. Struggled, Start With Kent.</a:t>
+            </a:r>
+          </a:p>
+          <a:p>
+            <a:r>
+              <a:rPr lang="en-AU" b="1" dirty="0"/>
+              <a:t>Verbatim</a:t>
+            </a:r>
+          </a:p>
+          <a:p>
+            <a:r>
+              <a:rPr lang="en-AU" b="1" dirty="0"/>
+              <a:t>Thank You</a:t>
+            </a:r>
+          </a:p>
+          <a:p>
+            <a:endParaRPr lang="en-AU" b="1" dirty="0"/>
+          </a:p>
+          <a:p>
+            <a:r>
+              <a:rPr lang="en-AU" b="1" dirty="0"/>
+              <a:t>QUESTIONS…</a:t>
+            </a:r>
+          </a:p>
+          <a:p>
+            <a:endParaRPr lang="en-AU" dirty="0"/>
+          </a:p>
+          <a:p>
+            <a:r>
+              <a:rPr lang="en-AU" dirty="0"/>
+              <a:t>I love TDD and I hope that I showed that in this presentation. </a:t>
+            </a:r>
+          </a:p>
+          <a:p>
+            <a:endParaRPr lang="en-AU" dirty="0"/>
+          </a:p>
+          <a:p>
+            <a:r>
+              <a:rPr lang="en-AU" dirty="0"/>
+              <a:t>Reading material. I would suggest starting with Kent Becks TDD by example. It’s a bit hard reading but there are some gems in there. I struggled to find material apart from that to be honest.</a:t>
+            </a:r>
+          </a:p>
+          <a:p>
+            <a:endParaRPr lang="en-AU" dirty="0"/>
+          </a:p>
+          <a:p>
+            <a:r>
+              <a:rPr lang="en-AU" dirty="0"/>
+              <a:t>Wow, you read this far? </a:t>
+            </a:r>
+          </a:p>
+          <a:p>
+            <a:r>
+              <a:rPr lang="en-AU" dirty="0"/>
+              <a:t>https://www.youtube.com/watch?v=T1XgFsitnQw</a:t>
+            </a:r>
+          </a:p>
+          <a:p>
+            <a:endParaRPr lang="en-AU" dirty="0"/>
+          </a:p>
+          <a:p>
+            <a:endParaRPr lang="en-AU" dirty="0"/>
+          </a:p>
+          <a:p>
+            <a:endParaRPr lang="en-AU" dirty="0"/>
+          </a:p>
+          <a:p>
+            <a:endParaRPr lang="en-AU" dirty="0"/>
+          </a:p>
+        </p:txBody>
+      </p:sp>
+      <p:sp>
+        <p:nvSpPr>
+          <p:cNvPr id="4" name="Slide Number Placeholder 3"/>
+          <p:cNvSpPr>
+            <a:spLocks noGrp="1"/>
+          </p:cNvSpPr>
+          <p:nvPr>
+            <p:ph type="sldNum" sz="quarter" idx="10"/>
+          </p:nvPr>
+        </p:nvSpPr>
+        <p:spPr/>
+        <p:txBody>
+          <a:bodyPr/>
+          <a:lstStyle/>
+          <a:p>
+            <a:fld id="{406952BA-80B8-4541-A308-4338B0EBE1A6}" type="slidenum">
+              <a:rPr lang="en-AU" smtClean="0"/>
+              <a:t>37</a:t>
+            </a:fld>
+            <a:endParaRPr lang="en-AU"/>
+          </a:p>
+        </p:txBody>
+      </p:sp>
+    </p:spTree>
+    <p:extLst>
+      <p:ext uri="{BB962C8B-B14F-4D97-AF65-F5344CB8AC3E}">
+        <p14:creationId xmlns:p14="http://schemas.microsoft.com/office/powerpoint/2010/main" val="4107792998"/>
       </p:ext>
     </p:extLst>
   </p:cSld>
@@ -4225,7 +5437,7 @@
           <a:p>
             <a:r>
               <a:rPr lang="en-US" b="1" dirty="0"/>
-              <a:t>Backlash</a:t>
+              <a:t>Backlash (TDD Easy to understand and hard to master)</a:t>
             </a:r>
           </a:p>
           <a:p>
@@ -4240,7 +5452,16 @@
           <a:p>
             <a:r>
               <a:rPr lang="en-AU" dirty="0"/>
-              <a:t>It became very popular in the early 2000s, then had a bit of a backlash which it still suffers from today because TDD is easy to understand but hard to master.</a:t>
+              <a:t>It became very popular in the early 2000s, </a:t>
+            </a:r>
+          </a:p>
+          <a:p>
+            <a:endParaRPr lang="en-AU" dirty="0"/>
+          </a:p>
+          <a:p>
+            <a:r>
+              <a:rPr lang="en-AU" dirty="0"/>
+              <a:t>then had a bit of a backlash which it still suffers from today because TDD is easy to understand but hard to master.</a:t>
             </a:r>
           </a:p>
         </p:txBody>
@@ -4327,26 +5548,73 @@
           <a:p>
             <a:r>
               <a:rPr lang="en-AU" b="1" dirty="0"/>
-              <a:t>IMHO TDD Not Golden Hammer | Low Hanging Fruit | 2 Times</a:t>
-            </a:r>
-          </a:p>
-          <a:p>
+              <a:t>PLOT TWIST: IMHO TDD Not Golden Hammer | Low Hanging Fruit | Some good examples</a:t>
+            </a:r>
+          </a:p>
+          <a:p>
+            <a:endParaRPr lang="en-AU" b="1" dirty="0"/>
+          </a:p>
+          <a:p>
+            <a:pPr marL="171450" indent="-171450">
+              <a:buFont typeface="Arial" panose="020B0604020202020204" pitchFamily="34" charset="0"/>
+              <a:buChar char="•"/>
+            </a:pPr>
             <a:r>
               <a:rPr lang="en-AU" b="1" dirty="0"/>
               <a:t>POS System – Adult | 4 Programmers | 1 Full Time | 26000 Combinations | Rewrite | 1000 exhaustive tests | Messy Code | Shipped It | 1 Year</a:t>
             </a:r>
           </a:p>
           <a:p>
+            <a:pPr marL="171450" indent="-171450">
+              <a:buFont typeface="Arial" panose="020B0604020202020204" pitchFamily="34" charset="0"/>
+              <a:buChar char="•"/>
+            </a:pPr>
             <a:r>
               <a:rPr lang="en-AU" b="1" dirty="0"/>
-              <a:t>Mc Donald’s Payroll – Retail Award, McDonalds Award | 100 page Document | 13 Rules | TDD Engine | Boss 5-10 years? | 6 months</a:t>
-            </a:r>
-          </a:p>
-          <a:p>
+              <a:t>Mc Donald’s Payroll – Retail Award, McDonalds Award | 100 page Document | 13 Rules | 86 Tests | TDD Engine | Boss 5-10 years? | 6 months</a:t>
+            </a:r>
+          </a:p>
+          <a:p>
+            <a:pPr marL="171450" indent="-171450">
+              <a:buFont typeface="Arial" panose="020B0604020202020204" pitchFamily="34" charset="0"/>
+              <a:buChar char="•"/>
+            </a:pPr>
             <a:r>
               <a:rPr lang="en-AU" b="1" dirty="0"/>
-              <a:t>Pattern | TDD Shines | Complex Problems | </a:t>
-            </a:r>
+              <a:t>Html Templating Engine | IF | LOOPS</a:t>
+            </a:r>
+          </a:p>
+          <a:p>
+            <a:pPr marL="171450" indent="-171450">
+              <a:buFont typeface="Arial" panose="020B0604020202020204" pitchFamily="34" charset="0"/>
+              <a:buChar char="•"/>
+            </a:pPr>
+            <a:r>
+              <a:rPr lang="en-AU" b="1" dirty="0"/>
+              <a:t>Workflow Engine</a:t>
+            </a:r>
+          </a:p>
+          <a:p>
+            <a:pPr marL="171450" indent="-171450">
+              <a:buFont typeface="Arial" panose="020B0604020202020204" pitchFamily="34" charset="0"/>
+              <a:buChar char="•"/>
+            </a:pPr>
+            <a:r>
+              <a:rPr lang="en-AU" b="1" dirty="0"/>
+              <a:t>Writing Authentication System</a:t>
+            </a:r>
+          </a:p>
+          <a:p>
+            <a:endParaRPr lang="en-AU" b="1" dirty="0"/>
+          </a:p>
+          <a:p>
+            <a:r>
+              <a:rPr lang="en-AU" b="1" dirty="0"/>
+              <a:t>Pattern | TDD Shines | Complex Problems | Easily Isolated</a:t>
+            </a:r>
+          </a:p>
+          <a:p>
+            <a:endParaRPr lang="en-AU" b="1" dirty="0"/>
           </a:p>
           <a:p>
             <a:r>
@@ -4506,6 +5774,9 @@
               <a:rPr lang="en-AU" dirty="0"/>
               <a:t>These kind of complex problems is where test driven can really shine.</a:t>
             </a:r>
+          </a:p>
+          <a:p>
+            <a:endParaRPr lang="en-AU" dirty="0"/>
           </a:p>
         </p:txBody>
       </p:sp>
@@ -4724,35 +5995,6 @@
           <a:p>
             <a:r>
               <a:rPr lang="en-AU" dirty="0"/>
-              <a:t>This is overly simplified as I know I will need an order with order lines, but we are going with an emergent design.</a:t>
-            </a:r>
-          </a:p>
-          <a:p>
-            <a:pPr marL="0" marR="0" lvl="0" indent="0" algn="l" defTabSz="914400" rtl="0" eaLnBrk="1" fontAlgn="auto" latinLnBrk="0" hangingPunct="1">
-              <a:lnSpc>
-                <a:spcPct val="100000"/>
-              </a:lnSpc>
-              <a:spcBef>
-                <a:spcPts val="0"/>
-              </a:spcBef>
-              <a:spcAft>
-                <a:spcPts val="0"/>
-              </a:spcAft>
-              <a:buClrTx/>
-              <a:buSzTx/>
-              <a:buFontTx/>
-              <a:buNone/>
-              <a:tabLst/>
-              <a:defRPr/>
-            </a:pPr>
-            <a:r>
-              <a:rPr lang="en-AU" dirty="0"/>
-              <a:t>[Talk about emergent design later?]</a:t>
-            </a:r>
-          </a:p>
-          <a:p>
-            <a:r>
-              <a:rPr lang="en-AU" dirty="0"/>
               <a:t>Act: One line of code, make it obvious to the reader what you are testing.</a:t>
             </a:r>
           </a:p>
@@ -4873,6 +6115,9 @@
               <a:rPr lang="en-AU" dirty="0"/>
               <a:t>If the test doesn’t fail, what are you testing? Do it this way to start… </a:t>
             </a:r>
+          </a:p>
+          <a:p>
+            <a:endParaRPr lang="en-AU" dirty="0"/>
           </a:p>
           <a:p>
             <a:r>
@@ -5198,7 +6443,7 @@
           <a:p>
             <a:fld id="{7353DB3B-488C-4107-AF55-F3558AC15F8F}" type="datetimeFigureOut">
               <a:rPr lang="en-AU" smtClean="0"/>
-              <a:t>11/03/2021</a:t>
+              <a:t>13/05/2022</a:t>
             </a:fld>
             <a:endParaRPr lang="en-AU"/>
           </a:p>
@@ -5398,7 +6643,7 @@
           <a:p>
             <a:fld id="{7353DB3B-488C-4107-AF55-F3558AC15F8F}" type="datetimeFigureOut">
               <a:rPr lang="en-AU" smtClean="0"/>
-              <a:t>11/03/2021</a:t>
+              <a:t>13/05/2022</a:t>
             </a:fld>
             <a:endParaRPr lang="en-AU"/>
           </a:p>
@@ -5608,7 +6853,7 @@
           <a:p>
             <a:fld id="{7353DB3B-488C-4107-AF55-F3558AC15F8F}" type="datetimeFigureOut">
               <a:rPr lang="en-AU" smtClean="0"/>
-              <a:t>11/03/2021</a:t>
+              <a:t>13/05/2022</a:t>
             </a:fld>
             <a:endParaRPr lang="en-AU"/>
           </a:p>
@@ -5808,7 +7053,7 @@
           <a:p>
             <a:fld id="{7353DB3B-488C-4107-AF55-F3558AC15F8F}" type="datetimeFigureOut">
               <a:rPr lang="en-AU" smtClean="0"/>
-              <a:t>11/03/2021</a:t>
+              <a:t>13/05/2022</a:t>
             </a:fld>
             <a:endParaRPr lang="en-AU"/>
           </a:p>
@@ -6084,7 +7329,7 @@
           <a:p>
             <a:fld id="{7353DB3B-488C-4107-AF55-F3558AC15F8F}" type="datetimeFigureOut">
               <a:rPr lang="en-AU" smtClean="0"/>
-              <a:t>11/03/2021</a:t>
+              <a:t>13/05/2022</a:t>
             </a:fld>
             <a:endParaRPr lang="en-AU"/>
           </a:p>
@@ -6352,7 +7597,7 @@
           <a:p>
             <a:fld id="{7353DB3B-488C-4107-AF55-F3558AC15F8F}" type="datetimeFigureOut">
               <a:rPr lang="en-AU" smtClean="0"/>
-              <a:t>11/03/2021</a:t>
+              <a:t>13/05/2022</a:t>
             </a:fld>
             <a:endParaRPr lang="en-AU"/>
           </a:p>
@@ -6767,7 +8012,7 @@
           <a:p>
             <a:fld id="{7353DB3B-488C-4107-AF55-F3558AC15F8F}" type="datetimeFigureOut">
               <a:rPr lang="en-AU" smtClean="0"/>
-              <a:t>11/03/2021</a:t>
+              <a:t>13/05/2022</a:t>
             </a:fld>
             <a:endParaRPr lang="en-AU"/>
           </a:p>
@@ -6909,7 +8154,7 @@
           <a:p>
             <a:fld id="{7353DB3B-488C-4107-AF55-F3558AC15F8F}" type="datetimeFigureOut">
               <a:rPr lang="en-AU" smtClean="0"/>
-              <a:t>11/03/2021</a:t>
+              <a:t>13/05/2022</a:t>
             </a:fld>
             <a:endParaRPr lang="en-AU"/>
           </a:p>
@@ -7022,7 +8267,7 @@
           <a:p>
             <a:fld id="{7353DB3B-488C-4107-AF55-F3558AC15F8F}" type="datetimeFigureOut">
               <a:rPr lang="en-AU" smtClean="0"/>
-              <a:t>11/03/2021</a:t>
+              <a:t>13/05/2022</a:t>
             </a:fld>
             <a:endParaRPr lang="en-AU"/>
           </a:p>
@@ -7335,7 +8580,7 @@
           <a:p>
             <a:fld id="{7353DB3B-488C-4107-AF55-F3558AC15F8F}" type="datetimeFigureOut">
               <a:rPr lang="en-AU" smtClean="0"/>
-              <a:t>11/03/2021</a:t>
+              <a:t>13/05/2022</a:t>
             </a:fld>
             <a:endParaRPr lang="en-AU"/>
           </a:p>
@@ -7624,7 +8869,7 @@
           <a:p>
             <a:fld id="{7353DB3B-488C-4107-AF55-F3558AC15F8F}" type="datetimeFigureOut">
               <a:rPr lang="en-AU" smtClean="0"/>
-              <a:t>11/03/2021</a:t>
+              <a:t>13/05/2022</a:t>
             </a:fld>
             <a:endParaRPr lang="en-AU"/>
           </a:p>
@@ -7867,7 +9112,7 @@
           <a:p>
             <a:fld id="{7353DB3B-488C-4107-AF55-F3558AC15F8F}" type="datetimeFigureOut">
               <a:rPr lang="en-AU" smtClean="0"/>
-              <a:t>11/03/2021</a:t>
+              <a:t>13/05/2022</a:t>
             </a:fld>
             <a:endParaRPr lang="en-AU"/>
           </a:p>
@@ -8314,7 +9559,7 @@
             </a:br>
             <a:r>
               <a:rPr lang="en-AU" sz="2800" dirty="0"/>
-              <a:t>Agile Developer / Team Lead</a:t>
+              <a:t>Programmer</a:t>
             </a:r>
           </a:p>
         </p:txBody>
@@ -8966,7 +10211,7 @@
                   <a:srgbClr val="FF0000"/>
                 </a:solidFill>
               </a:rPr>
-              <a:t>You are telling a story to an 8 year old.</a:t>
+              <a:t>You are telling a story to an 8-year-old.</a:t>
             </a:r>
           </a:p>
           <a:p>
@@ -9069,24 +10314,26 @@
           <a:p>
             <a:r>
               <a:rPr lang="en-AU" dirty="0"/>
-              <a:t>At this point I will switch to visual studio IDE…</a:t>
+              <a:t>TDD Examples…</a:t>
             </a:r>
           </a:p>
         </p:txBody>
       </p:sp>
       <p:pic>
         <p:nvPicPr>
-          <p:cNvPr id="5" name="Picture 4">
-            <a:extLst>
-              <a:ext uri="{FF2B5EF4-FFF2-40B4-BE49-F238E27FC236}">
-                <a16:creationId xmlns:a16="http://schemas.microsoft.com/office/drawing/2014/main" id="{033E0DAC-8E29-4C85-AFFA-73062CB5F2D0}"/>
+          <p:cNvPr id="12" name="Content Placeholder 11" descr="A picture containing text, screenshot, indoor, computer&#10;&#10;Description automatically generated">
+            <a:extLst>
+              <a:ext uri="{FF2B5EF4-FFF2-40B4-BE49-F238E27FC236}">
+                <a16:creationId xmlns:a16="http://schemas.microsoft.com/office/drawing/2014/main" id="{020B1EE3-75E7-4699-95F4-0CAE429C58C9}"/>
               </a:ext>
             </a:extLst>
           </p:cNvPr>
           <p:cNvPicPr>
-            <a:picLocks noChangeAspect="1"/>
+            <a:picLocks noGrp="1" noChangeAspect="1"/>
           </p:cNvPicPr>
-          <p:nvPr/>
+          <p:nvPr>
+            <p:ph idx="1"/>
+          </p:nvPr>
         </p:nvPicPr>
         <p:blipFill>
           <a:blip r:embed="rId3">
@@ -9102,88 +10349,11 @@
         </p:blipFill>
         <p:spPr>
           <a:xfrm>
-            <a:off x="6096000" y="1825625"/>
-            <a:ext cx="5286365" cy="3933976"/>
+            <a:off x="2341684" y="1474705"/>
+            <a:ext cx="7508631" cy="5018170"/>
           </a:xfrm>
-          <a:prstGeom prst="rect">
-            <a:avLst/>
-          </a:prstGeom>
         </p:spPr>
       </p:pic>
-      <p:sp>
-        <p:nvSpPr>
-          <p:cNvPr id="6" name="Content Placeholder 2">
-            <a:extLst>
-              <a:ext uri="{FF2B5EF4-FFF2-40B4-BE49-F238E27FC236}">
-                <a16:creationId xmlns:a16="http://schemas.microsoft.com/office/drawing/2014/main" id="{1A5F9E77-D728-4F1A-97C3-9A9CCA754D07}"/>
-              </a:ext>
-            </a:extLst>
-          </p:cNvPr>
-          <p:cNvSpPr>
-            <a:spLocks noGrp="1"/>
-          </p:cNvSpPr>
-          <p:nvPr>
-            <p:ph idx="1"/>
-          </p:nvPr>
-        </p:nvSpPr>
-        <p:spPr>
-          <a:xfrm>
-            <a:off x="838200" y="1825625"/>
-            <a:ext cx="5257800" cy="4351338"/>
-          </a:xfrm>
-        </p:spPr>
-        <p:txBody>
-          <a:bodyPr>
-            <a:normAutofit/>
-          </a:bodyPr>
-          <a:lstStyle/>
-          <a:p>
-            <a:r>
-              <a:rPr lang="en-US" dirty="0"/>
-              <a:t>Setup Project</a:t>
-            </a:r>
-          </a:p>
-          <a:p>
-            <a:r>
-              <a:rPr lang="en-US" dirty="0"/>
-              <a:t>Show namespace tricks</a:t>
-            </a:r>
-          </a:p>
-          <a:p>
-            <a:r>
-              <a:rPr lang="en-US" dirty="0"/>
-              <a:t>Write some tests</a:t>
-            </a:r>
-          </a:p>
-          <a:p>
-            <a:pPr lvl="1"/>
-            <a:r>
-              <a:rPr lang="en-US" dirty="0"/>
-              <a:t>RoundDownTo5c</a:t>
-            </a:r>
-          </a:p>
-          <a:p>
-            <a:pPr lvl="1"/>
-            <a:r>
-              <a:rPr lang="en-US" dirty="0"/>
-              <a:t>SalePrice – add product</a:t>
-            </a:r>
-          </a:p>
-          <a:p>
-            <a:pPr lvl="1"/>
-            <a:r>
-              <a:rPr lang="en-US" dirty="0"/>
-              <a:t>QuantityBreak – add quantity</a:t>
-            </a:r>
-          </a:p>
-          <a:p>
-            <a:r>
-              <a:rPr lang="en-US" dirty="0"/>
-              <a:t>Show emergent design / show refactoring</a:t>
-            </a:r>
-          </a:p>
-        </p:txBody>
-      </p:sp>
     </p:spTree>
     <p:extLst>
       <p:ext uri="{BB962C8B-B14F-4D97-AF65-F5344CB8AC3E}">
@@ -9219,7 +10389,7 @@
           <p:cNvPr id="2" name="Title 1">
             <a:extLst>
               <a:ext uri="{FF2B5EF4-FFF2-40B4-BE49-F238E27FC236}">
-                <a16:creationId xmlns:a16="http://schemas.microsoft.com/office/drawing/2014/main" id="{58F942D7-714F-40C4-A7E8-59587B5999E7}"/>
+                <a16:creationId xmlns:a16="http://schemas.microsoft.com/office/drawing/2014/main" id="{D4FC86B5-042A-4FBC-8145-11F19DAC87CA}"/>
               </a:ext>
             </a:extLst>
           </p:cNvPr>
@@ -9237,69 +10407,17 @@
           <a:p>
             <a:r>
               <a:rPr lang="en-AU" dirty="0"/>
-              <a:t>Emergent Design</a:t>
-            </a:r>
-          </a:p>
-        </p:txBody>
-      </p:sp>
-      <p:sp>
-        <p:nvSpPr>
-          <p:cNvPr id="3" name="Content Placeholder 2">
-            <a:extLst>
-              <a:ext uri="{FF2B5EF4-FFF2-40B4-BE49-F238E27FC236}">
-                <a16:creationId xmlns:a16="http://schemas.microsoft.com/office/drawing/2014/main" id="{BD8435AC-4EF7-43AD-AC19-9DB1A76BF6B8}"/>
-              </a:ext>
-            </a:extLst>
-          </p:cNvPr>
-          <p:cNvSpPr>
-            <a:spLocks noGrp="1"/>
-          </p:cNvSpPr>
-          <p:nvPr>
-            <p:ph idx="1"/>
-          </p:nvPr>
-        </p:nvSpPr>
-        <p:spPr>
-          <a:xfrm>
-            <a:off x="838200" y="1825625"/>
-            <a:ext cx="5257800" cy="4351338"/>
-          </a:xfrm>
-        </p:spPr>
-        <p:txBody>
-          <a:bodyPr>
-            <a:normAutofit/>
-          </a:bodyPr>
-          <a:lstStyle/>
-          <a:p>
-            <a:pPr marL="0" indent="0">
-              <a:buNone/>
-            </a:pPr>
-            <a:r>
-              <a:rPr lang="en-AU" sz="2400" dirty="0"/>
-              <a:t>“</a:t>
-            </a:r>
-            <a:r>
-              <a:rPr lang="en-US" sz="2400" b="1" dirty="0"/>
-              <a:t>There’s an approach to software development whereby we evolve the low-level design of the code incrementally. As it takes shape, the code itself “tells” us how it should be designed, if we would but listen.” </a:t>
-            </a:r>
-          </a:p>
-          <a:p>
-            <a:pPr marL="0" indent="0">
-              <a:buNone/>
-            </a:pPr>
-            <a:r>
-              <a:rPr lang="en-US" sz="2400" dirty="0"/>
-              <a:t>– Some Guy on the Internet</a:t>
-            </a:r>
-            <a:endParaRPr lang="en-AU" sz="2400" dirty="0"/>
+              <a:t>TDD Example #1 – Rounding</a:t>
+            </a:r>
           </a:p>
         </p:txBody>
       </p:sp>
       <p:pic>
         <p:nvPicPr>
-          <p:cNvPr id="7" name="Picture 6">
-            <a:extLst>
-              <a:ext uri="{FF2B5EF4-FFF2-40B4-BE49-F238E27FC236}">
-                <a16:creationId xmlns:a16="http://schemas.microsoft.com/office/drawing/2014/main" id="{6EB4B167-CADF-4DDB-B332-15932DDFA046}"/>
+          <p:cNvPr id="6" name="Picture 5" descr="Graphical user interface, text, application&#10;&#10;Description automatically generated">
+            <a:extLst>
+              <a:ext uri="{FF2B5EF4-FFF2-40B4-BE49-F238E27FC236}">
+                <a16:creationId xmlns:a16="http://schemas.microsoft.com/office/drawing/2014/main" id="{7FBAF0E8-EFAC-4A3C-9A41-531720A508AC}"/>
               </a:ext>
             </a:extLst>
           </p:cNvPr>
@@ -9322,8 +10440,44 @@
         </p:blipFill>
         <p:spPr>
           <a:xfrm>
-            <a:off x="6859897" y="523022"/>
-            <a:ext cx="4493903" cy="5653941"/>
+            <a:off x="718833" y="1561734"/>
+            <a:ext cx="4353533" cy="3305636"/>
+          </a:xfrm>
+          <a:prstGeom prst="rect">
+            <a:avLst/>
+          </a:prstGeom>
+        </p:spPr>
+      </p:pic>
+      <p:pic>
+        <p:nvPicPr>
+          <p:cNvPr id="8" name="Picture 7" descr="Graphical user interface, text, application&#10;&#10;Description automatically generated">
+            <a:extLst>
+              <a:ext uri="{FF2B5EF4-FFF2-40B4-BE49-F238E27FC236}">
+                <a16:creationId xmlns:a16="http://schemas.microsoft.com/office/drawing/2014/main" id="{82064EDE-10C1-45D4-A340-62BF72FC3EE3}"/>
+              </a:ext>
+            </a:extLst>
+          </p:cNvPr>
+          <p:cNvPicPr>
+            <a:picLocks noChangeAspect="1"/>
+          </p:cNvPicPr>
+          <p:nvPr/>
+        </p:nvPicPr>
+        <p:blipFill>
+          <a:blip r:embed="rId4">
+            <a:extLst>
+              <a:ext uri="{28A0092B-C50C-407E-A947-70E740481C1C}">
+                <a14:useLocalDpi xmlns:a14="http://schemas.microsoft.com/office/drawing/2010/main" val="0"/>
+              </a:ext>
+            </a:extLst>
+          </a:blip>
+          <a:stretch>
+            <a:fillRect/>
+          </a:stretch>
+        </p:blipFill>
+        <p:spPr>
+          <a:xfrm>
+            <a:off x="5983234" y="1690688"/>
+            <a:ext cx="4258269" cy="1171739"/>
           </a:xfrm>
           <a:prstGeom prst="rect">
             <a:avLst/>
@@ -9333,7 +10487,7 @@
     </p:spTree>
     <p:extLst>
       <p:ext uri="{BB962C8B-B14F-4D97-AF65-F5344CB8AC3E}">
-        <p14:creationId xmlns:p14="http://schemas.microsoft.com/office/powerpoint/2010/main" val="1845190527"/>
+        <p14:creationId xmlns:p14="http://schemas.microsoft.com/office/powerpoint/2010/main" val="3850305209"/>
       </p:ext>
     </p:extLst>
   </p:cSld>
@@ -9365,7 +10519,7 @@
           <p:cNvPr id="2" name="Title 1">
             <a:extLst>
               <a:ext uri="{FF2B5EF4-FFF2-40B4-BE49-F238E27FC236}">
-                <a16:creationId xmlns:a16="http://schemas.microsoft.com/office/drawing/2014/main" id="{7F831CB8-689C-4722-9961-8817E3799DDD}"/>
+                <a16:creationId xmlns:a16="http://schemas.microsoft.com/office/drawing/2014/main" id="{D4FC86B5-042A-4FBC-8145-11F19DAC87CA}"/>
               </a:ext>
             </a:extLst>
           </p:cNvPr>
@@ -9383,69 +10537,87 @@
           <a:p>
             <a:r>
               <a:rPr lang="en-AU" dirty="0"/>
-              <a:t>Benefits</a:t>
-            </a:r>
-          </a:p>
-        </p:txBody>
-      </p:sp>
-      <p:sp>
-        <p:nvSpPr>
-          <p:cNvPr id="3" name="Content Placeholder 2">
-            <a:extLst>
-              <a:ext uri="{FF2B5EF4-FFF2-40B4-BE49-F238E27FC236}">
-                <a16:creationId xmlns:a16="http://schemas.microsoft.com/office/drawing/2014/main" id="{A4801DCF-7197-4D49-8CFD-025E9B336AE5}"/>
-              </a:ext>
-            </a:extLst>
-          </p:cNvPr>
-          <p:cNvSpPr>
-            <a:spLocks noGrp="1"/>
-          </p:cNvSpPr>
-          <p:nvPr>
-            <p:ph idx="1"/>
-          </p:nvPr>
-        </p:nvSpPr>
-        <p:spPr/>
-        <p:txBody>
-          <a:bodyPr/>
-          <a:lstStyle/>
-          <a:p>
-            <a:r>
-              <a:rPr lang="en-AU" dirty="0"/>
-              <a:t>Tests document your application</a:t>
-            </a:r>
-          </a:p>
-          <a:p>
-            <a:r>
-              <a:rPr lang="en-AU" dirty="0"/>
-              <a:t>Tests simplify your code / interfaces</a:t>
-            </a:r>
-          </a:p>
-          <a:p>
-            <a:pPr lvl="1"/>
-            <a:r>
-              <a:rPr lang="en-AU" dirty="0"/>
-              <a:t>Emergent Design</a:t>
-            </a:r>
-          </a:p>
-          <a:p>
-            <a:r>
-              <a:rPr lang="en-AU" dirty="0"/>
-              <a:t>You can refactor without worrying about breaking stuff</a:t>
-            </a:r>
-          </a:p>
-          <a:p>
-            <a:pPr lvl="1"/>
-            <a:r>
-              <a:rPr lang="en-AU" dirty="0"/>
-              <a:t>This is a game changer</a:t>
-            </a:r>
-          </a:p>
-        </p:txBody>
-      </p:sp>
+              <a:t>TDD Example #1 – Rounding</a:t>
+            </a:r>
+          </a:p>
+        </p:txBody>
+      </p:sp>
+      <p:pic>
+        <p:nvPicPr>
+          <p:cNvPr id="6" name="Picture 5" descr="Graphical user interface, text, application&#10;&#10;Description automatically generated">
+            <a:extLst>
+              <a:ext uri="{FF2B5EF4-FFF2-40B4-BE49-F238E27FC236}">
+                <a16:creationId xmlns:a16="http://schemas.microsoft.com/office/drawing/2014/main" id="{7FBAF0E8-EFAC-4A3C-9A41-531720A508AC}"/>
+              </a:ext>
+            </a:extLst>
+          </p:cNvPr>
+          <p:cNvPicPr>
+            <a:picLocks noChangeAspect="1"/>
+          </p:cNvPicPr>
+          <p:nvPr/>
+        </p:nvPicPr>
+        <p:blipFill>
+          <a:blip r:embed="rId3">
+            <a:extLst>
+              <a:ext uri="{28A0092B-C50C-407E-A947-70E740481C1C}">
+                <a14:useLocalDpi xmlns:a14="http://schemas.microsoft.com/office/drawing/2010/main" val="0"/>
+              </a:ext>
+            </a:extLst>
+          </a:blip>
+          <a:stretch>
+            <a:fillRect/>
+          </a:stretch>
+        </p:blipFill>
+        <p:spPr>
+          <a:xfrm>
+            <a:off x="718833" y="1561734"/>
+            <a:ext cx="4353533" cy="3305636"/>
+          </a:xfrm>
+          <a:prstGeom prst="rect">
+            <a:avLst/>
+          </a:prstGeom>
+        </p:spPr>
+      </p:pic>
+      <p:pic>
+        <p:nvPicPr>
+          <p:cNvPr id="4" name="Picture 3" descr="Graphical user interface, text, application&#10;&#10;Description automatically generated">
+            <a:extLst>
+              <a:ext uri="{FF2B5EF4-FFF2-40B4-BE49-F238E27FC236}">
+                <a16:creationId xmlns:a16="http://schemas.microsoft.com/office/drawing/2014/main" id="{82A6D434-3D5D-4453-B341-9D0A8F4B7E48}"/>
+              </a:ext>
+            </a:extLst>
+          </p:cNvPr>
+          <p:cNvPicPr>
+            <a:picLocks noChangeAspect="1"/>
+          </p:cNvPicPr>
+          <p:nvPr/>
+        </p:nvPicPr>
+        <p:blipFill>
+          <a:blip r:embed="rId4">
+            <a:extLst>
+              <a:ext uri="{28A0092B-C50C-407E-A947-70E740481C1C}">
+                <a14:useLocalDpi xmlns:a14="http://schemas.microsoft.com/office/drawing/2010/main" val="0"/>
+              </a:ext>
+            </a:extLst>
+          </a:blip>
+          <a:stretch>
+            <a:fillRect/>
+          </a:stretch>
+        </p:blipFill>
+        <p:spPr>
+          <a:xfrm>
+            <a:off x="6096000" y="1561734"/>
+            <a:ext cx="4467849" cy="1333686"/>
+          </a:xfrm>
+          <a:prstGeom prst="rect">
+            <a:avLst/>
+          </a:prstGeom>
+        </p:spPr>
+      </p:pic>
     </p:spTree>
     <p:extLst>
       <p:ext uri="{BB962C8B-B14F-4D97-AF65-F5344CB8AC3E}">
-        <p14:creationId xmlns:p14="http://schemas.microsoft.com/office/powerpoint/2010/main" val="298702283"/>
+        <p14:creationId xmlns:p14="http://schemas.microsoft.com/office/powerpoint/2010/main" val="2213668762"/>
       </p:ext>
     </p:extLst>
   </p:cSld>
@@ -9477,7 +10649,7 @@
           <p:cNvPr id="2" name="Title 1">
             <a:extLst>
               <a:ext uri="{FF2B5EF4-FFF2-40B4-BE49-F238E27FC236}">
-                <a16:creationId xmlns:a16="http://schemas.microsoft.com/office/drawing/2014/main" id="{3D97387E-10E0-496D-8226-2C1CEC904C01}"/>
+                <a16:creationId xmlns:a16="http://schemas.microsoft.com/office/drawing/2014/main" id="{D4FC86B5-042A-4FBC-8145-11F19DAC87CA}"/>
               </a:ext>
             </a:extLst>
           </p:cNvPr>
@@ -9495,118 +10667,87 @@
           <a:p>
             <a:r>
               <a:rPr lang="en-AU" dirty="0"/>
-              <a:t>Anti-patterns / Traps to avoid</a:t>
-            </a:r>
-          </a:p>
-        </p:txBody>
-      </p:sp>
-      <p:sp>
-        <p:nvSpPr>
-          <p:cNvPr id="3" name="Content Placeholder 2">
-            <a:extLst>
-              <a:ext uri="{FF2B5EF4-FFF2-40B4-BE49-F238E27FC236}">
-                <a16:creationId xmlns:a16="http://schemas.microsoft.com/office/drawing/2014/main" id="{94DAB7AE-86C4-4BB9-B687-5058213B61B7}"/>
-              </a:ext>
-            </a:extLst>
-          </p:cNvPr>
-          <p:cNvSpPr>
-            <a:spLocks noGrp="1"/>
-          </p:cNvSpPr>
-          <p:nvPr>
-            <p:ph idx="1"/>
-          </p:nvPr>
-        </p:nvSpPr>
+              <a:t>TDD Example #2 – Club Member</a:t>
+            </a:r>
+          </a:p>
+        </p:txBody>
+      </p:sp>
+      <p:pic>
+        <p:nvPicPr>
+          <p:cNvPr id="5" name="Picture 4" descr="Graphical user interface, text, application, email&#10;&#10;Description automatically generated">
+            <a:extLst>
+              <a:ext uri="{FF2B5EF4-FFF2-40B4-BE49-F238E27FC236}">
+                <a16:creationId xmlns:a16="http://schemas.microsoft.com/office/drawing/2014/main" id="{3E66955D-2178-4234-941D-BF7807912DC7}"/>
+              </a:ext>
+            </a:extLst>
+          </p:cNvPr>
+          <p:cNvPicPr>
+            <a:picLocks noChangeAspect="1"/>
+          </p:cNvPicPr>
+          <p:nvPr/>
+        </p:nvPicPr>
+        <p:blipFill>
+          <a:blip r:embed="rId3">
+            <a:extLst>
+              <a:ext uri="{28A0092B-C50C-407E-A947-70E740481C1C}">
+                <a14:useLocalDpi xmlns:a14="http://schemas.microsoft.com/office/drawing/2010/main" val="0"/>
+              </a:ext>
+            </a:extLst>
+          </a:blip>
+          <a:stretch>
+            <a:fillRect/>
+          </a:stretch>
+        </p:blipFill>
         <p:spPr>
           <a:xfrm>
-            <a:off x="838200" y="1825624"/>
-            <a:ext cx="10515600" cy="4746091"/>
+            <a:off x="838200" y="1426032"/>
+            <a:ext cx="5582429" cy="2172953"/>
           </a:xfrm>
+          <a:prstGeom prst="rect">
+            <a:avLst/>
+          </a:prstGeom>
         </p:spPr>
-        <p:txBody>
-          <a:bodyPr>
-            <a:normAutofit/>
-          </a:bodyPr>
-          <a:lstStyle/>
-          <a:p>
-            <a:r>
-              <a:rPr lang="en-AU" dirty="0"/>
-              <a:t>Tests depending on other tests</a:t>
-            </a:r>
-          </a:p>
-          <a:p>
-            <a:r>
-              <a:rPr lang="en-AU" dirty="0"/>
-              <a:t>Slow running tests</a:t>
-            </a:r>
-          </a:p>
-          <a:p>
-            <a:r>
-              <a:rPr lang="en-AU" dirty="0"/>
-              <a:t>Unit Tests that integrate with a</a:t>
-            </a:r>
-          </a:p>
-          <a:p>
-            <a:pPr lvl="1"/>
-            <a:r>
-              <a:rPr lang="en-AU" dirty="0"/>
-              <a:t>Database, Testing CRUD, File System, API / Controller,  Access the network</a:t>
-            </a:r>
-          </a:p>
-          <a:p>
-            <a:r>
-              <a:rPr lang="en-AU" dirty="0"/>
-              <a:t>Testing private methods</a:t>
-            </a:r>
-          </a:p>
-          <a:p>
-            <a:pPr lvl="1"/>
-            <a:r>
-              <a:rPr lang="en-AU" dirty="0"/>
-              <a:t>Mocking libraries</a:t>
-            </a:r>
-          </a:p>
-          <a:p>
-            <a:pPr marL="457200" lvl="1" indent="0">
-              <a:buNone/>
-            </a:pPr>
-            <a:r>
-              <a:rPr lang="en-AU" dirty="0"/>
-              <a:t>(Test your external interfaces instead)</a:t>
-            </a:r>
-          </a:p>
-          <a:p>
-            <a:r>
-              <a:rPr lang="en-AU" dirty="0"/>
-              <a:t>Focusing on testing Methods not Requirements</a:t>
-            </a:r>
-          </a:p>
-          <a:p>
-            <a:r>
-              <a:rPr lang="en-AU" dirty="0"/>
-              <a:t>Writing the minimum amount of code to make a test pass</a:t>
-            </a:r>
-          </a:p>
-          <a:p>
-            <a:endParaRPr lang="en-AU" dirty="0"/>
-          </a:p>
-          <a:p>
-            <a:pPr marL="457200" lvl="1" indent="0">
-              <a:buNone/>
-            </a:pPr>
-            <a:endParaRPr lang="en-AU" dirty="0"/>
-          </a:p>
-          <a:p>
-            <a:pPr marL="457200" lvl="1" indent="0">
-              <a:buNone/>
-            </a:pPr>
-            <a:endParaRPr lang="en-AU" dirty="0"/>
-          </a:p>
-        </p:txBody>
-      </p:sp>
+      </p:pic>
+      <p:pic>
+        <p:nvPicPr>
+          <p:cNvPr id="10" name="Picture 9" descr="Graphical user interface, text, application&#10;&#10;Description automatically generated">
+            <a:extLst>
+              <a:ext uri="{FF2B5EF4-FFF2-40B4-BE49-F238E27FC236}">
+                <a16:creationId xmlns:a16="http://schemas.microsoft.com/office/drawing/2014/main" id="{B82CCC0B-284B-4539-8150-3BAF4C4C842D}"/>
+              </a:ext>
+            </a:extLst>
+          </p:cNvPr>
+          <p:cNvPicPr>
+            <a:picLocks noChangeAspect="1"/>
+          </p:cNvPicPr>
+          <p:nvPr/>
+        </p:nvPicPr>
+        <p:blipFill>
+          <a:blip r:embed="rId4">
+            <a:extLst>
+              <a:ext uri="{28A0092B-C50C-407E-A947-70E740481C1C}">
+                <a14:useLocalDpi xmlns:a14="http://schemas.microsoft.com/office/drawing/2010/main" val="0"/>
+              </a:ext>
+            </a:extLst>
+          </a:blip>
+          <a:stretch>
+            <a:fillRect/>
+          </a:stretch>
+        </p:blipFill>
+        <p:spPr>
+          <a:xfrm>
+            <a:off x="6096000" y="1554072"/>
+            <a:ext cx="4753638" cy="2181529"/>
+          </a:xfrm>
+          <a:prstGeom prst="rect">
+            <a:avLst/>
+          </a:prstGeom>
+        </p:spPr>
+      </p:pic>
     </p:spTree>
     <p:extLst>
       <p:ext uri="{BB962C8B-B14F-4D97-AF65-F5344CB8AC3E}">
-        <p14:creationId xmlns:p14="http://schemas.microsoft.com/office/powerpoint/2010/main" val="1935208081"/>
+        <p14:creationId xmlns:p14="http://schemas.microsoft.com/office/powerpoint/2010/main" val="3665608699"/>
       </p:ext>
     </p:extLst>
   </p:cSld>
@@ -9638,7 +10779,7 @@
           <p:cNvPr id="2" name="Title 1">
             <a:extLst>
               <a:ext uri="{FF2B5EF4-FFF2-40B4-BE49-F238E27FC236}">
-                <a16:creationId xmlns:a16="http://schemas.microsoft.com/office/drawing/2014/main" id="{A019BC01-A07A-4592-9496-AB51FF935E02}"/>
+                <a16:creationId xmlns:a16="http://schemas.microsoft.com/office/drawing/2014/main" id="{D4FC86B5-042A-4FBC-8145-11F19DAC87CA}"/>
               </a:ext>
             </a:extLst>
           </p:cNvPr>
@@ -9656,105 +10797,87 @@
           <a:p>
             <a:r>
               <a:rPr lang="en-AU" dirty="0"/>
-              <a:t>In Memory Database</a:t>
-            </a:r>
-          </a:p>
-        </p:txBody>
-      </p:sp>
-      <p:sp>
-        <p:nvSpPr>
-          <p:cNvPr id="3" name="Content Placeholder 2">
-            <a:extLst>
-              <a:ext uri="{FF2B5EF4-FFF2-40B4-BE49-F238E27FC236}">
-                <a16:creationId xmlns:a16="http://schemas.microsoft.com/office/drawing/2014/main" id="{B7C94724-9C80-46C2-A887-D82F0D923C35}"/>
-              </a:ext>
-            </a:extLst>
-          </p:cNvPr>
-          <p:cNvSpPr>
-            <a:spLocks noGrp="1"/>
-          </p:cNvSpPr>
-          <p:nvPr>
-            <p:ph idx="1"/>
-          </p:nvPr>
-        </p:nvSpPr>
-        <p:spPr/>
-        <p:txBody>
-          <a:bodyPr/>
-          <a:lstStyle/>
-          <a:p>
-            <a:r>
-              <a:rPr lang="en-AU" dirty="0"/>
-              <a:t>Something that came out in entity framework </a:t>
-            </a:r>
-            <a:r>
-              <a:rPr lang="en-AU" dirty="0" err="1"/>
-              <a:t>.Net</a:t>
-            </a:r>
-            <a:r>
-              <a:rPr lang="en-AU" dirty="0"/>
-              <a:t> core</a:t>
-            </a:r>
-          </a:p>
-          <a:p>
-            <a:r>
-              <a:rPr lang="en-AU" dirty="0"/>
-              <a:t>Bit of a game changer</a:t>
-            </a:r>
-          </a:p>
-          <a:p>
-            <a:r>
-              <a:rPr lang="en-AU" dirty="0"/>
-              <a:t>Don’t Test CRUD</a:t>
-            </a:r>
-          </a:p>
-          <a:p>
-            <a:r>
-              <a:rPr lang="en-US" dirty="0"/>
-              <a:t>Test driven implementation of Searching, Filtering, Ordering and Pagination.</a:t>
-            </a:r>
-          </a:p>
-          <a:p>
-            <a:pPr marL="457200" lvl="1" indent="0">
-              <a:buNone/>
-            </a:pPr>
-            <a:r>
-              <a:rPr lang="en-AU" dirty="0">
-                <a:hlinkClick r:id="rId3"/>
-              </a:rPr>
-              <a:t>https://github.com/JoelViney/CorePaginationExample</a:t>
-            </a:r>
-            <a:endParaRPr lang="en-AU" dirty="0"/>
-          </a:p>
-          <a:p>
-            <a:r>
-              <a:rPr lang="en-AU" dirty="0"/>
-              <a:t>Jason Taylor’s Presentation on the InMemory Provider</a:t>
-            </a:r>
-          </a:p>
-          <a:p>
-            <a:pPr marL="457200" lvl="1" indent="0">
-              <a:buNone/>
-            </a:pPr>
-            <a:r>
-              <a:rPr lang="en-AU" dirty="0">
-                <a:solidFill>
-                  <a:schemeClr val="tx2"/>
-                </a:solidFill>
-                <a:hlinkClick r:id="rId4"/>
-              </a:rPr>
-              <a:t>https://www.youtube.com/watch?v=UON5Rr_CL2M</a:t>
-            </a:r>
-            <a:endParaRPr lang="en-AU" dirty="0"/>
-          </a:p>
-          <a:p>
-            <a:endParaRPr lang="en-AU" dirty="0"/>
-          </a:p>
-        </p:txBody>
-      </p:sp>
+              <a:t>TDD Example #2 – Club Member</a:t>
+            </a:r>
+          </a:p>
+        </p:txBody>
+      </p:sp>
+      <p:pic>
+        <p:nvPicPr>
+          <p:cNvPr id="5" name="Picture 4" descr="Graphical user interface, text, application, email&#10;&#10;Description automatically generated">
+            <a:extLst>
+              <a:ext uri="{FF2B5EF4-FFF2-40B4-BE49-F238E27FC236}">
+                <a16:creationId xmlns:a16="http://schemas.microsoft.com/office/drawing/2014/main" id="{3E66955D-2178-4234-941D-BF7807912DC7}"/>
+              </a:ext>
+            </a:extLst>
+          </p:cNvPr>
+          <p:cNvPicPr>
+            <a:picLocks noChangeAspect="1"/>
+          </p:cNvPicPr>
+          <p:nvPr/>
+        </p:nvPicPr>
+        <p:blipFill>
+          <a:blip r:embed="rId3">
+            <a:extLst>
+              <a:ext uri="{28A0092B-C50C-407E-A947-70E740481C1C}">
+                <a14:useLocalDpi xmlns:a14="http://schemas.microsoft.com/office/drawing/2010/main" val="0"/>
+              </a:ext>
+            </a:extLst>
+          </a:blip>
+          <a:stretch>
+            <a:fillRect/>
+          </a:stretch>
+        </p:blipFill>
+        <p:spPr>
+          <a:xfrm>
+            <a:off x="838200" y="1426032"/>
+            <a:ext cx="5582429" cy="2172953"/>
+          </a:xfrm>
+          <a:prstGeom prst="rect">
+            <a:avLst/>
+          </a:prstGeom>
+        </p:spPr>
+      </p:pic>
+      <p:pic>
+        <p:nvPicPr>
+          <p:cNvPr id="8" name="Picture 7" descr="Text&#10;&#10;Description automatically generated with medium confidence">
+            <a:extLst>
+              <a:ext uri="{FF2B5EF4-FFF2-40B4-BE49-F238E27FC236}">
+                <a16:creationId xmlns:a16="http://schemas.microsoft.com/office/drawing/2014/main" id="{BB70A40D-38A7-4D4B-8EC1-A14EFC4473BB}"/>
+              </a:ext>
+            </a:extLst>
+          </p:cNvPr>
+          <p:cNvPicPr>
+            <a:picLocks noChangeAspect="1"/>
+          </p:cNvPicPr>
+          <p:nvPr/>
+        </p:nvPicPr>
+        <p:blipFill>
+          <a:blip r:embed="rId4">
+            <a:extLst>
+              <a:ext uri="{28A0092B-C50C-407E-A947-70E740481C1C}">
+                <a14:useLocalDpi xmlns:a14="http://schemas.microsoft.com/office/drawing/2010/main" val="0"/>
+              </a:ext>
+            </a:extLst>
+          </a:blip>
+          <a:stretch>
+            <a:fillRect/>
+          </a:stretch>
+        </p:blipFill>
+        <p:spPr>
+          <a:xfrm>
+            <a:off x="6096000" y="1690688"/>
+            <a:ext cx="4915586" cy="3620005"/>
+          </a:xfrm>
+          <a:prstGeom prst="rect">
+            <a:avLst/>
+          </a:prstGeom>
+        </p:spPr>
+      </p:pic>
     </p:spTree>
     <p:extLst>
       <p:ext uri="{BB962C8B-B14F-4D97-AF65-F5344CB8AC3E}">
-        <p14:creationId xmlns:p14="http://schemas.microsoft.com/office/powerpoint/2010/main" val="2416987832"/>
+        <p14:creationId xmlns:p14="http://schemas.microsoft.com/office/powerpoint/2010/main" val="2008507355"/>
       </p:ext>
     </p:extLst>
   </p:cSld>
@@ -9786,7 +10909,7 @@
           <p:cNvPr id="2" name="Title 1">
             <a:extLst>
               <a:ext uri="{FF2B5EF4-FFF2-40B4-BE49-F238E27FC236}">
-                <a16:creationId xmlns:a16="http://schemas.microsoft.com/office/drawing/2014/main" id="{DB7D9FF5-7AB1-4AA0-B947-8C57D6B6FF23}"/>
+                <a16:creationId xmlns:a16="http://schemas.microsoft.com/office/drawing/2014/main" id="{D4FC86B5-042A-4FBC-8145-11F19DAC87CA}"/>
               </a:ext>
             </a:extLst>
           </p:cNvPr>
@@ -9804,53 +10927,17 @@
           <a:p>
             <a:r>
               <a:rPr lang="en-AU" dirty="0"/>
-              <a:t>In Memory Database - Setup</a:t>
-            </a:r>
-          </a:p>
-        </p:txBody>
-      </p:sp>
-      <p:sp>
-        <p:nvSpPr>
-          <p:cNvPr id="3" name="Content Placeholder 2">
-            <a:extLst>
-              <a:ext uri="{FF2B5EF4-FFF2-40B4-BE49-F238E27FC236}">
-                <a16:creationId xmlns:a16="http://schemas.microsoft.com/office/drawing/2014/main" id="{EA48DAE9-C8FF-4ED2-A658-0CDA6B1EC6AF}"/>
-              </a:ext>
-            </a:extLst>
-          </p:cNvPr>
-          <p:cNvSpPr>
-            <a:spLocks noGrp="1"/>
-          </p:cNvSpPr>
-          <p:nvPr>
-            <p:ph idx="1"/>
-          </p:nvPr>
-        </p:nvSpPr>
-        <p:spPr>
-          <a:xfrm>
-            <a:off x="838200" y="1825625"/>
-            <a:ext cx="10515600" cy="654928"/>
-          </a:xfrm>
-        </p:spPr>
-        <p:txBody>
-          <a:bodyPr/>
-          <a:lstStyle/>
-          <a:p>
-            <a:r>
-              <a:rPr lang="en-AU" dirty="0"/>
-              <a:t>Install-Package Microsoft.EntityFrameworkCore.InMemory</a:t>
-            </a:r>
-          </a:p>
-          <a:p>
-            <a:endParaRPr lang="en-AU" dirty="0"/>
+              <a:t>TDD Example #3 – Sale Price</a:t>
+            </a:r>
           </a:p>
         </p:txBody>
       </p:sp>
       <p:pic>
         <p:nvPicPr>
-          <p:cNvPr id="5" name="Picture 4">
-            <a:extLst>
-              <a:ext uri="{FF2B5EF4-FFF2-40B4-BE49-F238E27FC236}">
-                <a16:creationId xmlns:a16="http://schemas.microsoft.com/office/drawing/2014/main" id="{CE50F49A-F698-4C89-AF83-FA2821BB64FE}"/>
+          <p:cNvPr id="4" name="Picture 3" descr="Graphical user interface, text, application&#10;&#10;Description automatically generated">
+            <a:extLst>
+              <a:ext uri="{FF2B5EF4-FFF2-40B4-BE49-F238E27FC236}">
+                <a16:creationId xmlns:a16="http://schemas.microsoft.com/office/drawing/2014/main" id="{C6557496-5ACE-4910-9604-506BB5F43808}"/>
               </a:ext>
             </a:extLst>
           </p:cNvPr>
@@ -9873,8 +10960,44 @@
         </p:blipFill>
         <p:spPr>
           <a:xfrm>
-            <a:off x="1157591" y="2431249"/>
-            <a:ext cx="10123520" cy="3726360"/>
+            <a:off x="718770" y="1512856"/>
+            <a:ext cx="5268060" cy="2191056"/>
+          </a:xfrm>
+          <a:prstGeom prst="rect">
+            <a:avLst/>
+          </a:prstGeom>
+        </p:spPr>
+      </p:pic>
+      <p:pic>
+        <p:nvPicPr>
+          <p:cNvPr id="7" name="Picture 6" descr="Graphical user interface, text, application&#10;&#10;Description automatically generated">
+            <a:extLst>
+              <a:ext uri="{FF2B5EF4-FFF2-40B4-BE49-F238E27FC236}">
+                <a16:creationId xmlns:a16="http://schemas.microsoft.com/office/drawing/2014/main" id="{0651EF4C-AA05-4184-8EB0-71121AA44EE0}"/>
+              </a:ext>
+            </a:extLst>
+          </p:cNvPr>
+          <p:cNvPicPr>
+            <a:picLocks noChangeAspect="1"/>
+          </p:cNvPicPr>
+          <p:nvPr/>
+        </p:nvPicPr>
+        <p:blipFill>
+          <a:blip r:embed="rId4">
+            <a:extLst>
+              <a:ext uri="{28A0092B-C50C-407E-A947-70E740481C1C}">
+                <a14:useLocalDpi xmlns:a14="http://schemas.microsoft.com/office/drawing/2010/main" val="0"/>
+              </a:ext>
+            </a:extLst>
+          </a:blip>
+          <a:stretch>
+            <a:fillRect/>
+          </a:stretch>
+        </p:blipFill>
+        <p:spPr>
+          <a:xfrm>
+            <a:off x="6167065" y="1690688"/>
+            <a:ext cx="5306165" cy="4582164"/>
           </a:xfrm>
           <a:prstGeom prst="rect">
             <a:avLst/>
@@ -9884,7 +11007,7 @@
     </p:spTree>
     <p:extLst>
       <p:ext uri="{BB962C8B-B14F-4D97-AF65-F5344CB8AC3E}">
-        <p14:creationId xmlns:p14="http://schemas.microsoft.com/office/powerpoint/2010/main" val="1181967234"/>
+        <p14:creationId xmlns:p14="http://schemas.microsoft.com/office/powerpoint/2010/main" val="1764597922"/>
       </p:ext>
     </p:extLst>
   </p:cSld>
@@ -9934,12 +11057,14 @@
           </a:xfrm>
         </p:spPr>
         <p:txBody>
-          <a:bodyPr/>
-          <a:lstStyle/>
-          <a:p>
-            <a:r>
-              <a:rPr lang="en-AU" dirty="0"/>
-              <a:t>Test Driven Development</a:t>
+          <a:bodyPr>
+            <a:normAutofit fontScale="90000"/>
+          </a:bodyPr>
+          <a:lstStyle/>
+          <a:p>
+            <a:r>
+              <a:rPr lang="en-AU" dirty="0"/>
+              <a:t>Test Driven Development (TDD)</a:t>
             </a:r>
           </a:p>
         </p:txBody>
@@ -10053,6 +11178,1998 @@
           <p:cNvPr id="2" name="Title 1">
             <a:extLst>
               <a:ext uri="{FF2B5EF4-FFF2-40B4-BE49-F238E27FC236}">
+                <a16:creationId xmlns:a16="http://schemas.microsoft.com/office/drawing/2014/main" id="{D4FC86B5-042A-4FBC-8145-11F19DAC87CA}"/>
+              </a:ext>
+            </a:extLst>
+          </p:cNvPr>
+          <p:cNvSpPr>
+            <a:spLocks noGrp="1"/>
+          </p:cNvSpPr>
+          <p:nvPr>
+            <p:ph type="title"/>
+          </p:nvPr>
+        </p:nvSpPr>
+        <p:spPr/>
+        <p:txBody>
+          <a:bodyPr/>
+          <a:lstStyle/>
+          <a:p>
+            <a:r>
+              <a:rPr lang="en-AU" dirty="0"/>
+              <a:t>TDD Example #3 – Sale Price</a:t>
+            </a:r>
+          </a:p>
+        </p:txBody>
+      </p:sp>
+      <p:pic>
+        <p:nvPicPr>
+          <p:cNvPr id="4" name="Picture 3" descr="Graphical user interface, text, application&#10;&#10;Description automatically generated">
+            <a:extLst>
+              <a:ext uri="{FF2B5EF4-FFF2-40B4-BE49-F238E27FC236}">
+                <a16:creationId xmlns:a16="http://schemas.microsoft.com/office/drawing/2014/main" id="{C6557496-5ACE-4910-9604-506BB5F43808}"/>
+              </a:ext>
+            </a:extLst>
+          </p:cNvPr>
+          <p:cNvPicPr>
+            <a:picLocks noChangeAspect="1"/>
+          </p:cNvPicPr>
+          <p:nvPr/>
+        </p:nvPicPr>
+        <p:blipFill>
+          <a:blip r:embed="rId3">
+            <a:extLst>
+              <a:ext uri="{28A0092B-C50C-407E-A947-70E740481C1C}">
+                <a14:useLocalDpi xmlns:a14="http://schemas.microsoft.com/office/drawing/2010/main" val="0"/>
+              </a:ext>
+            </a:extLst>
+          </a:blip>
+          <a:stretch>
+            <a:fillRect/>
+          </a:stretch>
+        </p:blipFill>
+        <p:spPr>
+          <a:xfrm>
+            <a:off x="718770" y="1512856"/>
+            <a:ext cx="5268060" cy="2191056"/>
+          </a:xfrm>
+          <a:prstGeom prst="rect">
+            <a:avLst/>
+          </a:prstGeom>
+        </p:spPr>
+      </p:pic>
+      <p:pic>
+        <p:nvPicPr>
+          <p:cNvPr id="5" name="Picture 4" descr="Graphical user interface, text, application&#10;&#10;Description automatically generated">
+            <a:extLst>
+              <a:ext uri="{FF2B5EF4-FFF2-40B4-BE49-F238E27FC236}">
+                <a16:creationId xmlns:a16="http://schemas.microsoft.com/office/drawing/2014/main" id="{0CF8A0F9-0141-4603-B7C6-B3A2213D3447}"/>
+              </a:ext>
+            </a:extLst>
+          </p:cNvPr>
+          <p:cNvPicPr>
+            <a:picLocks noChangeAspect="1"/>
+          </p:cNvPicPr>
+          <p:nvPr/>
+        </p:nvPicPr>
+        <p:blipFill>
+          <a:blip r:embed="rId4">
+            <a:extLst>
+              <a:ext uri="{28A0092B-C50C-407E-A947-70E740481C1C}">
+                <a14:useLocalDpi xmlns:a14="http://schemas.microsoft.com/office/drawing/2010/main" val="0"/>
+              </a:ext>
+            </a:extLst>
+          </a:blip>
+          <a:stretch>
+            <a:fillRect/>
+          </a:stretch>
+        </p:blipFill>
+        <p:spPr>
+          <a:xfrm>
+            <a:off x="5986830" y="1512856"/>
+            <a:ext cx="5306165" cy="4582164"/>
+          </a:xfrm>
+          <a:prstGeom prst="rect">
+            <a:avLst/>
+          </a:prstGeom>
+        </p:spPr>
+      </p:pic>
+    </p:spTree>
+    <p:extLst>
+      <p:ext uri="{BB962C8B-B14F-4D97-AF65-F5344CB8AC3E}">
+        <p14:creationId xmlns:p14="http://schemas.microsoft.com/office/powerpoint/2010/main" val="556533015"/>
+      </p:ext>
+    </p:extLst>
+  </p:cSld>
+  <p:clrMapOvr>
+    <a:masterClrMapping/>
+  </p:clrMapOvr>
+</p:sld>
+</file>
+
+<file path=ppt/slides/slide21.xml><?xml version="1.0" encoding="utf-8"?>
+<p:sld xmlns:a="http://schemas.openxmlformats.org/drawingml/2006/main" xmlns:r="http://schemas.openxmlformats.org/officeDocument/2006/relationships" xmlns:p="http://schemas.openxmlformats.org/presentationml/2006/main">
+  <p:cSld>
+    <p:spTree>
+      <p:nvGrpSpPr>
+        <p:cNvPr id="1" name=""/>
+        <p:cNvGrpSpPr/>
+        <p:nvPr/>
+      </p:nvGrpSpPr>
+      <p:grpSpPr>
+        <a:xfrm>
+          <a:off x="0" y="0"/>
+          <a:ext cx="0" cy="0"/>
+          <a:chOff x="0" y="0"/>
+          <a:chExt cx="0" cy="0"/>
+        </a:xfrm>
+      </p:grpSpPr>
+      <p:sp>
+        <p:nvSpPr>
+          <p:cNvPr id="2" name="Title 1">
+            <a:extLst>
+              <a:ext uri="{FF2B5EF4-FFF2-40B4-BE49-F238E27FC236}">
+                <a16:creationId xmlns:a16="http://schemas.microsoft.com/office/drawing/2014/main" id="{D4FC86B5-042A-4FBC-8145-11F19DAC87CA}"/>
+              </a:ext>
+            </a:extLst>
+          </p:cNvPr>
+          <p:cNvSpPr>
+            <a:spLocks noGrp="1"/>
+          </p:cNvSpPr>
+          <p:nvPr>
+            <p:ph type="title"/>
+          </p:nvPr>
+        </p:nvSpPr>
+        <p:spPr/>
+        <p:txBody>
+          <a:bodyPr/>
+          <a:lstStyle/>
+          <a:p>
+            <a:r>
+              <a:rPr lang="en-AU" dirty="0"/>
+              <a:t>TDD Example #4 – Sales by Date</a:t>
+            </a:r>
+          </a:p>
+        </p:txBody>
+      </p:sp>
+      <p:pic>
+        <p:nvPicPr>
+          <p:cNvPr id="6" name="Picture 5" descr="Graphical user interface, text, application&#10;&#10;Description automatically generated">
+            <a:extLst>
+              <a:ext uri="{FF2B5EF4-FFF2-40B4-BE49-F238E27FC236}">
+                <a16:creationId xmlns:a16="http://schemas.microsoft.com/office/drawing/2014/main" id="{DE01DC1A-2F94-446E-B830-5542D4724CAD}"/>
+              </a:ext>
+            </a:extLst>
+          </p:cNvPr>
+          <p:cNvPicPr>
+            <a:picLocks noChangeAspect="1"/>
+          </p:cNvPicPr>
+          <p:nvPr/>
+        </p:nvPicPr>
+        <p:blipFill>
+          <a:blip r:embed="rId3">
+            <a:extLst>
+              <a:ext uri="{28A0092B-C50C-407E-A947-70E740481C1C}">
+                <a14:useLocalDpi xmlns:a14="http://schemas.microsoft.com/office/drawing/2010/main" val="0"/>
+              </a:ext>
+            </a:extLst>
+          </a:blip>
+          <a:stretch>
+            <a:fillRect/>
+          </a:stretch>
+        </p:blipFill>
+        <p:spPr>
+          <a:xfrm>
+            <a:off x="838200" y="1405003"/>
+            <a:ext cx="4324954" cy="4305901"/>
+          </a:xfrm>
+          <a:prstGeom prst="rect">
+            <a:avLst/>
+          </a:prstGeom>
+        </p:spPr>
+      </p:pic>
+    </p:spTree>
+    <p:extLst>
+      <p:ext uri="{BB962C8B-B14F-4D97-AF65-F5344CB8AC3E}">
+        <p14:creationId xmlns:p14="http://schemas.microsoft.com/office/powerpoint/2010/main" val="3501033593"/>
+      </p:ext>
+    </p:extLst>
+  </p:cSld>
+  <p:clrMapOvr>
+    <a:masterClrMapping/>
+  </p:clrMapOvr>
+</p:sld>
+</file>
+
+<file path=ppt/slides/slide22.xml><?xml version="1.0" encoding="utf-8"?>
+<p:sld xmlns:a="http://schemas.openxmlformats.org/drawingml/2006/main" xmlns:r="http://schemas.openxmlformats.org/officeDocument/2006/relationships" xmlns:p="http://schemas.openxmlformats.org/presentationml/2006/main">
+  <p:cSld>
+    <p:spTree>
+      <p:nvGrpSpPr>
+        <p:cNvPr id="1" name=""/>
+        <p:cNvGrpSpPr/>
+        <p:nvPr/>
+      </p:nvGrpSpPr>
+      <p:grpSpPr>
+        <a:xfrm>
+          <a:off x="0" y="0"/>
+          <a:ext cx="0" cy="0"/>
+          <a:chOff x="0" y="0"/>
+          <a:chExt cx="0" cy="0"/>
+        </a:xfrm>
+      </p:grpSpPr>
+      <p:sp>
+        <p:nvSpPr>
+          <p:cNvPr id="2" name="Title 1">
+            <a:extLst>
+              <a:ext uri="{FF2B5EF4-FFF2-40B4-BE49-F238E27FC236}">
+                <a16:creationId xmlns:a16="http://schemas.microsoft.com/office/drawing/2014/main" id="{D4FC86B5-042A-4FBC-8145-11F19DAC87CA}"/>
+              </a:ext>
+            </a:extLst>
+          </p:cNvPr>
+          <p:cNvSpPr>
+            <a:spLocks noGrp="1"/>
+          </p:cNvSpPr>
+          <p:nvPr>
+            <p:ph type="title"/>
+          </p:nvPr>
+        </p:nvSpPr>
+        <p:spPr/>
+        <p:txBody>
+          <a:bodyPr/>
+          <a:lstStyle/>
+          <a:p>
+            <a:r>
+              <a:rPr lang="en-AU" dirty="0"/>
+              <a:t>TDD Example #4 – Sales by Date</a:t>
+            </a:r>
+          </a:p>
+        </p:txBody>
+      </p:sp>
+      <p:pic>
+        <p:nvPicPr>
+          <p:cNvPr id="4" name="Picture 3" descr="Graphical user interface, text, application&#10;&#10;Description automatically generated">
+            <a:extLst>
+              <a:ext uri="{FF2B5EF4-FFF2-40B4-BE49-F238E27FC236}">
+                <a16:creationId xmlns:a16="http://schemas.microsoft.com/office/drawing/2014/main" id="{F452E98E-A252-4ACA-8425-1440BF444BE2}"/>
+              </a:ext>
+            </a:extLst>
+          </p:cNvPr>
+          <p:cNvPicPr>
+            <a:picLocks noChangeAspect="1"/>
+          </p:cNvPicPr>
+          <p:nvPr/>
+        </p:nvPicPr>
+        <p:blipFill>
+          <a:blip r:embed="rId3">
+            <a:extLst>
+              <a:ext uri="{28A0092B-C50C-407E-A947-70E740481C1C}">
+                <a14:useLocalDpi xmlns:a14="http://schemas.microsoft.com/office/drawing/2010/main" val="0"/>
+              </a:ext>
+            </a:extLst>
+          </a:blip>
+          <a:stretch>
+            <a:fillRect/>
+          </a:stretch>
+        </p:blipFill>
+        <p:spPr>
+          <a:xfrm>
+            <a:off x="5639470" y="1683187"/>
+            <a:ext cx="3010320" cy="2000529"/>
+          </a:xfrm>
+          <a:prstGeom prst="rect">
+            <a:avLst/>
+          </a:prstGeom>
+        </p:spPr>
+      </p:pic>
+      <p:pic>
+        <p:nvPicPr>
+          <p:cNvPr id="9" name="Picture 8" descr="Graphical user interface, text, application&#10;&#10;Description automatically generated">
+            <a:extLst>
+              <a:ext uri="{FF2B5EF4-FFF2-40B4-BE49-F238E27FC236}">
+                <a16:creationId xmlns:a16="http://schemas.microsoft.com/office/drawing/2014/main" id="{9AF2E6C2-28EC-4601-A549-5E2164104474}"/>
+              </a:ext>
+            </a:extLst>
+          </p:cNvPr>
+          <p:cNvPicPr>
+            <a:picLocks noChangeAspect="1"/>
+          </p:cNvPicPr>
+          <p:nvPr/>
+        </p:nvPicPr>
+        <p:blipFill>
+          <a:blip r:embed="rId4">
+            <a:extLst>
+              <a:ext uri="{28A0092B-C50C-407E-A947-70E740481C1C}">
+                <a14:useLocalDpi xmlns:a14="http://schemas.microsoft.com/office/drawing/2010/main" val="0"/>
+              </a:ext>
+            </a:extLst>
+          </a:blip>
+          <a:stretch>
+            <a:fillRect/>
+          </a:stretch>
+        </p:blipFill>
+        <p:spPr>
+          <a:xfrm>
+            <a:off x="5639470" y="3830039"/>
+            <a:ext cx="3982006" cy="2343477"/>
+          </a:xfrm>
+          <a:prstGeom prst="rect">
+            <a:avLst/>
+          </a:prstGeom>
+        </p:spPr>
+      </p:pic>
+      <p:pic>
+        <p:nvPicPr>
+          <p:cNvPr id="11" name="Picture 10" descr="Text&#10;&#10;Description automatically generated">
+            <a:extLst>
+              <a:ext uri="{FF2B5EF4-FFF2-40B4-BE49-F238E27FC236}">
+                <a16:creationId xmlns:a16="http://schemas.microsoft.com/office/drawing/2014/main" id="{DB7911E8-4E1A-4655-88F1-D23C2D3AF3EC}"/>
+              </a:ext>
+            </a:extLst>
+          </p:cNvPr>
+          <p:cNvPicPr>
+            <a:picLocks noChangeAspect="1"/>
+          </p:cNvPicPr>
+          <p:nvPr/>
+        </p:nvPicPr>
+        <p:blipFill>
+          <a:blip r:embed="rId5">
+            <a:extLst>
+              <a:ext uri="{28A0092B-C50C-407E-A947-70E740481C1C}">
+                <a14:useLocalDpi xmlns:a14="http://schemas.microsoft.com/office/drawing/2010/main" val="0"/>
+              </a:ext>
+            </a:extLst>
+          </a:blip>
+          <a:stretch>
+            <a:fillRect/>
+          </a:stretch>
+        </p:blipFill>
+        <p:spPr>
+          <a:xfrm>
+            <a:off x="838200" y="1440266"/>
+            <a:ext cx="4801270" cy="4486901"/>
+          </a:xfrm>
+          <a:prstGeom prst="rect">
+            <a:avLst/>
+          </a:prstGeom>
+        </p:spPr>
+      </p:pic>
+    </p:spTree>
+    <p:extLst>
+      <p:ext uri="{BB962C8B-B14F-4D97-AF65-F5344CB8AC3E}">
+        <p14:creationId xmlns:p14="http://schemas.microsoft.com/office/powerpoint/2010/main" val="2179405454"/>
+      </p:ext>
+    </p:extLst>
+  </p:cSld>
+  <p:clrMapOvr>
+    <a:masterClrMapping/>
+  </p:clrMapOvr>
+</p:sld>
+</file>
+
+<file path=ppt/slides/slide23.xml><?xml version="1.0" encoding="utf-8"?>
+<p:sld xmlns:a="http://schemas.openxmlformats.org/drawingml/2006/main" xmlns:r="http://schemas.openxmlformats.org/officeDocument/2006/relationships" xmlns:p="http://schemas.openxmlformats.org/presentationml/2006/main">
+  <p:cSld>
+    <p:spTree>
+      <p:nvGrpSpPr>
+        <p:cNvPr id="1" name=""/>
+        <p:cNvGrpSpPr/>
+        <p:nvPr/>
+      </p:nvGrpSpPr>
+      <p:grpSpPr>
+        <a:xfrm>
+          <a:off x="0" y="0"/>
+          <a:ext cx="0" cy="0"/>
+          <a:chOff x="0" y="0"/>
+          <a:chExt cx="0" cy="0"/>
+        </a:xfrm>
+      </p:grpSpPr>
+      <p:sp>
+        <p:nvSpPr>
+          <p:cNvPr id="2" name="Title 1">
+            <a:extLst>
+              <a:ext uri="{FF2B5EF4-FFF2-40B4-BE49-F238E27FC236}">
+                <a16:creationId xmlns:a16="http://schemas.microsoft.com/office/drawing/2014/main" id="{D4FC86B5-042A-4FBC-8145-11F19DAC87CA}"/>
+              </a:ext>
+            </a:extLst>
+          </p:cNvPr>
+          <p:cNvSpPr>
+            <a:spLocks noGrp="1"/>
+          </p:cNvSpPr>
+          <p:nvPr>
+            <p:ph type="title"/>
+          </p:nvPr>
+        </p:nvSpPr>
+        <p:spPr/>
+        <p:txBody>
+          <a:bodyPr/>
+          <a:lstStyle/>
+          <a:p>
+            <a:r>
+              <a:rPr lang="en-AU" dirty="0"/>
+              <a:t>TDD Example #4 – Sales by Date</a:t>
+            </a:r>
+          </a:p>
+        </p:txBody>
+      </p:sp>
+      <p:pic>
+        <p:nvPicPr>
+          <p:cNvPr id="4" name="Picture 3" descr="Graphical user interface, text, application, email&#10;&#10;Description automatically generated">
+            <a:extLst>
+              <a:ext uri="{FF2B5EF4-FFF2-40B4-BE49-F238E27FC236}">
+                <a16:creationId xmlns:a16="http://schemas.microsoft.com/office/drawing/2014/main" id="{752FD042-B102-49F5-8F4D-7FF61F05FD70}"/>
+              </a:ext>
+            </a:extLst>
+          </p:cNvPr>
+          <p:cNvPicPr>
+            <a:picLocks noChangeAspect="1"/>
+          </p:cNvPicPr>
+          <p:nvPr/>
+        </p:nvPicPr>
+        <p:blipFill>
+          <a:blip r:embed="rId3">
+            <a:extLst>
+              <a:ext uri="{28A0092B-C50C-407E-A947-70E740481C1C}">
+                <a14:useLocalDpi xmlns:a14="http://schemas.microsoft.com/office/drawing/2010/main" val="0"/>
+              </a:ext>
+            </a:extLst>
+          </a:blip>
+          <a:stretch>
+            <a:fillRect/>
+          </a:stretch>
+        </p:blipFill>
+        <p:spPr>
+          <a:xfrm>
+            <a:off x="838200" y="1355303"/>
+            <a:ext cx="8621328" cy="2553056"/>
+          </a:xfrm>
+          <a:prstGeom prst="rect">
+            <a:avLst/>
+          </a:prstGeom>
+        </p:spPr>
+      </p:pic>
+    </p:spTree>
+    <p:extLst>
+      <p:ext uri="{BB962C8B-B14F-4D97-AF65-F5344CB8AC3E}">
+        <p14:creationId xmlns:p14="http://schemas.microsoft.com/office/powerpoint/2010/main" val="2727831772"/>
+      </p:ext>
+    </p:extLst>
+  </p:cSld>
+  <p:clrMapOvr>
+    <a:masterClrMapping/>
+  </p:clrMapOvr>
+</p:sld>
+</file>
+
+<file path=ppt/slides/slide24.xml><?xml version="1.0" encoding="utf-8"?>
+<p:sld xmlns:a="http://schemas.openxmlformats.org/drawingml/2006/main" xmlns:r="http://schemas.openxmlformats.org/officeDocument/2006/relationships" xmlns:p="http://schemas.openxmlformats.org/presentationml/2006/main">
+  <p:cSld>
+    <p:spTree>
+      <p:nvGrpSpPr>
+        <p:cNvPr id="1" name=""/>
+        <p:cNvGrpSpPr/>
+        <p:nvPr/>
+      </p:nvGrpSpPr>
+      <p:grpSpPr>
+        <a:xfrm>
+          <a:off x="0" y="0"/>
+          <a:ext cx="0" cy="0"/>
+          <a:chOff x="0" y="0"/>
+          <a:chExt cx="0" cy="0"/>
+        </a:xfrm>
+      </p:grpSpPr>
+      <p:sp>
+        <p:nvSpPr>
+          <p:cNvPr id="2" name="Title 1">
+            <a:extLst>
+              <a:ext uri="{FF2B5EF4-FFF2-40B4-BE49-F238E27FC236}">
+                <a16:creationId xmlns:a16="http://schemas.microsoft.com/office/drawing/2014/main" id="{D4FC86B5-042A-4FBC-8145-11F19DAC87CA}"/>
+              </a:ext>
+            </a:extLst>
+          </p:cNvPr>
+          <p:cNvSpPr>
+            <a:spLocks noGrp="1"/>
+          </p:cNvSpPr>
+          <p:nvPr>
+            <p:ph type="title"/>
+          </p:nvPr>
+        </p:nvSpPr>
+        <p:spPr/>
+        <p:txBody>
+          <a:bodyPr/>
+          <a:lstStyle/>
+          <a:p>
+            <a:r>
+              <a:rPr lang="en-AU" dirty="0"/>
+              <a:t>TDD Example #4 – Sales by Date</a:t>
+            </a:r>
+          </a:p>
+        </p:txBody>
+      </p:sp>
+      <p:pic>
+        <p:nvPicPr>
+          <p:cNvPr id="7" name="Picture 6" descr="Graphical user interface, text, application, email&#10;&#10;Description automatically generated">
+            <a:extLst>
+              <a:ext uri="{FF2B5EF4-FFF2-40B4-BE49-F238E27FC236}">
+                <a16:creationId xmlns:a16="http://schemas.microsoft.com/office/drawing/2014/main" id="{95A18073-E980-44FD-98A7-2D3840561C8E}"/>
+              </a:ext>
+            </a:extLst>
+          </p:cNvPr>
+          <p:cNvPicPr>
+            <a:picLocks noChangeAspect="1"/>
+          </p:cNvPicPr>
+          <p:nvPr/>
+        </p:nvPicPr>
+        <p:blipFill>
+          <a:blip r:embed="rId3">
+            <a:extLst>
+              <a:ext uri="{28A0092B-C50C-407E-A947-70E740481C1C}">
+                <a14:useLocalDpi xmlns:a14="http://schemas.microsoft.com/office/drawing/2010/main" val="0"/>
+              </a:ext>
+            </a:extLst>
+          </a:blip>
+          <a:stretch>
+            <a:fillRect/>
+          </a:stretch>
+        </p:blipFill>
+        <p:spPr>
+          <a:xfrm>
+            <a:off x="838200" y="3073584"/>
+            <a:ext cx="8335538" cy="3620005"/>
+          </a:xfrm>
+          <a:prstGeom prst="rect">
+            <a:avLst/>
+          </a:prstGeom>
+        </p:spPr>
+      </p:pic>
+      <p:pic>
+        <p:nvPicPr>
+          <p:cNvPr id="5" name="Picture 4" descr="Graphical user interface, text&#10;&#10;Description automatically generated with medium confidence">
+            <a:extLst>
+              <a:ext uri="{FF2B5EF4-FFF2-40B4-BE49-F238E27FC236}">
+                <a16:creationId xmlns:a16="http://schemas.microsoft.com/office/drawing/2014/main" id="{E7C34331-77A0-48DB-8BC4-A855CBC1DCE8}"/>
+              </a:ext>
+            </a:extLst>
+          </p:cNvPr>
+          <p:cNvPicPr>
+            <a:picLocks noChangeAspect="1"/>
+          </p:cNvPicPr>
+          <p:nvPr/>
+        </p:nvPicPr>
+        <p:blipFill>
+          <a:blip r:embed="rId4">
+            <a:extLst>
+              <a:ext uri="{28A0092B-C50C-407E-A947-70E740481C1C}">
+                <a14:useLocalDpi xmlns:a14="http://schemas.microsoft.com/office/drawing/2010/main" val="0"/>
+              </a:ext>
+            </a:extLst>
+          </a:blip>
+          <a:stretch>
+            <a:fillRect/>
+          </a:stretch>
+        </p:blipFill>
+        <p:spPr>
+          <a:xfrm>
+            <a:off x="838200" y="1196897"/>
+            <a:ext cx="8573696" cy="1876687"/>
+          </a:xfrm>
+          <a:prstGeom prst="rect">
+            <a:avLst/>
+          </a:prstGeom>
+        </p:spPr>
+      </p:pic>
+    </p:spTree>
+    <p:extLst>
+      <p:ext uri="{BB962C8B-B14F-4D97-AF65-F5344CB8AC3E}">
+        <p14:creationId xmlns:p14="http://schemas.microsoft.com/office/powerpoint/2010/main" val="3068929379"/>
+      </p:ext>
+    </p:extLst>
+  </p:cSld>
+  <p:clrMapOvr>
+    <a:masterClrMapping/>
+  </p:clrMapOvr>
+</p:sld>
+</file>
+
+<file path=ppt/slides/slide25.xml><?xml version="1.0" encoding="utf-8"?>
+<p:sld xmlns:a="http://schemas.openxmlformats.org/drawingml/2006/main" xmlns:r="http://schemas.openxmlformats.org/officeDocument/2006/relationships" xmlns:p="http://schemas.openxmlformats.org/presentationml/2006/main">
+  <p:cSld>
+    <p:spTree>
+      <p:nvGrpSpPr>
+        <p:cNvPr id="1" name=""/>
+        <p:cNvGrpSpPr/>
+        <p:nvPr/>
+      </p:nvGrpSpPr>
+      <p:grpSpPr>
+        <a:xfrm>
+          <a:off x="0" y="0"/>
+          <a:ext cx="0" cy="0"/>
+          <a:chOff x="0" y="0"/>
+          <a:chExt cx="0" cy="0"/>
+        </a:xfrm>
+      </p:grpSpPr>
+      <p:sp>
+        <p:nvSpPr>
+          <p:cNvPr id="2" name="Title 1">
+            <a:extLst>
+              <a:ext uri="{FF2B5EF4-FFF2-40B4-BE49-F238E27FC236}">
+                <a16:creationId xmlns:a16="http://schemas.microsoft.com/office/drawing/2014/main" id="{58F942D7-714F-40C4-A7E8-59587B5999E7}"/>
+              </a:ext>
+            </a:extLst>
+          </p:cNvPr>
+          <p:cNvSpPr>
+            <a:spLocks noGrp="1"/>
+          </p:cNvSpPr>
+          <p:nvPr>
+            <p:ph type="title"/>
+          </p:nvPr>
+        </p:nvSpPr>
+        <p:spPr/>
+        <p:txBody>
+          <a:bodyPr/>
+          <a:lstStyle/>
+          <a:p>
+            <a:r>
+              <a:rPr lang="en-AU" dirty="0"/>
+              <a:t>Emergent Design</a:t>
+            </a:r>
+          </a:p>
+        </p:txBody>
+      </p:sp>
+      <p:sp>
+        <p:nvSpPr>
+          <p:cNvPr id="3" name="Content Placeholder 2">
+            <a:extLst>
+              <a:ext uri="{FF2B5EF4-FFF2-40B4-BE49-F238E27FC236}">
+                <a16:creationId xmlns:a16="http://schemas.microsoft.com/office/drawing/2014/main" id="{BD8435AC-4EF7-43AD-AC19-9DB1A76BF6B8}"/>
+              </a:ext>
+            </a:extLst>
+          </p:cNvPr>
+          <p:cNvSpPr>
+            <a:spLocks noGrp="1"/>
+          </p:cNvSpPr>
+          <p:nvPr>
+            <p:ph idx="1"/>
+          </p:nvPr>
+        </p:nvSpPr>
+        <p:spPr>
+          <a:xfrm>
+            <a:off x="838200" y="1825625"/>
+            <a:ext cx="5257800" cy="4351338"/>
+          </a:xfrm>
+        </p:spPr>
+        <p:txBody>
+          <a:bodyPr>
+            <a:normAutofit/>
+          </a:bodyPr>
+          <a:lstStyle/>
+          <a:p>
+            <a:pPr marL="0" indent="0">
+              <a:buNone/>
+            </a:pPr>
+            <a:r>
+              <a:rPr lang="en-AU" sz="2400" dirty="0"/>
+              <a:t>“</a:t>
+            </a:r>
+            <a:r>
+              <a:rPr lang="en-US" sz="2400" b="1" dirty="0"/>
+              <a:t>There’s an approach to software development whereby we evolve the low-level design of the code incrementally. As it takes shape, the code itself “tells” us how it should be designed, if we would but listen.” </a:t>
+            </a:r>
+          </a:p>
+          <a:p>
+            <a:pPr marL="0" indent="0">
+              <a:buNone/>
+            </a:pPr>
+            <a:r>
+              <a:rPr lang="en-US" sz="2400" dirty="0"/>
+              <a:t>– Some Guy on the Internet</a:t>
+            </a:r>
+            <a:endParaRPr lang="en-AU" sz="2400" dirty="0"/>
+          </a:p>
+        </p:txBody>
+      </p:sp>
+      <p:pic>
+        <p:nvPicPr>
+          <p:cNvPr id="7" name="Picture 6">
+            <a:extLst>
+              <a:ext uri="{FF2B5EF4-FFF2-40B4-BE49-F238E27FC236}">
+                <a16:creationId xmlns:a16="http://schemas.microsoft.com/office/drawing/2014/main" id="{6EB4B167-CADF-4DDB-B332-15932DDFA046}"/>
+              </a:ext>
+            </a:extLst>
+          </p:cNvPr>
+          <p:cNvPicPr>
+            <a:picLocks noChangeAspect="1"/>
+          </p:cNvPicPr>
+          <p:nvPr/>
+        </p:nvPicPr>
+        <p:blipFill>
+          <a:blip r:embed="rId3">
+            <a:extLst>
+              <a:ext uri="{28A0092B-C50C-407E-A947-70E740481C1C}">
+                <a14:useLocalDpi xmlns:a14="http://schemas.microsoft.com/office/drawing/2010/main" val="0"/>
+              </a:ext>
+            </a:extLst>
+          </a:blip>
+          <a:stretch>
+            <a:fillRect/>
+          </a:stretch>
+        </p:blipFill>
+        <p:spPr>
+          <a:xfrm>
+            <a:off x="6859897" y="523022"/>
+            <a:ext cx="4493903" cy="5653941"/>
+          </a:xfrm>
+          <a:prstGeom prst="rect">
+            <a:avLst/>
+          </a:prstGeom>
+        </p:spPr>
+      </p:pic>
+    </p:spTree>
+    <p:extLst>
+      <p:ext uri="{BB962C8B-B14F-4D97-AF65-F5344CB8AC3E}">
+        <p14:creationId xmlns:p14="http://schemas.microsoft.com/office/powerpoint/2010/main" val="1845190527"/>
+      </p:ext>
+    </p:extLst>
+  </p:cSld>
+  <p:clrMapOvr>
+    <a:masterClrMapping/>
+  </p:clrMapOvr>
+</p:sld>
+</file>
+
+<file path=ppt/slides/slide26.xml><?xml version="1.0" encoding="utf-8"?>
+<p:sld xmlns:a="http://schemas.openxmlformats.org/drawingml/2006/main" xmlns:r="http://schemas.openxmlformats.org/officeDocument/2006/relationships" xmlns:p="http://schemas.openxmlformats.org/presentationml/2006/main">
+  <p:cSld>
+    <p:spTree>
+      <p:nvGrpSpPr>
+        <p:cNvPr id="1" name=""/>
+        <p:cNvGrpSpPr/>
+        <p:nvPr/>
+      </p:nvGrpSpPr>
+      <p:grpSpPr>
+        <a:xfrm>
+          <a:off x="0" y="0"/>
+          <a:ext cx="0" cy="0"/>
+          <a:chOff x="0" y="0"/>
+          <a:chExt cx="0" cy="0"/>
+        </a:xfrm>
+      </p:grpSpPr>
+      <p:sp>
+        <p:nvSpPr>
+          <p:cNvPr id="2" name="Title 1">
+            <a:extLst>
+              <a:ext uri="{FF2B5EF4-FFF2-40B4-BE49-F238E27FC236}">
+                <a16:creationId xmlns:a16="http://schemas.microsoft.com/office/drawing/2014/main" id="{7F831CB8-689C-4722-9961-8817E3799DDD}"/>
+              </a:ext>
+            </a:extLst>
+          </p:cNvPr>
+          <p:cNvSpPr>
+            <a:spLocks noGrp="1"/>
+          </p:cNvSpPr>
+          <p:nvPr>
+            <p:ph type="title"/>
+          </p:nvPr>
+        </p:nvSpPr>
+        <p:spPr/>
+        <p:txBody>
+          <a:bodyPr/>
+          <a:lstStyle/>
+          <a:p>
+            <a:r>
+              <a:rPr lang="en-AU" dirty="0"/>
+              <a:t>Benefits</a:t>
+            </a:r>
+          </a:p>
+        </p:txBody>
+      </p:sp>
+      <p:sp>
+        <p:nvSpPr>
+          <p:cNvPr id="3" name="Content Placeholder 2">
+            <a:extLst>
+              <a:ext uri="{FF2B5EF4-FFF2-40B4-BE49-F238E27FC236}">
+                <a16:creationId xmlns:a16="http://schemas.microsoft.com/office/drawing/2014/main" id="{A4801DCF-7197-4D49-8CFD-025E9B336AE5}"/>
+              </a:ext>
+            </a:extLst>
+          </p:cNvPr>
+          <p:cNvSpPr>
+            <a:spLocks noGrp="1"/>
+          </p:cNvSpPr>
+          <p:nvPr>
+            <p:ph idx="1"/>
+          </p:nvPr>
+        </p:nvSpPr>
+        <p:spPr/>
+        <p:txBody>
+          <a:bodyPr/>
+          <a:lstStyle/>
+          <a:p>
+            <a:r>
+              <a:rPr lang="en-AU" dirty="0"/>
+              <a:t>Tests document your application</a:t>
+            </a:r>
+          </a:p>
+          <a:p>
+            <a:r>
+              <a:rPr lang="en-AU" dirty="0"/>
+              <a:t>Tests simplify your code / interfaces</a:t>
+            </a:r>
+          </a:p>
+          <a:p>
+            <a:pPr lvl="1"/>
+            <a:r>
+              <a:rPr lang="en-AU" dirty="0"/>
+              <a:t>Emergent Design</a:t>
+            </a:r>
+          </a:p>
+          <a:p>
+            <a:r>
+              <a:rPr lang="en-AU" dirty="0"/>
+              <a:t>You can refactor without worrying about breaking stuff</a:t>
+            </a:r>
+          </a:p>
+          <a:p>
+            <a:pPr lvl="1"/>
+            <a:r>
+              <a:rPr lang="en-AU" dirty="0"/>
+              <a:t>This is a game changer</a:t>
+            </a:r>
+          </a:p>
+        </p:txBody>
+      </p:sp>
+    </p:spTree>
+    <p:extLst>
+      <p:ext uri="{BB962C8B-B14F-4D97-AF65-F5344CB8AC3E}">
+        <p14:creationId xmlns:p14="http://schemas.microsoft.com/office/powerpoint/2010/main" val="298702283"/>
+      </p:ext>
+    </p:extLst>
+  </p:cSld>
+  <p:clrMapOvr>
+    <a:masterClrMapping/>
+  </p:clrMapOvr>
+</p:sld>
+</file>
+
+<file path=ppt/slides/slide27.xml><?xml version="1.0" encoding="utf-8"?>
+<p:sld xmlns:a="http://schemas.openxmlformats.org/drawingml/2006/main" xmlns:r="http://schemas.openxmlformats.org/officeDocument/2006/relationships" xmlns:p="http://schemas.openxmlformats.org/presentationml/2006/main">
+  <p:cSld>
+    <p:spTree>
+      <p:nvGrpSpPr>
+        <p:cNvPr id="1" name=""/>
+        <p:cNvGrpSpPr/>
+        <p:nvPr/>
+      </p:nvGrpSpPr>
+      <p:grpSpPr>
+        <a:xfrm>
+          <a:off x="0" y="0"/>
+          <a:ext cx="0" cy="0"/>
+          <a:chOff x="0" y="0"/>
+          <a:chExt cx="0" cy="0"/>
+        </a:xfrm>
+      </p:grpSpPr>
+      <p:sp>
+        <p:nvSpPr>
+          <p:cNvPr id="2" name="Title 1">
+            <a:extLst>
+              <a:ext uri="{FF2B5EF4-FFF2-40B4-BE49-F238E27FC236}">
+                <a16:creationId xmlns:a16="http://schemas.microsoft.com/office/drawing/2014/main" id="{3D97387E-10E0-496D-8226-2C1CEC904C01}"/>
+              </a:ext>
+            </a:extLst>
+          </p:cNvPr>
+          <p:cNvSpPr>
+            <a:spLocks noGrp="1"/>
+          </p:cNvSpPr>
+          <p:nvPr>
+            <p:ph type="title"/>
+          </p:nvPr>
+        </p:nvSpPr>
+        <p:spPr/>
+        <p:txBody>
+          <a:bodyPr/>
+          <a:lstStyle/>
+          <a:p>
+            <a:r>
+              <a:rPr lang="en-AU" dirty="0"/>
+              <a:t>Anti-patterns / Traps to avoid</a:t>
+            </a:r>
+          </a:p>
+        </p:txBody>
+      </p:sp>
+      <p:sp>
+        <p:nvSpPr>
+          <p:cNvPr id="3" name="Content Placeholder 2">
+            <a:extLst>
+              <a:ext uri="{FF2B5EF4-FFF2-40B4-BE49-F238E27FC236}">
+                <a16:creationId xmlns:a16="http://schemas.microsoft.com/office/drawing/2014/main" id="{94DAB7AE-86C4-4BB9-B687-5058213B61B7}"/>
+              </a:ext>
+            </a:extLst>
+          </p:cNvPr>
+          <p:cNvSpPr>
+            <a:spLocks noGrp="1"/>
+          </p:cNvSpPr>
+          <p:nvPr>
+            <p:ph idx="1"/>
+          </p:nvPr>
+        </p:nvSpPr>
+        <p:spPr>
+          <a:xfrm>
+            <a:off x="838200" y="1825624"/>
+            <a:ext cx="10515600" cy="4746091"/>
+          </a:xfrm>
+        </p:spPr>
+        <p:txBody>
+          <a:bodyPr>
+            <a:normAutofit/>
+          </a:bodyPr>
+          <a:lstStyle/>
+          <a:p>
+            <a:r>
+              <a:rPr lang="en-AU" dirty="0"/>
+              <a:t>Tests depending on other tests</a:t>
+            </a:r>
+          </a:p>
+          <a:p>
+            <a:r>
+              <a:rPr lang="en-AU" dirty="0"/>
+              <a:t>Slow running tests</a:t>
+            </a:r>
+          </a:p>
+          <a:p>
+            <a:r>
+              <a:rPr lang="en-AU" dirty="0"/>
+              <a:t>Unit Tests that integrate with a</a:t>
+            </a:r>
+          </a:p>
+          <a:p>
+            <a:pPr lvl="1"/>
+            <a:r>
+              <a:rPr lang="en-AU" dirty="0"/>
+              <a:t>Database, Testing CRUD, File System, API / Controller,  Access the network</a:t>
+            </a:r>
+          </a:p>
+          <a:p>
+            <a:r>
+              <a:rPr lang="en-AU" dirty="0"/>
+              <a:t>Focusing on testing methods and not requirements</a:t>
+            </a:r>
+          </a:p>
+          <a:p>
+            <a:r>
+              <a:rPr lang="en-AU" dirty="0"/>
+              <a:t>Testing private methods</a:t>
+            </a:r>
+          </a:p>
+          <a:p>
+            <a:pPr lvl="1"/>
+            <a:r>
+              <a:rPr lang="en-AU" dirty="0"/>
+              <a:t>Mocking libraries</a:t>
+            </a:r>
+          </a:p>
+          <a:p>
+            <a:pPr marL="457200" lvl="1" indent="0">
+              <a:buNone/>
+            </a:pPr>
+            <a:r>
+              <a:rPr lang="en-AU" dirty="0"/>
+              <a:t>(Test your external interfaces instead)</a:t>
+            </a:r>
+          </a:p>
+          <a:p>
+            <a:r>
+              <a:rPr lang="en-AU" dirty="0"/>
+              <a:t>Writing the minimum amount of code to make a test pass</a:t>
+            </a:r>
+          </a:p>
+          <a:p>
+            <a:pPr marL="457200" lvl="1" indent="0">
+              <a:buNone/>
+            </a:pPr>
+            <a:r>
+              <a:rPr lang="en-AU" dirty="0"/>
+              <a:t>“</a:t>
+            </a:r>
+            <a:r>
+              <a:rPr lang="en-US" b="0" i="0" kern="1200" dirty="0">
+                <a:solidFill>
+                  <a:schemeClr val="accent1">
+                    <a:lumMod val="75000"/>
+                  </a:schemeClr>
+                </a:solidFill>
+                <a:effectLst/>
+                <a:latin typeface="+mn-lt"/>
+                <a:ea typeface="+mn-ea"/>
+                <a:cs typeface="+mn-cs"/>
+              </a:rPr>
+              <a:t>Would I code day-to-day with steps this small? No.</a:t>
+            </a:r>
+            <a:r>
+              <a:rPr lang="en-AU" dirty="0"/>
+              <a:t>“ – Kent Beck </a:t>
+            </a:r>
+          </a:p>
+          <a:p>
+            <a:endParaRPr lang="en-AU" dirty="0"/>
+          </a:p>
+          <a:p>
+            <a:pPr marL="457200" lvl="1" indent="0">
+              <a:buNone/>
+            </a:pPr>
+            <a:endParaRPr lang="en-AU" dirty="0"/>
+          </a:p>
+          <a:p>
+            <a:pPr marL="457200" lvl="1" indent="0">
+              <a:buNone/>
+            </a:pPr>
+            <a:endParaRPr lang="en-AU" dirty="0"/>
+          </a:p>
+        </p:txBody>
+      </p:sp>
+    </p:spTree>
+    <p:extLst>
+      <p:ext uri="{BB962C8B-B14F-4D97-AF65-F5344CB8AC3E}">
+        <p14:creationId xmlns:p14="http://schemas.microsoft.com/office/powerpoint/2010/main" val="1935208081"/>
+      </p:ext>
+    </p:extLst>
+  </p:cSld>
+  <p:clrMapOvr>
+    <a:masterClrMapping/>
+  </p:clrMapOvr>
+</p:sld>
+</file>
+
+<file path=ppt/slides/slide28.xml><?xml version="1.0" encoding="utf-8"?>
+<p:sld xmlns:a="http://schemas.openxmlformats.org/drawingml/2006/main" xmlns:r="http://schemas.openxmlformats.org/officeDocument/2006/relationships" xmlns:p="http://schemas.openxmlformats.org/presentationml/2006/main">
+  <p:cSld>
+    <p:spTree>
+      <p:nvGrpSpPr>
+        <p:cNvPr id="1" name=""/>
+        <p:cNvGrpSpPr/>
+        <p:nvPr/>
+      </p:nvGrpSpPr>
+      <p:grpSpPr>
+        <a:xfrm>
+          <a:off x="0" y="0"/>
+          <a:ext cx="0" cy="0"/>
+          <a:chOff x="0" y="0"/>
+          <a:chExt cx="0" cy="0"/>
+        </a:xfrm>
+      </p:grpSpPr>
+      <p:sp>
+        <p:nvSpPr>
+          <p:cNvPr id="2" name="Title 1">
+            <a:extLst>
+              <a:ext uri="{FF2B5EF4-FFF2-40B4-BE49-F238E27FC236}">
+                <a16:creationId xmlns:a16="http://schemas.microsoft.com/office/drawing/2014/main" id="{606CDBF4-07E0-47F3-9B0F-3F84D8503F99}"/>
+              </a:ext>
+            </a:extLst>
+          </p:cNvPr>
+          <p:cNvSpPr>
+            <a:spLocks noGrp="1"/>
+          </p:cNvSpPr>
+          <p:nvPr>
+            <p:ph type="title"/>
+          </p:nvPr>
+        </p:nvSpPr>
+        <p:spPr/>
+        <p:txBody>
+          <a:bodyPr/>
+          <a:lstStyle/>
+          <a:p>
+            <a:r>
+              <a:rPr lang="en-US" dirty="0"/>
+              <a:t>Fake it till you make it.</a:t>
+            </a:r>
+            <a:endParaRPr lang="en-AU" dirty="0"/>
+          </a:p>
+        </p:txBody>
+      </p:sp>
+      <p:sp>
+        <p:nvSpPr>
+          <p:cNvPr id="3" name="Content Placeholder 2">
+            <a:extLst>
+              <a:ext uri="{FF2B5EF4-FFF2-40B4-BE49-F238E27FC236}">
+                <a16:creationId xmlns:a16="http://schemas.microsoft.com/office/drawing/2014/main" id="{6091E715-CDAF-46C3-8436-D5343D7A2252}"/>
+              </a:ext>
+            </a:extLst>
+          </p:cNvPr>
+          <p:cNvSpPr>
+            <a:spLocks noGrp="1"/>
+          </p:cNvSpPr>
+          <p:nvPr>
+            <p:ph idx="1"/>
+          </p:nvPr>
+        </p:nvSpPr>
+        <p:spPr>
+          <a:xfrm>
+            <a:off x="838200" y="1825624"/>
+            <a:ext cx="10515600" cy="3451225"/>
+          </a:xfrm>
+        </p:spPr>
+        <p:txBody>
+          <a:bodyPr>
+            <a:normAutofit/>
+          </a:bodyPr>
+          <a:lstStyle/>
+          <a:p>
+            <a:r>
+              <a:rPr lang="en-AU" dirty="0">
+                <a:hlinkClick r:id="rId3"/>
+              </a:rPr>
+              <a:t>https://www.martinfowler.com/articles/mocksArentStubs.html</a:t>
+            </a:r>
+            <a:endParaRPr lang="en-AU" dirty="0"/>
+          </a:p>
+          <a:p>
+            <a:r>
+              <a:rPr lang="en-AU" dirty="0"/>
+              <a:t>Mocks and Stubs,</a:t>
+            </a:r>
+            <a:r>
+              <a:rPr lang="en-AU" strike="sngStrike" dirty="0"/>
+              <a:t> Fakes, Test Doubles</a:t>
+            </a:r>
+          </a:p>
+          <a:p>
+            <a:pPr fontAlgn="base"/>
+            <a:r>
+              <a:rPr lang="en-US" b="1" dirty="0"/>
+              <a:t>Stub </a:t>
+            </a:r>
+            <a:r>
+              <a:rPr lang="en-US" dirty="0"/>
+              <a:t>- an object that you write to provide predefined answers to method calls</a:t>
+            </a:r>
+          </a:p>
+          <a:p>
+            <a:pPr fontAlgn="base"/>
+            <a:r>
+              <a:rPr lang="en-US" b="1" dirty="0"/>
+              <a:t>Mock </a:t>
+            </a:r>
+            <a:r>
+              <a:rPr lang="en-US" dirty="0"/>
+              <a:t>- an object (generally using an external library) on which you set expectations that are asserted against.</a:t>
+            </a:r>
+            <a:endParaRPr lang="en-AU" dirty="0"/>
+          </a:p>
+        </p:txBody>
+      </p:sp>
+      <p:pic>
+        <p:nvPicPr>
+          <p:cNvPr id="5" name="Picture 4">
+            <a:extLst>
+              <a:ext uri="{FF2B5EF4-FFF2-40B4-BE49-F238E27FC236}">
+                <a16:creationId xmlns:a16="http://schemas.microsoft.com/office/drawing/2014/main" id="{0903A04B-2992-44CA-B5BC-0053B065F406}"/>
+              </a:ext>
+            </a:extLst>
+          </p:cNvPr>
+          <p:cNvPicPr>
+            <a:picLocks noChangeAspect="1"/>
+          </p:cNvPicPr>
+          <p:nvPr/>
+        </p:nvPicPr>
+        <p:blipFill>
+          <a:blip r:embed="rId4">
+            <a:extLst>
+              <a:ext uri="{28A0092B-C50C-407E-A947-70E740481C1C}">
+                <a14:useLocalDpi xmlns:a14="http://schemas.microsoft.com/office/drawing/2010/main" val="0"/>
+              </a:ext>
+            </a:extLst>
+          </a:blip>
+          <a:stretch>
+            <a:fillRect/>
+          </a:stretch>
+        </p:blipFill>
+        <p:spPr>
+          <a:xfrm>
+            <a:off x="8147050" y="4362449"/>
+            <a:ext cx="3530600" cy="2206625"/>
+          </a:xfrm>
+          <a:prstGeom prst="rect">
+            <a:avLst/>
+          </a:prstGeom>
+        </p:spPr>
+      </p:pic>
+    </p:spTree>
+    <p:extLst>
+      <p:ext uri="{BB962C8B-B14F-4D97-AF65-F5344CB8AC3E}">
+        <p14:creationId xmlns:p14="http://schemas.microsoft.com/office/powerpoint/2010/main" val="3584403926"/>
+      </p:ext>
+    </p:extLst>
+  </p:cSld>
+  <p:clrMapOvr>
+    <a:masterClrMapping/>
+  </p:clrMapOvr>
+</p:sld>
+</file>
+
+<file path=ppt/slides/slide29.xml><?xml version="1.0" encoding="utf-8"?>
+<p:sld xmlns:a="http://schemas.openxmlformats.org/drawingml/2006/main" xmlns:r="http://schemas.openxmlformats.org/officeDocument/2006/relationships" xmlns:p="http://schemas.openxmlformats.org/presentationml/2006/main">
+  <p:cSld>
+    <p:spTree>
+      <p:nvGrpSpPr>
+        <p:cNvPr id="1" name=""/>
+        <p:cNvGrpSpPr/>
+        <p:nvPr/>
+      </p:nvGrpSpPr>
+      <p:grpSpPr>
+        <a:xfrm>
+          <a:off x="0" y="0"/>
+          <a:ext cx="0" cy="0"/>
+          <a:chOff x="0" y="0"/>
+          <a:chExt cx="0" cy="0"/>
+        </a:xfrm>
+      </p:grpSpPr>
+      <p:sp>
+        <p:nvSpPr>
+          <p:cNvPr id="2" name="Title 1">
+            <a:extLst>
+              <a:ext uri="{FF2B5EF4-FFF2-40B4-BE49-F238E27FC236}">
+                <a16:creationId xmlns:a16="http://schemas.microsoft.com/office/drawing/2014/main" id="{A3EF64D9-904B-4CCC-A956-4D5558332A06}"/>
+              </a:ext>
+            </a:extLst>
+          </p:cNvPr>
+          <p:cNvSpPr>
+            <a:spLocks noGrp="1"/>
+          </p:cNvSpPr>
+          <p:nvPr>
+            <p:ph type="title"/>
+          </p:nvPr>
+        </p:nvSpPr>
+        <p:spPr/>
+        <p:txBody>
+          <a:bodyPr/>
+          <a:lstStyle/>
+          <a:p>
+            <a:r>
+              <a:rPr lang="en-AU" dirty="0"/>
+              <a:t>Mock </a:t>
+            </a:r>
+            <a:br>
+              <a:rPr lang="en-AU" dirty="0"/>
+            </a:br>
+            <a:r>
+              <a:rPr lang="en-AU" dirty="0"/>
+              <a:t>Example</a:t>
+            </a:r>
+          </a:p>
+        </p:txBody>
+      </p:sp>
+      <p:pic>
+        <p:nvPicPr>
+          <p:cNvPr id="5" name="Picture 4">
+            <a:extLst>
+              <a:ext uri="{FF2B5EF4-FFF2-40B4-BE49-F238E27FC236}">
+                <a16:creationId xmlns:a16="http://schemas.microsoft.com/office/drawing/2014/main" id="{2D85BA8F-EBA2-4474-A831-C12876FD9B08}"/>
+              </a:ext>
+            </a:extLst>
+          </p:cNvPr>
+          <p:cNvPicPr>
+            <a:picLocks noChangeAspect="1"/>
+          </p:cNvPicPr>
+          <p:nvPr/>
+        </p:nvPicPr>
+        <p:blipFill>
+          <a:blip r:embed="rId3">
+            <a:extLst>
+              <a:ext uri="{28A0092B-C50C-407E-A947-70E740481C1C}">
+                <a14:useLocalDpi xmlns:a14="http://schemas.microsoft.com/office/drawing/2010/main" val="0"/>
+              </a:ext>
+            </a:extLst>
+          </a:blip>
+          <a:stretch>
+            <a:fillRect/>
+          </a:stretch>
+        </p:blipFill>
+        <p:spPr>
+          <a:xfrm>
+            <a:off x="3432140" y="365125"/>
+            <a:ext cx="7921660" cy="5167312"/>
+          </a:xfrm>
+          <a:prstGeom prst="rect">
+            <a:avLst/>
+          </a:prstGeom>
+        </p:spPr>
+      </p:pic>
+    </p:spTree>
+    <p:extLst>
+      <p:ext uri="{BB962C8B-B14F-4D97-AF65-F5344CB8AC3E}">
+        <p14:creationId xmlns:p14="http://schemas.microsoft.com/office/powerpoint/2010/main" val="3940181965"/>
+      </p:ext>
+    </p:extLst>
+  </p:cSld>
+  <p:clrMapOvr>
+    <a:masterClrMapping/>
+  </p:clrMapOvr>
+</p:sld>
+</file>
+
+<file path=ppt/slides/slide3.xml><?xml version="1.0" encoding="utf-8"?>
+<p:sld xmlns:a="http://schemas.openxmlformats.org/drawingml/2006/main" xmlns:r="http://schemas.openxmlformats.org/officeDocument/2006/relationships" xmlns:p="http://schemas.openxmlformats.org/presentationml/2006/main">
+  <p:cSld>
+    <p:spTree>
+      <p:nvGrpSpPr>
+        <p:cNvPr id="1" name=""/>
+        <p:cNvGrpSpPr/>
+        <p:nvPr/>
+      </p:nvGrpSpPr>
+      <p:grpSpPr>
+        <a:xfrm>
+          <a:off x="0" y="0"/>
+          <a:ext cx="0" cy="0"/>
+          <a:chOff x="0" y="0"/>
+          <a:chExt cx="0" cy="0"/>
+        </a:xfrm>
+      </p:grpSpPr>
+      <p:sp>
+        <p:nvSpPr>
+          <p:cNvPr id="2" name="Title 1">
+            <a:extLst>
+              <a:ext uri="{FF2B5EF4-FFF2-40B4-BE49-F238E27FC236}">
+                <a16:creationId xmlns:a16="http://schemas.microsoft.com/office/drawing/2014/main" id="{E9EC9588-8D74-4A2B-9E19-3FDCC59DEA1D}"/>
+              </a:ext>
+            </a:extLst>
+          </p:cNvPr>
+          <p:cNvSpPr>
+            <a:spLocks noGrp="1"/>
+          </p:cNvSpPr>
+          <p:nvPr>
+            <p:ph type="title"/>
+          </p:nvPr>
+        </p:nvSpPr>
+        <p:spPr/>
+        <p:txBody>
+          <a:bodyPr/>
+          <a:lstStyle/>
+          <a:p>
+            <a:r>
+              <a:rPr lang="en-AU" dirty="0"/>
+              <a:t>Test Driven Development</a:t>
+            </a:r>
+          </a:p>
+        </p:txBody>
+      </p:sp>
+      <p:sp>
+        <p:nvSpPr>
+          <p:cNvPr id="3" name="Content Placeholder 2">
+            <a:extLst>
+              <a:ext uri="{FF2B5EF4-FFF2-40B4-BE49-F238E27FC236}">
+                <a16:creationId xmlns:a16="http://schemas.microsoft.com/office/drawing/2014/main" id="{49DA1CEC-D066-4570-A0C5-065C2933DCEB}"/>
+              </a:ext>
+            </a:extLst>
+          </p:cNvPr>
+          <p:cNvSpPr>
+            <a:spLocks noGrp="1"/>
+          </p:cNvSpPr>
+          <p:nvPr>
+            <p:ph idx="1"/>
+          </p:nvPr>
+        </p:nvSpPr>
+        <p:spPr/>
+        <p:txBody>
+          <a:bodyPr/>
+          <a:lstStyle/>
+          <a:p>
+            <a:r>
+              <a:rPr lang="en-AU" dirty="0"/>
+              <a:t>Different types of tests:</a:t>
+            </a:r>
+          </a:p>
+          <a:p>
+            <a:pPr lvl="1"/>
+            <a:r>
+              <a:rPr lang="en-AU" dirty="0"/>
+              <a:t>Integration Test</a:t>
+            </a:r>
+          </a:p>
+          <a:p>
+            <a:pPr lvl="1"/>
+            <a:r>
+              <a:rPr lang="en-AU" dirty="0"/>
+              <a:t>Behaviour Driven Tests</a:t>
+            </a:r>
+          </a:p>
+          <a:p>
+            <a:pPr lvl="1"/>
+            <a:r>
+              <a:rPr lang="en-AU" dirty="0"/>
+              <a:t>Load Testing</a:t>
+            </a:r>
+          </a:p>
+          <a:p>
+            <a:pPr lvl="1"/>
+            <a:r>
+              <a:rPr lang="en-AU" dirty="0"/>
+              <a:t>Unit Tests</a:t>
+            </a:r>
+          </a:p>
+        </p:txBody>
+      </p:sp>
+    </p:spTree>
+    <p:extLst>
+      <p:ext uri="{BB962C8B-B14F-4D97-AF65-F5344CB8AC3E}">
+        <p14:creationId xmlns:p14="http://schemas.microsoft.com/office/powerpoint/2010/main" val="1814829582"/>
+      </p:ext>
+    </p:extLst>
+  </p:cSld>
+  <p:clrMapOvr>
+    <a:masterClrMapping/>
+  </p:clrMapOvr>
+</p:sld>
+</file>
+
+<file path=ppt/slides/slide30.xml><?xml version="1.0" encoding="utf-8"?>
+<p:sld xmlns:a="http://schemas.openxmlformats.org/drawingml/2006/main" xmlns:r="http://schemas.openxmlformats.org/officeDocument/2006/relationships" xmlns:p="http://schemas.openxmlformats.org/presentationml/2006/main">
+  <p:cSld>
+    <p:spTree>
+      <p:nvGrpSpPr>
+        <p:cNvPr id="1" name=""/>
+        <p:cNvGrpSpPr/>
+        <p:nvPr/>
+      </p:nvGrpSpPr>
+      <p:grpSpPr>
+        <a:xfrm>
+          <a:off x="0" y="0"/>
+          <a:ext cx="0" cy="0"/>
+          <a:chOff x="0" y="0"/>
+          <a:chExt cx="0" cy="0"/>
+        </a:xfrm>
+      </p:grpSpPr>
+      <p:sp>
+        <p:nvSpPr>
+          <p:cNvPr id="2" name="Title 1">
+            <a:extLst>
+              <a:ext uri="{FF2B5EF4-FFF2-40B4-BE49-F238E27FC236}">
+                <a16:creationId xmlns:a16="http://schemas.microsoft.com/office/drawing/2014/main" id="{876C7621-5146-4AC3-BB0C-5C48175256FD}"/>
+              </a:ext>
+            </a:extLst>
+          </p:cNvPr>
+          <p:cNvSpPr>
+            <a:spLocks noGrp="1"/>
+          </p:cNvSpPr>
+          <p:nvPr>
+            <p:ph type="title"/>
+          </p:nvPr>
+        </p:nvSpPr>
+        <p:spPr/>
+        <p:txBody>
+          <a:bodyPr/>
+          <a:lstStyle/>
+          <a:p>
+            <a:r>
+              <a:rPr lang="en-AU" dirty="0"/>
+              <a:t>Stub </a:t>
+            </a:r>
+            <a:br>
+              <a:rPr lang="en-AU" dirty="0"/>
+            </a:br>
+            <a:r>
+              <a:rPr lang="en-AU" dirty="0"/>
+              <a:t>Example</a:t>
+            </a:r>
+          </a:p>
+        </p:txBody>
+      </p:sp>
+      <p:pic>
+        <p:nvPicPr>
+          <p:cNvPr id="7" name="Picture 6">
+            <a:extLst>
+              <a:ext uri="{FF2B5EF4-FFF2-40B4-BE49-F238E27FC236}">
+                <a16:creationId xmlns:a16="http://schemas.microsoft.com/office/drawing/2014/main" id="{CFFCA94F-BD8B-456F-9E33-8D1D8FA9D33B}"/>
+              </a:ext>
+            </a:extLst>
+          </p:cNvPr>
+          <p:cNvPicPr>
+            <a:picLocks noChangeAspect="1"/>
+          </p:cNvPicPr>
+          <p:nvPr/>
+        </p:nvPicPr>
+        <p:blipFill>
+          <a:blip r:embed="rId3">
+            <a:extLst>
+              <a:ext uri="{28A0092B-C50C-407E-A947-70E740481C1C}">
+                <a14:useLocalDpi xmlns:a14="http://schemas.microsoft.com/office/drawing/2010/main" val="0"/>
+              </a:ext>
+            </a:extLst>
+          </a:blip>
+          <a:stretch>
+            <a:fillRect/>
+          </a:stretch>
+        </p:blipFill>
+        <p:spPr>
+          <a:xfrm>
+            <a:off x="3456167" y="365125"/>
+            <a:ext cx="5481099" cy="6246690"/>
+          </a:xfrm>
+          <a:prstGeom prst="rect">
+            <a:avLst/>
+          </a:prstGeom>
+        </p:spPr>
+      </p:pic>
+    </p:spTree>
+    <p:extLst>
+      <p:ext uri="{BB962C8B-B14F-4D97-AF65-F5344CB8AC3E}">
+        <p14:creationId xmlns:p14="http://schemas.microsoft.com/office/powerpoint/2010/main" val="2152743575"/>
+      </p:ext>
+    </p:extLst>
+  </p:cSld>
+  <p:clrMapOvr>
+    <a:masterClrMapping/>
+  </p:clrMapOvr>
+</p:sld>
+</file>
+
+<file path=ppt/slides/slide31.xml><?xml version="1.0" encoding="utf-8"?>
+<p:sld xmlns:a="http://schemas.openxmlformats.org/drawingml/2006/main" xmlns:r="http://schemas.openxmlformats.org/officeDocument/2006/relationships" xmlns:p="http://schemas.openxmlformats.org/presentationml/2006/main">
+  <p:cSld>
+    <p:spTree>
+      <p:nvGrpSpPr>
+        <p:cNvPr id="1" name=""/>
+        <p:cNvGrpSpPr/>
+        <p:nvPr/>
+      </p:nvGrpSpPr>
+      <p:grpSpPr>
+        <a:xfrm>
+          <a:off x="0" y="0"/>
+          <a:ext cx="0" cy="0"/>
+          <a:chOff x="0" y="0"/>
+          <a:chExt cx="0" cy="0"/>
+        </a:xfrm>
+      </p:grpSpPr>
+      <p:sp>
+        <p:nvSpPr>
+          <p:cNvPr id="2" name="Title 1">
+            <a:extLst>
+              <a:ext uri="{FF2B5EF4-FFF2-40B4-BE49-F238E27FC236}">
+                <a16:creationId xmlns:a16="http://schemas.microsoft.com/office/drawing/2014/main" id="{637EE417-9F9F-485C-8023-CEB2739DA9EB}"/>
+              </a:ext>
+            </a:extLst>
+          </p:cNvPr>
+          <p:cNvSpPr>
+            <a:spLocks noGrp="1"/>
+          </p:cNvSpPr>
+          <p:nvPr>
+            <p:ph type="title"/>
+          </p:nvPr>
+        </p:nvSpPr>
+        <p:spPr/>
+        <p:txBody>
+          <a:bodyPr/>
+          <a:lstStyle/>
+          <a:p>
+            <a:r>
+              <a:rPr lang="en-AU" dirty="0"/>
+              <a:t>Fluid Extensions</a:t>
+            </a:r>
+          </a:p>
+        </p:txBody>
+      </p:sp>
+      <p:sp>
+        <p:nvSpPr>
+          <p:cNvPr id="3" name="Content Placeholder 2">
+            <a:extLst>
+              <a:ext uri="{FF2B5EF4-FFF2-40B4-BE49-F238E27FC236}">
+                <a16:creationId xmlns:a16="http://schemas.microsoft.com/office/drawing/2014/main" id="{C8429B20-483B-486A-B966-3C1D571D656A}"/>
+              </a:ext>
+            </a:extLst>
+          </p:cNvPr>
+          <p:cNvSpPr>
+            <a:spLocks noGrp="1"/>
+          </p:cNvSpPr>
+          <p:nvPr>
+            <p:ph idx="1"/>
+          </p:nvPr>
+        </p:nvSpPr>
+        <p:spPr>
+          <a:xfrm>
+            <a:off x="838200" y="1825625"/>
+            <a:ext cx="5257800" cy="2831284"/>
+          </a:xfrm>
+        </p:spPr>
+        <p:txBody>
+          <a:bodyPr/>
+          <a:lstStyle/>
+          <a:p>
+            <a:r>
+              <a:rPr lang="en-AU" dirty="0"/>
+              <a:t>Keep your tests simple. KISS</a:t>
+            </a:r>
+          </a:p>
+          <a:p>
+            <a:r>
+              <a:rPr lang="en-AU" dirty="0"/>
+              <a:t>Fluid can help with this.</a:t>
+            </a:r>
+          </a:p>
+          <a:p>
+            <a:endParaRPr lang="en-AU" dirty="0"/>
+          </a:p>
+        </p:txBody>
+      </p:sp>
+      <p:pic>
+        <p:nvPicPr>
+          <p:cNvPr id="5" name="Picture 4">
+            <a:extLst>
+              <a:ext uri="{FF2B5EF4-FFF2-40B4-BE49-F238E27FC236}">
+                <a16:creationId xmlns:a16="http://schemas.microsoft.com/office/drawing/2014/main" id="{A8329655-DC13-48FC-A791-30C39C3233C9}"/>
+              </a:ext>
+            </a:extLst>
+          </p:cNvPr>
+          <p:cNvPicPr>
+            <a:picLocks noChangeAspect="1"/>
+          </p:cNvPicPr>
+          <p:nvPr/>
+        </p:nvPicPr>
+        <p:blipFill>
+          <a:blip r:embed="rId3">
+            <a:extLst>
+              <a:ext uri="{28A0092B-C50C-407E-A947-70E740481C1C}">
+                <a14:useLocalDpi xmlns:a14="http://schemas.microsoft.com/office/drawing/2010/main" val="0"/>
+              </a:ext>
+            </a:extLst>
+          </a:blip>
+          <a:stretch>
+            <a:fillRect/>
+          </a:stretch>
+        </p:blipFill>
+        <p:spPr>
+          <a:xfrm>
+            <a:off x="5393443" y="1690688"/>
+            <a:ext cx="6541736" cy="2907438"/>
+          </a:xfrm>
+          <a:prstGeom prst="rect">
+            <a:avLst/>
+          </a:prstGeom>
+        </p:spPr>
+      </p:pic>
+      <p:pic>
+        <p:nvPicPr>
+          <p:cNvPr id="7" name="Picture 6">
+            <a:extLst>
+              <a:ext uri="{FF2B5EF4-FFF2-40B4-BE49-F238E27FC236}">
+                <a16:creationId xmlns:a16="http://schemas.microsoft.com/office/drawing/2014/main" id="{5170542A-FEE3-457C-90EE-22B113E5D5EA}"/>
+              </a:ext>
+            </a:extLst>
+          </p:cNvPr>
+          <p:cNvPicPr>
+            <a:picLocks noChangeAspect="1"/>
+          </p:cNvPicPr>
+          <p:nvPr/>
+        </p:nvPicPr>
+        <p:blipFill>
+          <a:blip r:embed="rId4">
+            <a:extLst>
+              <a:ext uri="{28A0092B-C50C-407E-A947-70E740481C1C}">
+                <a14:useLocalDpi xmlns:a14="http://schemas.microsoft.com/office/drawing/2010/main" val="0"/>
+              </a:ext>
+            </a:extLst>
+          </a:blip>
+          <a:stretch>
+            <a:fillRect/>
+          </a:stretch>
+        </p:blipFill>
+        <p:spPr>
+          <a:xfrm>
+            <a:off x="838200" y="4914558"/>
+            <a:ext cx="11096980" cy="1198101"/>
+          </a:xfrm>
+          <a:prstGeom prst="rect">
+            <a:avLst/>
+          </a:prstGeom>
+        </p:spPr>
+      </p:pic>
+    </p:spTree>
+    <p:extLst>
+      <p:ext uri="{BB962C8B-B14F-4D97-AF65-F5344CB8AC3E}">
+        <p14:creationId xmlns:p14="http://schemas.microsoft.com/office/powerpoint/2010/main" val="3516004291"/>
+      </p:ext>
+    </p:extLst>
+  </p:cSld>
+  <p:clrMapOvr>
+    <a:masterClrMapping/>
+  </p:clrMapOvr>
+</p:sld>
+</file>
+
+<file path=ppt/slides/slide32.xml><?xml version="1.0" encoding="utf-8"?>
+<p:sld xmlns:a="http://schemas.openxmlformats.org/drawingml/2006/main" xmlns:r="http://schemas.openxmlformats.org/officeDocument/2006/relationships" xmlns:p="http://schemas.openxmlformats.org/presentationml/2006/main">
+  <p:cSld>
+    <p:spTree>
+      <p:nvGrpSpPr>
+        <p:cNvPr id="1" name=""/>
+        <p:cNvGrpSpPr/>
+        <p:nvPr/>
+      </p:nvGrpSpPr>
+      <p:grpSpPr>
+        <a:xfrm>
+          <a:off x="0" y="0"/>
+          <a:ext cx="0" cy="0"/>
+          <a:chOff x="0" y="0"/>
+          <a:chExt cx="0" cy="0"/>
+        </a:xfrm>
+      </p:grpSpPr>
+      <p:sp>
+        <p:nvSpPr>
+          <p:cNvPr id="2" name="Title 1">
+            <a:extLst>
+              <a:ext uri="{FF2B5EF4-FFF2-40B4-BE49-F238E27FC236}">
+                <a16:creationId xmlns:a16="http://schemas.microsoft.com/office/drawing/2014/main" id="{A019BC01-A07A-4592-9496-AB51FF935E02}"/>
+              </a:ext>
+            </a:extLst>
+          </p:cNvPr>
+          <p:cNvSpPr>
+            <a:spLocks noGrp="1"/>
+          </p:cNvSpPr>
+          <p:nvPr>
+            <p:ph type="title"/>
+          </p:nvPr>
+        </p:nvSpPr>
+        <p:spPr/>
+        <p:txBody>
+          <a:bodyPr/>
+          <a:lstStyle/>
+          <a:p>
+            <a:r>
+              <a:rPr lang="en-AU" dirty="0"/>
+              <a:t>In Memory Database</a:t>
+            </a:r>
+          </a:p>
+        </p:txBody>
+      </p:sp>
+      <p:sp>
+        <p:nvSpPr>
+          <p:cNvPr id="3" name="Content Placeholder 2">
+            <a:extLst>
+              <a:ext uri="{FF2B5EF4-FFF2-40B4-BE49-F238E27FC236}">
+                <a16:creationId xmlns:a16="http://schemas.microsoft.com/office/drawing/2014/main" id="{B7C94724-9C80-46C2-A887-D82F0D923C35}"/>
+              </a:ext>
+            </a:extLst>
+          </p:cNvPr>
+          <p:cNvSpPr>
+            <a:spLocks noGrp="1"/>
+          </p:cNvSpPr>
+          <p:nvPr>
+            <p:ph idx="1"/>
+          </p:nvPr>
+        </p:nvSpPr>
+        <p:spPr/>
+        <p:txBody>
+          <a:bodyPr/>
+          <a:lstStyle/>
+          <a:p>
+            <a:r>
+              <a:rPr lang="en-AU" dirty="0"/>
+              <a:t>Something that came out in entity framework </a:t>
+            </a:r>
+            <a:r>
+              <a:rPr lang="en-AU" dirty="0" err="1"/>
+              <a:t>.Net</a:t>
+            </a:r>
+            <a:r>
+              <a:rPr lang="en-AU" dirty="0"/>
+              <a:t> core</a:t>
+            </a:r>
+          </a:p>
+          <a:p>
+            <a:r>
+              <a:rPr lang="en-AU" dirty="0"/>
+              <a:t>Bit of a game changer</a:t>
+            </a:r>
+          </a:p>
+          <a:p>
+            <a:r>
+              <a:rPr lang="en-AU" dirty="0"/>
+              <a:t>Don’t Test CRUD</a:t>
+            </a:r>
+          </a:p>
+          <a:p>
+            <a:r>
+              <a:rPr lang="en-US" dirty="0"/>
+              <a:t>Test driven implementation of Searching, Filtering, Ordering and Pagination.</a:t>
+            </a:r>
+          </a:p>
+          <a:p>
+            <a:pPr marL="457200" lvl="1" indent="0">
+              <a:buNone/>
+            </a:pPr>
+            <a:r>
+              <a:rPr lang="en-AU" dirty="0">
+                <a:hlinkClick r:id="rId3"/>
+              </a:rPr>
+              <a:t>https://github.com/JoelViney/CorePaginationExample</a:t>
+            </a:r>
+            <a:endParaRPr lang="en-AU" dirty="0"/>
+          </a:p>
+          <a:p>
+            <a:r>
+              <a:rPr lang="en-AU" dirty="0"/>
+              <a:t>Jason Taylor’s Presentation on the InMemory Provider</a:t>
+            </a:r>
+          </a:p>
+          <a:p>
+            <a:pPr marL="457200" lvl="1" indent="0">
+              <a:buNone/>
+            </a:pPr>
+            <a:r>
+              <a:rPr lang="en-AU" dirty="0">
+                <a:solidFill>
+                  <a:schemeClr val="tx2"/>
+                </a:solidFill>
+                <a:hlinkClick r:id="rId4"/>
+              </a:rPr>
+              <a:t>https://www.youtube.com/watch?v=UON5Rr_CL2M</a:t>
+            </a:r>
+            <a:endParaRPr lang="en-AU" dirty="0"/>
+          </a:p>
+          <a:p>
+            <a:endParaRPr lang="en-AU" dirty="0"/>
+          </a:p>
+        </p:txBody>
+      </p:sp>
+    </p:spTree>
+    <p:extLst>
+      <p:ext uri="{BB962C8B-B14F-4D97-AF65-F5344CB8AC3E}">
+        <p14:creationId xmlns:p14="http://schemas.microsoft.com/office/powerpoint/2010/main" val="2416987832"/>
+      </p:ext>
+    </p:extLst>
+  </p:cSld>
+  <p:clrMapOvr>
+    <a:masterClrMapping/>
+  </p:clrMapOvr>
+</p:sld>
+</file>
+
+<file path=ppt/slides/slide33.xml><?xml version="1.0" encoding="utf-8"?>
+<p:sld xmlns:a="http://schemas.openxmlformats.org/drawingml/2006/main" xmlns:r="http://schemas.openxmlformats.org/officeDocument/2006/relationships" xmlns:p="http://schemas.openxmlformats.org/presentationml/2006/main">
+  <p:cSld>
+    <p:spTree>
+      <p:nvGrpSpPr>
+        <p:cNvPr id="1" name=""/>
+        <p:cNvGrpSpPr/>
+        <p:nvPr/>
+      </p:nvGrpSpPr>
+      <p:grpSpPr>
+        <a:xfrm>
+          <a:off x="0" y="0"/>
+          <a:ext cx="0" cy="0"/>
+          <a:chOff x="0" y="0"/>
+          <a:chExt cx="0" cy="0"/>
+        </a:xfrm>
+      </p:grpSpPr>
+      <p:sp>
+        <p:nvSpPr>
+          <p:cNvPr id="2" name="Title 1">
+            <a:extLst>
+              <a:ext uri="{FF2B5EF4-FFF2-40B4-BE49-F238E27FC236}">
+                <a16:creationId xmlns:a16="http://schemas.microsoft.com/office/drawing/2014/main" id="{DB7D9FF5-7AB1-4AA0-B947-8C57D6B6FF23}"/>
+              </a:ext>
+            </a:extLst>
+          </p:cNvPr>
+          <p:cNvSpPr>
+            <a:spLocks noGrp="1"/>
+          </p:cNvSpPr>
+          <p:nvPr>
+            <p:ph type="title"/>
+          </p:nvPr>
+        </p:nvSpPr>
+        <p:spPr/>
+        <p:txBody>
+          <a:bodyPr/>
+          <a:lstStyle/>
+          <a:p>
+            <a:r>
+              <a:rPr lang="en-AU" dirty="0"/>
+              <a:t>In Memory Database - Setup</a:t>
+            </a:r>
+          </a:p>
+        </p:txBody>
+      </p:sp>
+      <p:sp>
+        <p:nvSpPr>
+          <p:cNvPr id="3" name="Content Placeholder 2">
+            <a:extLst>
+              <a:ext uri="{FF2B5EF4-FFF2-40B4-BE49-F238E27FC236}">
+                <a16:creationId xmlns:a16="http://schemas.microsoft.com/office/drawing/2014/main" id="{EA48DAE9-C8FF-4ED2-A658-0CDA6B1EC6AF}"/>
+              </a:ext>
+            </a:extLst>
+          </p:cNvPr>
+          <p:cNvSpPr>
+            <a:spLocks noGrp="1"/>
+          </p:cNvSpPr>
+          <p:nvPr>
+            <p:ph idx="1"/>
+          </p:nvPr>
+        </p:nvSpPr>
+        <p:spPr>
+          <a:xfrm>
+            <a:off x="838200" y="1825625"/>
+            <a:ext cx="10515600" cy="654928"/>
+          </a:xfrm>
+        </p:spPr>
+        <p:txBody>
+          <a:bodyPr/>
+          <a:lstStyle/>
+          <a:p>
+            <a:r>
+              <a:rPr lang="en-AU" dirty="0"/>
+              <a:t>Install-Package Microsoft.EntityFrameworkCore.InMemory</a:t>
+            </a:r>
+          </a:p>
+          <a:p>
+            <a:endParaRPr lang="en-AU" dirty="0"/>
+          </a:p>
+        </p:txBody>
+      </p:sp>
+      <p:pic>
+        <p:nvPicPr>
+          <p:cNvPr id="5" name="Picture 4">
+            <a:extLst>
+              <a:ext uri="{FF2B5EF4-FFF2-40B4-BE49-F238E27FC236}">
+                <a16:creationId xmlns:a16="http://schemas.microsoft.com/office/drawing/2014/main" id="{CE50F49A-F698-4C89-AF83-FA2821BB64FE}"/>
+              </a:ext>
+            </a:extLst>
+          </p:cNvPr>
+          <p:cNvPicPr>
+            <a:picLocks noChangeAspect="1"/>
+          </p:cNvPicPr>
+          <p:nvPr/>
+        </p:nvPicPr>
+        <p:blipFill>
+          <a:blip r:embed="rId3">
+            <a:extLst>
+              <a:ext uri="{28A0092B-C50C-407E-A947-70E740481C1C}">
+                <a14:useLocalDpi xmlns:a14="http://schemas.microsoft.com/office/drawing/2010/main" val="0"/>
+              </a:ext>
+            </a:extLst>
+          </a:blip>
+          <a:stretch>
+            <a:fillRect/>
+          </a:stretch>
+        </p:blipFill>
+        <p:spPr>
+          <a:xfrm>
+            <a:off x="1157591" y="2431249"/>
+            <a:ext cx="10123520" cy="3726360"/>
+          </a:xfrm>
+          <a:prstGeom prst="rect">
+            <a:avLst/>
+          </a:prstGeom>
+        </p:spPr>
+      </p:pic>
+    </p:spTree>
+    <p:extLst>
+      <p:ext uri="{BB962C8B-B14F-4D97-AF65-F5344CB8AC3E}">
+        <p14:creationId xmlns:p14="http://schemas.microsoft.com/office/powerpoint/2010/main" val="1181967234"/>
+      </p:ext>
+    </p:extLst>
+  </p:cSld>
+  <p:clrMapOvr>
+    <a:masterClrMapping/>
+  </p:clrMapOvr>
+</p:sld>
+</file>
+
+<file path=ppt/slides/slide34.xml><?xml version="1.0" encoding="utf-8"?>
+<p:sld xmlns:a="http://schemas.openxmlformats.org/drawingml/2006/main" xmlns:r="http://schemas.openxmlformats.org/officeDocument/2006/relationships" xmlns:p="http://schemas.openxmlformats.org/presentationml/2006/main">
+  <p:cSld>
+    <p:spTree>
+      <p:nvGrpSpPr>
+        <p:cNvPr id="1" name=""/>
+        <p:cNvGrpSpPr/>
+        <p:nvPr/>
+      </p:nvGrpSpPr>
+      <p:grpSpPr>
+        <a:xfrm>
+          <a:off x="0" y="0"/>
+          <a:ext cx="0" cy="0"/>
+          <a:chOff x="0" y="0"/>
+          <a:chExt cx="0" cy="0"/>
+        </a:xfrm>
+      </p:grpSpPr>
+      <p:sp>
+        <p:nvSpPr>
+          <p:cNvPr id="2" name="Title 1">
+            <a:extLst>
+              <a:ext uri="{FF2B5EF4-FFF2-40B4-BE49-F238E27FC236}">
                 <a16:creationId xmlns:a16="http://schemas.microsoft.com/office/drawing/2014/main" id="{6E1D4E54-9C66-44D4-A2C2-A1C57B57B12F}"/>
               </a:ext>
             </a:extLst>
@@ -10125,7 +13242,7 @@
 </p:sld>
 </file>
 
-<file path=ppt/slides/slide21.xml><?xml version="1.0" encoding="utf-8"?>
+<file path=ppt/slides/slide35.xml><?xml version="1.0" encoding="utf-8"?>
 <p:sld xmlns:a="http://schemas.openxmlformats.org/drawingml/2006/main" xmlns:r="http://schemas.openxmlformats.org/officeDocument/2006/relationships" xmlns:p="http://schemas.openxmlformats.org/presentationml/2006/main">
   <p:cSld>
     <p:spTree>
@@ -10147,7 +13264,7 @@
           <p:cNvPr id="2" name="Title 1">
             <a:extLst>
               <a:ext uri="{FF2B5EF4-FFF2-40B4-BE49-F238E27FC236}">
-                <a16:creationId xmlns:a16="http://schemas.microsoft.com/office/drawing/2014/main" id="{606CDBF4-07E0-47F3-9B0F-3F84D8503F99}"/>
+                <a16:creationId xmlns:a16="http://schemas.microsoft.com/office/drawing/2014/main" id="{9EE62851-B662-4C62-A52D-54B151F97CD9}"/>
               </a:ext>
             </a:extLst>
           </p:cNvPr>
@@ -10164,124 +13281,71 @@
           <a:lstStyle/>
           <a:p>
             <a:r>
-              <a:rPr lang="en-US" dirty="0"/>
-              <a:t>Fake it till you make it.</a:t>
-            </a:r>
+              <a:rPr lang="en-AU" dirty="0"/>
+              <a:t>But, how do I learn TDD?</a:t>
+            </a:r>
+          </a:p>
+        </p:txBody>
+      </p:sp>
+      <p:sp>
+        <p:nvSpPr>
+          <p:cNvPr id="3" name="Content Placeholder 2">
+            <a:extLst>
+              <a:ext uri="{FF2B5EF4-FFF2-40B4-BE49-F238E27FC236}">
+                <a16:creationId xmlns:a16="http://schemas.microsoft.com/office/drawing/2014/main" id="{9DB2DA8C-532C-4EFC-8087-3D2974A3776D}"/>
+              </a:ext>
+            </a:extLst>
+          </p:cNvPr>
+          <p:cNvSpPr>
+            <a:spLocks noGrp="1"/>
+          </p:cNvSpPr>
+          <p:nvPr>
+            <p:ph idx="1"/>
+          </p:nvPr>
+        </p:nvSpPr>
+        <p:spPr/>
+        <p:txBody>
+          <a:bodyPr/>
+          <a:lstStyle/>
+          <a:p>
+            <a:r>
+              <a:rPr lang="en-AU" dirty="0"/>
+              <a:t>Ironically start with an integration test.</a:t>
+            </a:r>
+          </a:p>
+          <a:p>
+            <a:r>
+              <a:rPr lang="en-AU" dirty="0"/>
+              <a:t>That could use local file system or azure storage.</a:t>
+            </a:r>
+          </a:p>
+          <a:p>
+            <a:r>
+              <a:rPr lang="en-AU" dirty="0"/>
+              <a:t>Get the hang of writing tests.</a:t>
+            </a:r>
+          </a:p>
+          <a:p>
+            <a:r>
+              <a:rPr lang="en-AU" dirty="0"/>
+              <a:t>Try to keep your tests short… (e.g. 10 lines of code or less).</a:t>
+            </a:r>
+          </a:p>
+          <a:p>
             <a:endParaRPr lang="en-AU" dirty="0"/>
           </a:p>
-        </p:txBody>
-      </p:sp>
-      <p:sp>
-        <p:nvSpPr>
-          <p:cNvPr id="3" name="Content Placeholder 2">
-            <a:extLst>
-              <a:ext uri="{FF2B5EF4-FFF2-40B4-BE49-F238E27FC236}">
-                <a16:creationId xmlns:a16="http://schemas.microsoft.com/office/drawing/2014/main" id="{6091E715-CDAF-46C3-8436-D5343D7A2252}"/>
-              </a:ext>
-            </a:extLst>
-          </p:cNvPr>
-          <p:cNvSpPr>
-            <a:spLocks noGrp="1"/>
-          </p:cNvSpPr>
-          <p:nvPr>
-            <p:ph idx="1"/>
-          </p:nvPr>
-        </p:nvSpPr>
-        <p:spPr>
-          <a:xfrm>
-            <a:off x="838200" y="1825624"/>
-            <a:ext cx="10515600" cy="3451225"/>
-          </a:xfrm>
-        </p:spPr>
-        <p:txBody>
-          <a:bodyPr>
-            <a:normAutofit/>
-          </a:bodyPr>
-          <a:lstStyle/>
-          <a:p>
-            <a:r>
-              <a:rPr lang="en-AU" dirty="0">
-                <a:hlinkClick r:id="rId3"/>
-              </a:rPr>
-              <a:t>https://www.martinfowler.com/articles/mocksArentStubs.html</a:t>
-            </a:r>
-            <a:endParaRPr lang="en-AU" dirty="0"/>
-          </a:p>
-          <a:p>
-            <a:r>
-              <a:rPr lang="en-AU" dirty="0"/>
-              <a:t>Mocks and Stubs,</a:t>
-            </a:r>
-            <a:r>
-              <a:rPr lang="en-AU" strike="sngStrike" dirty="0"/>
-              <a:t> Fakes, Test Doubles</a:t>
-            </a:r>
-          </a:p>
-          <a:p>
-            <a:pPr fontAlgn="base"/>
-            <a:r>
-              <a:rPr lang="en-US" b="1" dirty="0"/>
-              <a:t>Stub </a:t>
-            </a:r>
-            <a:r>
-              <a:rPr lang="en-US" dirty="0"/>
-              <a:t>- an object that you write to provide predefined answers to method calls</a:t>
-            </a:r>
-          </a:p>
-          <a:p>
-            <a:pPr fontAlgn="base"/>
-            <a:r>
-              <a:rPr lang="en-US" b="1" dirty="0"/>
-              <a:t>Mock </a:t>
-            </a:r>
-            <a:r>
-              <a:rPr lang="en-US" dirty="0"/>
-              <a:t>- an object (generally using an external library) on which you set expectations that are asserted against.</a:t>
-            </a:r>
-            <a:endParaRPr lang="en-AU" dirty="0"/>
-          </a:p>
-        </p:txBody>
-      </p:sp>
-      <p:pic>
-        <p:nvPicPr>
-          <p:cNvPr id="5" name="Picture 4">
-            <a:extLst>
-              <a:ext uri="{FF2B5EF4-FFF2-40B4-BE49-F238E27FC236}">
-                <a16:creationId xmlns:a16="http://schemas.microsoft.com/office/drawing/2014/main" id="{0903A04B-2992-44CA-B5BC-0053B065F406}"/>
-              </a:ext>
-            </a:extLst>
-          </p:cNvPr>
-          <p:cNvPicPr>
-            <a:picLocks noChangeAspect="1"/>
-          </p:cNvPicPr>
-          <p:nvPr/>
-        </p:nvPicPr>
-        <p:blipFill>
-          <a:blip r:embed="rId4">
-            <a:extLst>
-              <a:ext uri="{28A0092B-C50C-407E-A947-70E740481C1C}">
-                <a14:useLocalDpi xmlns:a14="http://schemas.microsoft.com/office/drawing/2010/main" val="0"/>
-              </a:ext>
-            </a:extLst>
-          </a:blip>
-          <a:stretch>
-            <a:fillRect/>
-          </a:stretch>
-        </p:blipFill>
-        <p:spPr>
-          <a:xfrm>
-            <a:off x="8147050" y="4362449"/>
-            <a:ext cx="3530600" cy="2206625"/>
-          </a:xfrm>
-          <a:prstGeom prst="rect">
-            <a:avLst/>
-          </a:prstGeom>
-        </p:spPr>
-      </p:pic>
+          <a:p>
+            <a:r>
+              <a:rPr lang="en-AU" dirty="0"/>
+              <a:t>Find a complex problem, TDD it.</a:t>
+            </a:r>
+          </a:p>
+        </p:txBody>
+      </p:sp>
     </p:spTree>
     <p:extLst>
       <p:ext uri="{BB962C8B-B14F-4D97-AF65-F5344CB8AC3E}">
-        <p14:creationId xmlns:p14="http://schemas.microsoft.com/office/powerpoint/2010/main" val="3584403926"/>
+        <p14:creationId xmlns:p14="http://schemas.microsoft.com/office/powerpoint/2010/main" val="587938621"/>
       </p:ext>
     </p:extLst>
   </p:cSld>
@@ -10291,7 +13355,7 @@
 </p:sld>
 </file>
 
-<file path=ppt/slides/slide22.xml><?xml version="1.0" encoding="utf-8"?>
+<file path=ppt/slides/slide36.xml><?xml version="1.0" encoding="utf-8"?>
 <p:sld xmlns:a="http://schemas.openxmlformats.org/drawingml/2006/main" xmlns:r="http://schemas.openxmlformats.org/officeDocument/2006/relationships" xmlns:p="http://schemas.openxmlformats.org/presentationml/2006/main">
   <p:cSld>
     <p:spTree>
@@ -10313,7 +13377,7 @@
           <p:cNvPr id="2" name="Title 1">
             <a:extLst>
               <a:ext uri="{FF2B5EF4-FFF2-40B4-BE49-F238E27FC236}">
-                <a16:creationId xmlns:a16="http://schemas.microsoft.com/office/drawing/2014/main" id="{A3EF64D9-904B-4CCC-A956-4D5558332A06}"/>
+                <a16:creationId xmlns:a16="http://schemas.microsoft.com/office/drawing/2014/main" id="{C5A83C7B-CD5D-4DFA-AA81-767DD936EE60}"/>
               </a:ext>
             </a:extLst>
           </p:cNvPr>
@@ -10331,58 +13395,85 @@
           <a:p>
             <a:r>
               <a:rPr lang="en-AU" dirty="0"/>
-              <a:t>Mock </a:t>
-            </a:r>
-            <a:br>
-              <a:rPr lang="en-AU" dirty="0"/>
-            </a:br>
-            <a:r>
-              <a:rPr lang="en-AU" dirty="0"/>
-              <a:t>Example</a:t>
-            </a:r>
-          </a:p>
-        </p:txBody>
-      </p:sp>
-      <p:pic>
-        <p:nvPicPr>
-          <p:cNvPr id="5" name="Picture 4">
-            <a:extLst>
-              <a:ext uri="{FF2B5EF4-FFF2-40B4-BE49-F238E27FC236}">
-                <a16:creationId xmlns:a16="http://schemas.microsoft.com/office/drawing/2014/main" id="{2D85BA8F-EBA2-4474-A831-C12876FD9B08}"/>
-              </a:ext>
-            </a:extLst>
-          </p:cNvPr>
-          <p:cNvPicPr>
-            <a:picLocks noChangeAspect="1"/>
-          </p:cNvPicPr>
-          <p:nvPr/>
-        </p:nvPicPr>
-        <p:blipFill>
-          <a:blip r:embed="rId3">
-            <a:extLst>
-              <a:ext uri="{28A0092B-C50C-407E-A947-70E740481C1C}">
-                <a14:useLocalDpi xmlns:a14="http://schemas.microsoft.com/office/drawing/2010/main" val="0"/>
-              </a:ext>
-            </a:extLst>
-          </a:blip>
-          <a:stretch>
-            <a:fillRect/>
-          </a:stretch>
-        </p:blipFill>
-        <p:spPr>
-          <a:xfrm>
-            <a:off x="3432140" y="365125"/>
-            <a:ext cx="7921660" cy="5167312"/>
-          </a:xfrm>
-          <a:prstGeom prst="rect">
-            <a:avLst/>
-          </a:prstGeom>
-        </p:spPr>
-      </p:pic>
+              <a:t>Summary</a:t>
+            </a:r>
+          </a:p>
+        </p:txBody>
+      </p:sp>
+      <p:sp>
+        <p:nvSpPr>
+          <p:cNvPr id="3" name="Content Placeholder 2">
+            <a:extLst>
+              <a:ext uri="{FF2B5EF4-FFF2-40B4-BE49-F238E27FC236}">
+                <a16:creationId xmlns:a16="http://schemas.microsoft.com/office/drawing/2014/main" id="{65F34354-011D-422D-B293-D3DDA9E75B9D}"/>
+              </a:ext>
+            </a:extLst>
+          </p:cNvPr>
+          <p:cNvSpPr>
+            <a:spLocks noGrp="1"/>
+          </p:cNvSpPr>
+          <p:nvPr>
+            <p:ph idx="1"/>
+          </p:nvPr>
+        </p:nvSpPr>
+        <p:spPr/>
+        <p:txBody>
+          <a:bodyPr/>
+          <a:lstStyle/>
+          <a:p>
+            <a:r>
+              <a:rPr lang="en-AU" dirty="0"/>
+              <a:t>Different Types of Tests</a:t>
+            </a:r>
+          </a:p>
+          <a:p>
+            <a:r>
+              <a:rPr lang="en-AU" dirty="0"/>
+              <a:t>How to do test driven development</a:t>
+            </a:r>
+          </a:p>
+          <a:p>
+            <a:r>
+              <a:rPr lang="en-AU" dirty="0"/>
+              <a:t>Best Practice / Pitfalls</a:t>
+            </a:r>
+          </a:p>
+          <a:p>
+            <a:r>
+              <a:rPr lang="en-AU" dirty="0"/>
+              <a:t>Emergent Design</a:t>
+            </a:r>
+          </a:p>
+          <a:p>
+            <a:r>
+              <a:rPr lang="en-AU" dirty="0"/>
+              <a:t>Mocks and Stubs</a:t>
+            </a:r>
+          </a:p>
+          <a:p>
+            <a:r>
+              <a:rPr lang="en-AU" dirty="0"/>
+              <a:t>Telling a story using Fluid Extensions</a:t>
+            </a:r>
+          </a:p>
+          <a:p>
+            <a:r>
+              <a:rPr lang="en-AU" dirty="0"/>
+              <a:t>In-memory Database</a:t>
+            </a:r>
+          </a:p>
+          <a:p>
+            <a:pPr marL="0" indent="0">
+              <a:buNone/>
+            </a:pPr>
+            <a:endParaRPr lang="en-AU" dirty="0"/>
+          </a:p>
+        </p:txBody>
+      </p:sp>
     </p:spTree>
     <p:extLst>
       <p:ext uri="{BB962C8B-B14F-4D97-AF65-F5344CB8AC3E}">
-        <p14:creationId xmlns:p14="http://schemas.microsoft.com/office/powerpoint/2010/main" val="3940181965"/>
+        <p14:creationId xmlns:p14="http://schemas.microsoft.com/office/powerpoint/2010/main" val="472276484"/>
       </p:ext>
     </p:extLst>
   </p:cSld>
@@ -10392,7 +13483,7 @@
 </p:sld>
 </file>
 
-<file path=ppt/slides/slide23.xml><?xml version="1.0" encoding="utf-8"?>
+<file path=ppt/slides/slide37.xml><?xml version="1.0" encoding="utf-8"?>
 <p:sld xmlns:a="http://schemas.openxmlformats.org/drawingml/2006/main" xmlns:r="http://schemas.openxmlformats.org/officeDocument/2006/relationships" xmlns:p="http://schemas.openxmlformats.org/presentationml/2006/main">
   <p:cSld>
     <p:spTree>
@@ -10414,7 +13505,7 @@
           <p:cNvPr id="2" name="Title 1">
             <a:extLst>
               <a:ext uri="{FF2B5EF4-FFF2-40B4-BE49-F238E27FC236}">
-                <a16:creationId xmlns:a16="http://schemas.microsoft.com/office/drawing/2014/main" id="{876C7621-5146-4AC3-BB0C-5C48175256FD}"/>
+                <a16:creationId xmlns:a16="http://schemas.microsoft.com/office/drawing/2014/main" id="{C9E31389-6391-4178-AEF9-967EFFF4A718}"/>
               </a:ext>
             </a:extLst>
           </p:cNvPr>
@@ -10430,550 +13521,67 @@
           <a:bodyPr/>
           <a:lstStyle/>
           <a:p>
-            <a:r>
-              <a:rPr lang="en-AU" dirty="0"/>
-              <a:t>Stub </a:t>
-            </a:r>
-            <a:br>
-              <a:rPr lang="en-AU" dirty="0"/>
-            </a:br>
-            <a:r>
-              <a:rPr lang="en-AU" dirty="0"/>
-              <a:t>Example</a:t>
-            </a:r>
-          </a:p>
-        </p:txBody>
-      </p:sp>
-      <p:pic>
-        <p:nvPicPr>
-          <p:cNvPr id="7" name="Picture 6">
-            <a:extLst>
-              <a:ext uri="{FF2B5EF4-FFF2-40B4-BE49-F238E27FC236}">
-                <a16:creationId xmlns:a16="http://schemas.microsoft.com/office/drawing/2014/main" id="{CFFCA94F-BD8B-456F-9E33-8D1D8FA9D33B}"/>
-              </a:ext>
-            </a:extLst>
-          </p:cNvPr>
-          <p:cNvPicPr>
-            <a:picLocks noChangeAspect="1"/>
-          </p:cNvPicPr>
-          <p:nvPr/>
-        </p:nvPicPr>
-        <p:blipFill>
-          <a:blip r:embed="rId3">
-            <a:extLst>
-              <a:ext uri="{28A0092B-C50C-407E-A947-70E740481C1C}">
-                <a14:useLocalDpi xmlns:a14="http://schemas.microsoft.com/office/drawing/2010/main" val="0"/>
-              </a:ext>
-            </a:extLst>
-          </a:blip>
-          <a:stretch>
-            <a:fillRect/>
-          </a:stretch>
-        </p:blipFill>
+            <a:pPr algn="ctr"/>
+            <a:r>
+              <a:rPr lang="en-AU" dirty="0"/>
+              <a:t>Thank you!</a:t>
+            </a:r>
+          </a:p>
+        </p:txBody>
+      </p:sp>
+      <p:sp>
+        <p:nvSpPr>
+          <p:cNvPr id="3" name="Content Placeholder 2">
+            <a:extLst>
+              <a:ext uri="{FF2B5EF4-FFF2-40B4-BE49-F238E27FC236}">
+                <a16:creationId xmlns:a16="http://schemas.microsoft.com/office/drawing/2014/main" id="{67D20A60-4AD7-445B-87C4-10630BDE1046}"/>
+              </a:ext>
+            </a:extLst>
+          </p:cNvPr>
+          <p:cNvSpPr>
+            <a:spLocks noGrp="1"/>
+          </p:cNvSpPr>
+          <p:nvPr>
+            <p:ph idx="1"/>
+          </p:nvPr>
+        </p:nvSpPr>
         <p:spPr>
           <a:xfrm>
-            <a:off x="3456167" y="365125"/>
-            <a:ext cx="5481099" cy="6246690"/>
-          </a:xfrm>
-          <a:prstGeom prst="rect">
-            <a:avLst/>
-          </a:prstGeom>
-        </p:spPr>
-      </p:pic>
-    </p:spTree>
-    <p:extLst>
-      <p:ext uri="{BB962C8B-B14F-4D97-AF65-F5344CB8AC3E}">
-        <p14:creationId xmlns:p14="http://schemas.microsoft.com/office/powerpoint/2010/main" val="2152743575"/>
-      </p:ext>
-    </p:extLst>
-  </p:cSld>
-  <p:clrMapOvr>
-    <a:masterClrMapping/>
-  </p:clrMapOvr>
-</p:sld>
-</file>
-
-<file path=ppt/slides/slide24.xml><?xml version="1.0" encoding="utf-8"?>
-<p:sld xmlns:a="http://schemas.openxmlformats.org/drawingml/2006/main" xmlns:r="http://schemas.openxmlformats.org/officeDocument/2006/relationships" xmlns:p="http://schemas.openxmlformats.org/presentationml/2006/main">
-  <p:cSld>
-    <p:spTree>
-      <p:nvGrpSpPr>
-        <p:cNvPr id="1" name=""/>
-        <p:cNvGrpSpPr/>
-        <p:nvPr/>
-      </p:nvGrpSpPr>
-      <p:grpSpPr>
-        <a:xfrm>
-          <a:off x="0" y="0"/>
-          <a:ext cx="0" cy="0"/>
-          <a:chOff x="0" y="0"/>
-          <a:chExt cx="0" cy="0"/>
-        </a:xfrm>
-      </p:grpSpPr>
-      <p:sp>
-        <p:nvSpPr>
-          <p:cNvPr id="2" name="Title 1">
-            <a:extLst>
-              <a:ext uri="{FF2B5EF4-FFF2-40B4-BE49-F238E27FC236}">
-                <a16:creationId xmlns:a16="http://schemas.microsoft.com/office/drawing/2014/main" id="{637EE417-9F9F-485C-8023-CEB2739DA9EB}"/>
-              </a:ext>
-            </a:extLst>
-          </p:cNvPr>
-          <p:cNvSpPr>
-            <a:spLocks noGrp="1"/>
-          </p:cNvSpPr>
-          <p:nvPr>
-            <p:ph type="title"/>
-          </p:nvPr>
-        </p:nvSpPr>
-        <p:spPr/>
-        <p:txBody>
-          <a:bodyPr/>
-          <a:lstStyle/>
-          <a:p>
-            <a:r>
-              <a:rPr lang="en-AU" dirty="0"/>
-              <a:t>Fluid Extensions</a:t>
-            </a:r>
-          </a:p>
-        </p:txBody>
-      </p:sp>
-      <p:sp>
-        <p:nvSpPr>
-          <p:cNvPr id="3" name="Content Placeholder 2">
-            <a:extLst>
-              <a:ext uri="{FF2B5EF4-FFF2-40B4-BE49-F238E27FC236}">
-                <a16:creationId xmlns:a16="http://schemas.microsoft.com/office/drawing/2014/main" id="{C8429B20-483B-486A-B966-3C1D571D656A}"/>
-              </a:ext>
-            </a:extLst>
-          </p:cNvPr>
-          <p:cNvSpPr>
-            <a:spLocks noGrp="1"/>
-          </p:cNvSpPr>
-          <p:nvPr>
-            <p:ph idx="1"/>
-          </p:nvPr>
-        </p:nvSpPr>
-        <p:spPr>
-          <a:xfrm>
-            <a:off x="838200" y="1825625"/>
-            <a:ext cx="5257800" cy="2831284"/>
+            <a:off x="838200" y="1348154"/>
+            <a:ext cx="10515600" cy="5040923"/>
           </a:xfrm>
         </p:spPr>
         <p:txBody>
-          <a:bodyPr/>
-          <a:lstStyle/>
-          <a:p>
-            <a:r>
-              <a:rPr lang="en-AU" dirty="0"/>
-              <a:t>Keep your tests simple. KISS</a:t>
-            </a:r>
-          </a:p>
-          <a:p>
-            <a:r>
-              <a:rPr lang="en-AU" dirty="0"/>
-              <a:t>Fluid can help with this.</a:t>
-            </a:r>
-          </a:p>
-          <a:p>
-            <a:endParaRPr lang="en-AU" dirty="0"/>
-          </a:p>
-        </p:txBody>
-      </p:sp>
-      <p:pic>
-        <p:nvPicPr>
-          <p:cNvPr id="5" name="Picture 4">
-            <a:extLst>
-              <a:ext uri="{FF2B5EF4-FFF2-40B4-BE49-F238E27FC236}">
-                <a16:creationId xmlns:a16="http://schemas.microsoft.com/office/drawing/2014/main" id="{A8329655-DC13-48FC-A791-30C39C3233C9}"/>
-              </a:ext>
-            </a:extLst>
-          </p:cNvPr>
-          <p:cNvPicPr>
-            <a:picLocks noChangeAspect="1"/>
-          </p:cNvPicPr>
-          <p:nvPr/>
-        </p:nvPicPr>
-        <p:blipFill>
-          <a:blip r:embed="rId3">
-            <a:extLst>
-              <a:ext uri="{28A0092B-C50C-407E-A947-70E740481C1C}">
-                <a14:useLocalDpi xmlns:a14="http://schemas.microsoft.com/office/drawing/2010/main" val="0"/>
-              </a:ext>
-            </a:extLst>
-          </a:blip>
-          <a:stretch>
-            <a:fillRect/>
-          </a:stretch>
-        </p:blipFill>
-        <p:spPr>
-          <a:xfrm>
-            <a:off x="5393443" y="1690688"/>
-            <a:ext cx="6541736" cy="2907438"/>
-          </a:xfrm>
-          <a:prstGeom prst="rect">
-            <a:avLst/>
-          </a:prstGeom>
-        </p:spPr>
-      </p:pic>
-      <p:pic>
-        <p:nvPicPr>
-          <p:cNvPr id="7" name="Picture 6">
-            <a:extLst>
-              <a:ext uri="{FF2B5EF4-FFF2-40B4-BE49-F238E27FC236}">
-                <a16:creationId xmlns:a16="http://schemas.microsoft.com/office/drawing/2014/main" id="{5170542A-FEE3-457C-90EE-22B113E5D5EA}"/>
-              </a:ext>
-            </a:extLst>
-          </p:cNvPr>
-          <p:cNvPicPr>
-            <a:picLocks noChangeAspect="1"/>
-          </p:cNvPicPr>
-          <p:nvPr/>
-        </p:nvPicPr>
-        <p:blipFill>
-          <a:blip r:embed="rId4">
-            <a:extLst>
-              <a:ext uri="{28A0092B-C50C-407E-A947-70E740481C1C}">
-                <a14:useLocalDpi xmlns:a14="http://schemas.microsoft.com/office/drawing/2010/main" val="0"/>
-              </a:ext>
-            </a:extLst>
-          </a:blip>
-          <a:stretch>
-            <a:fillRect/>
-          </a:stretch>
-        </p:blipFill>
-        <p:spPr>
-          <a:xfrm>
-            <a:off x="838200" y="4914558"/>
-            <a:ext cx="11096980" cy="1198101"/>
-          </a:xfrm>
-          <a:prstGeom prst="rect">
-            <a:avLst/>
-          </a:prstGeom>
-        </p:spPr>
-      </p:pic>
-    </p:spTree>
-    <p:extLst>
-      <p:ext uri="{BB962C8B-B14F-4D97-AF65-F5344CB8AC3E}">
-        <p14:creationId xmlns:p14="http://schemas.microsoft.com/office/powerpoint/2010/main" val="3516004291"/>
-      </p:ext>
-    </p:extLst>
-  </p:cSld>
-  <p:clrMapOvr>
-    <a:masterClrMapping/>
-  </p:clrMapOvr>
-</p:sld>
-</file>
-
-<file path=ppt/slides/slide25.xml><?xml version="1.0" encoding="utf-8"?>
-<p:sld xmlns:a="http://schemas.openxmlformats.org/drawingml/2006/main" xmlns:r="http://schemas.openxmlformats.org/officeDocument/2006/relationships" xmlns:p="http://schemas.openxmlformats.org/presentationml/2006/main">
-  <p:cSld>
-    <p:spTree>
-      <p:nvGrpSpPr>
-        <p:cNvPr id="1" name=""/>
-        <p:cNvGrpSpPr/>
-        <p:nvPr/>
-      </p:nvGrpSpPr>
-      <p:grpSpPr>
-        <a:xfrm>
-          <a:off x="0" y="0"/>
-          <a:ext cx="0" cy="0"/>
-          <a:chOff x="0" y="0"/>
-          <a:chExt cx="0" cy="0"/>
-        </a:xfrm>
-      </p:grpSpPr>
-      <p:sp>
-        <p:nvSpPr>
-          <p:cNvPr id="2" name="Title 1">
-            <a:extLst>
-              <a:ext uri="{FF2B5EF4-FFF2-40B4-BE49-F238E27FC236}">
-                <a16:creationId xmlns:a16="http://schemas.microsoft.com/office/drawing/2014/main" id="{9EE62851-B662-4C62-A52D-54B151F97CD9}"/>
-              </a:ext>
-            </a:extLst>
-          </p:cNvPr>
-          <p:cNvSpPr>
-            <a:spLocks noGrp="1"/>
-          </p:cNvSpPr>
-          <p:nvPr>
-            <p:ph type="title"/>
-          </p:nvPr>
-        </p:nvSpPr>
-        <p:spPr/>
-        <p:txBody>
-          <a:bodyPr/>
-          <a:lstStyle/>
-          <a:p>
-            <a:r>
-              <a:rPr lang="en-AU" dirty="0"/>
-              <a:t>But, how do I learn TDD?</a:t>
-            </a:r>
-          </a:p>
-        </p:txBody>
-      </p:sp>
-      <p:sp>
-        <p:nvSpPr>
-          <p:cNvPr id="3" name="Content Placeholder 2">
-            <a:extLst>
-              <a:ext uri="{FF2B5EF4-FFF2-40B4-BE49-F238E27FC236}">
-                <a16:creationId xmlns:a16="http://schemas.microsoft.com/office/drawing/2014/main" id="{9DB2DA8C-532C-4EFC-8087-3D2974A3776D}"/>
-              </a:ext>
-            </a:extLst>
-          </p:cNvPr>
-          <p:cNvSpPr>
-            <a:spLocks noGrp="1"/>
-          </p:cNvSpPr>
-          <p:nvPr>
-            <p:ph idx="1"/>
-          </p:nvPr>
-        </p:nvSpPr>
-        <p:spPr/>
-        <p:txBody>
-          <a:bodyPr/>
-          <a:lstStyle/>
-          <a:p>
-            <a:r>
-              <a:rPr lang="en-AU" dirty="0"/>
-              <a:t>Ironically start with an integration test.</a:t>
-            </a:r>
-          </a:p>
-          <a:p>
-            <a:r>
-              <a:rPr lang="en-AU" dirty="0"/>
-              <a:t>That could use local file system or azure storage.</a:t>
-            </a:r>
-          </a:p>
-          <a:p>
-            <a:r>
-              <a:rPr lang="en-AU" dirty="0"/>
-              <a:t>Get the hang of writing tests.</a:t>
-            </a:r>
-          </a:p>
-          <a:p>
-            <a:r>
-              <a:rPr lang="en-AU" dirty="0"/>
-              <a:t>Try to keep your tests short… (e.g. 10 lines of code or less).</a:t>
-            </a:r>
-          </a:p>
-          <a:p>
-            <a:endParaRPr lang="en-AU" dirty="0"/>
-          </a:p>
-          <a:p>
-            <a:r>
-              <a:rPr lang="en-AU" dirty="0"/>
-              <a:t>Find a complex problem, TDD it.</a:t>
-            </a:r>
-          </a:p>
-        </p:txBody>
-      </p:sp>
-    </p:spTree>
-    <p:extLst>
-      <p:ext uri="{BB962C8B-B14F-4D97-AF65-F5344CB8AC3E}">
-        <p14:creationId xmlns:p14="http://schemas.microsoft.com/office/powerpoint/2010/main" val="587938621"/>
-      </p:ext>
-    </p:extLst>
-  </p:cSld>
-  <p:clrMapOvr>
-    <a:masterClrMapping/>
-  </p:clrMapOvr>
-</p:sld>
-</file>
-
-<file path=ppt/slides/slide26.xml><?xml version="1.0" encoding="utf-8"?>
-<p:sld xmlns:a="http://schemas.openxmlformats.org/drawingml/2006/main" xmlns:r="http://schemas.openxmlformats.org/officeDocument/2006/relationships" xmlns:p="http://schemas.openxmlformats.org/presentationml/2006/main">
-  <p:cSld>
-    <p:spTree>
-      <p:nvGrpSpPr>
-        <p:cNvPr id="1" name=""/>
-        <p:cNvGrpSpPr/>
-        <p:nvPr/>
-      </p:nvGrpSpPr>
-      <p:grpSpPr>
-        <a:xfrm>
-          <a:off x="0" y="0"/>
-          <a:ext cx="0" cy="0"/>
-          <a:chOff x="0" y="0"/>
-          <a:chExt cx="0" cy="0"/>
-        </a:xfrm>
-      </p:grpSpPr>
-      <p:sp>
-        <p:nvSpPr>
-          <p:cNvPr id="2" name="Title 1">
-            <a:extLst>
-              <a:ext uri="{FF2B5EF4-FFF2-40B4-BE49-F238E27FC236}">
-                <a16:creationId xmlns:a16="http://schemas.microsoft.com/office/drawing/2014/main" id="{C5A83C7B-CD5D-4DFA-AA81-767DD936EE60}"/>
-              </a:ext>
-            </a:extLst>
-          </p:cNvPr>
-          <p:cNvSpPr>
-            <a:spLocks noGrp="1"/>
-          </p:cNvSpPr>
-          <p:nvPr>
-            <p:ph type="title"/>
-          </p:nvPr>
-        </p:nvSpPr>
-        <p:spPr/>
-        <p:txBody>
-          <a:bodyPr/>
-          <a:lstStyle/>
-          <a:p>
-            <a:r>
-              <a:rPr lang="en-AU" dirty="0"/>
-              <a:t>Summary</a:t>
-            </a:r>
-          </a:p>
-        </p:txBody>
-      </p:sp>
-      <p:sp>
-        <p:nvSpPr>
-          <p:cNvPr id="3" name="Content Placeholder 2">
-            <a:extLst>
-              <a:ext uri="{FF2B5EF4-FFF2-40B4-BE49-F238E27FC236}">
-                <a16:creationId xmlns:a16="http://schemas.microsoft.com/office/drawing/2014/main" id="{65F34354-011D-422D-B293-D3DDA9E75B9D}"/>
-              </a:ext>
-            </a:extLst>
-          </p:cNvPr>
-          <p:cNvSpPr>
-            <a:spLocks noGrp="1"/>
-          </p:cNvSpPr>
-          <p:nvPr>
-            <p:ph idx="1"/>
-          </p:nvPr>
-        </p:nvSpPr>
-        <p:spPr/>
-        <p:txBody>
-          <a:bodyPr/>
-          <a:lstStyle/>
-          <a:p>
-            <a:r>
-              <a:rPr lang="en-AU" dirty="0"/>
-              <a:t>Different Types of Tests</a:t>
-            </a:r>
-          </a:p>
-          <a:p>
-            <a:r>
-              <a:rPr lang="en-AU" dirty="0"/>
-              <a:t>How to do test driven development</a:t>
-            </a:r>
-          </a:p>
-          <a:p>
-            <a:r>
-              <a:rPr lang="en-AU" dirty="0"/>
-              <a:t>Best Practice / Pitfalls</a:t>
-            </a:r>
-          </a:p>
-          <a:p>
-            <a:r>
-              <a:rPr lang="en-AU" dirty="0"/>
-              <a:t>Emergent Design</a:t>
-            </a:r>
-          </a:p>
-          <a:p>
-            <a:r>
-              <a:rPr lang="en-AU" dirty="0"/>
-              <a:t>Mocks and Stubs</a:t>
-            </a:r>
-          </a:p>
-          <a:p>
-            <a:r>
-              <a:rPr lang="en-AU" dirty="0"/>
-              <a:t>Telling a story using Fluid Extensions</a:t>
-            </a:r>
-          </a:p>
-          <a:p>
-            <a:r>
-              <a:rPr lang="en-AU" dirty="0"/>
-              <a:t>In-memory Database</a:t>
-            </a:r>
-          </a:p>
-          <a:p>
-            <a:pPr marL="0" indent="0">
+          <a:bodyPr>
+            <a:normAutofit lnSpcReduction="10000"/>
+          </a:bodyPr>
+          <a:lstStyle/>
+          <a:p>
+            <a:r>
+              <a:rPr lang="en-AU" dirty="0">
+                <a:solidFill>
+                  <a:schemeClr val="tx2"/>
+                </a:solidFill>
+              </a:rPr>
+              <a:t>This Presentation</a:t>
+            </a:r>
+          </a:p>
+          <a:p>
+            <a:pPr marL="457200" lvl="1" indent="0">
               <a:buNone/>
             </a:pPr>
-            <a:endParaRPr lang="en-AU" dirty="0"/>
-          </a:p>
-        </p:txBody>
-      </p:sp>
-    </p:spTree>
-    <p:extLst>
-      <p:ext uri="{BB962C8B-B14F-4D97-AF65-F5344CB8AC3E}">
-        <p14:creationId xmlns:p14="http://schemas.microsoft.com/office/powerpoint/2010/main" val="472276484"/>
-      </p:ext>
-    </p:extLst>
-  </p:cSld>
-  <p:clrMapOvr>
-    <a:masterClrMapping/>
-  </p:clrMapOvr>
-</p:sld>
-</file>
-
-<file path=ppt/slides/slide27.xml><?xml version="1.0" encoding="utf-8"?>
-<p:sld xmlns:a="http://schemas.openxmlformats.org/drawingml/2006/main" xmlns:r="http://schemas.openxmlformats.org/officeDocument/2006/relationships" xmlns:p="http://schemas.openxmlformats.org/presentationml/2006/main">
-  <p:cSld>
-    <p:spTree>
-      <p:nvGrpSpPr>
-        <p:cNvPr id="1" name=""/>
-        <p:cNvGrpSpPr/>
-        <p:nvPr/>
-      </p:nvGrpSpPr>
-      <p:grpSpPr>
-        <a:xfrm>
-          <a:off x="0" y="0"/>
-          <a:ext cx="0" cy="0"/>
-          <a:chOff x="0" y="0"/>
-          <a:chExt cx="0" cy="0"/>
-        </a:xfrm>
-      </p:grpSpPr>
-      <p:sp>
-        <p:nvSpPr>
-          <p:cNvPr id="2" name="Title 1">
-            <a:extLst>
-              <a:ext uri="{FF2B5EF4-FFF2-40B4-BE49-F238E27FC236}">
-                <a16:creationId xmlns:a16="http://schemas.microsoft.com/office/drawing/2014/main" id="{C9E31389-6391-4178-AEF9-967EFFF4A718}"/>
-              </a:ext>
-            </a:extLst>
-          </p:cNvPr>
-          <p:cNvSpPr>
-            <a:spLocks noGrp="1"/>
-          </p:cNvSpPr>
-          <p:nvPr>
-            <p:ph type="title"/>
-          </p:nvPr>
-        </p:nvSpPr>
-        <p:spPr/>
-        <p:txBody>
-          <a:bodyPr/>
-          <a:lstStyle/>
-          <a:p>
-            <a:pPr algn="ctr"/>
-            <a:r>
-              <a:rPr lang="en-AU" dirty="0"/>
-              <a:t>Thank you!</a:t>
-            </a:r>
-          </a:p>
-        </p:txBody>
-      </p:sp>
-      <p:sp>
-        <p:nvSpPr>
-          <p:cNvPr id="3" name="Content Placeholder 2">
-            <a:extLst>
-              <a:ext uri="{FF2B5EF4-FFF2-40B4-BE49-F238E27FC236}">
-                <a16:creationId xmlns:a16="http://schemas.microsoft.com/office/drawing/2014/main" id="{67D20A60-4AD7-445B-87C4-10630BDE1046}"/>
-              </a:ext>
-            </a:extLst>
-          </p:cNvPr>
-          <p:cNvSpPr>
-            <a:spLocks noGrp="1"/>
-          </p:cNvSpPr>
-          <p:nvPr>
-            <p:ph idx="1"/>
-          </p:nvPr>
-        </p:nvSpPr>
-        <p:spPr/>
-        <p:txBody>
-          <a:bodyPr>
-            <a:normAutofit fontScale="92500" lnSpcReduction="20000"/>
-          </a:bodyPr>
-          <a:lstStyle/>
+            <a:r>
+              <a:rPr lang="en-AU" dirty="0">
+                <a:hlinkClick r:id="rId3"/>
+              </a:rPr>
+              <a:t>https://github.com/JoelViney/TestDrivenTalk</a:t>
+            </a:r>
+            <a:endParaRPr lang="en-AU" dirty="0">
+              <a:solidFill>
+                <a:schemeClr val="tx2"/>
+              </a:solidFill>
+            </a:endParaRPr>
+          </a:p>
           <a:p>
             <a:r>
               <a:rPr lang="en-AU" dirty="0">
@@ -10998,17 +13606,33 @@
             </a:r>
           </a:p>
           <a:p>
-            <a:pPr marL="457200" lvl="1" indent="0">
-              <a:buNone/>
-            </a:pPr>
             <a:r>
               <a:rPr lang="en-AU" dirty="0">
                 <a:solidFill>
                   <a:schemeClr val="tx2"/>
                 </a:solidFill>
               </a:rPr>
-              <a:t>Unit Tests</a:t>
-            </a:r>
+              <a:t>Kent Beck – Test Desiderata (YouTube)</a:t>
+            </a:r>
+          </a:p>
+          <a:p>
+            <a:pPr marL="457200" lvl="1" indent="0">
+              <a:buNone/>
+            </a:pPr>
+            <a:r>
+              <a:rPr lang="en-AU" dirty="0">
+                <a:solidFill>
+                  <a:schemeClr val="tx2"/>
+                </a:solidFill>
+                <a:hlinkClick r:id="rId4"/>
+              </a:rPr>
+              <a:t>https://www.youtube.com/watch?v=5LOdKDqdWYU&amp;list=PLlmVY7qtgT_lkbrk9iZNizp978mVzpBKl</a:t>
+            </a:r>
+            <a:endParaRPr lang="en-AU" dirty="0">
+              <a:solidFill>
+                <a:schemeClr val="tx2"/>
+              </a:solidFill>
+            </a:endParaRPr>
           </a:p>
           <a:p>
             <a:r>
@@ -11017,7 +13641,7 @@
                   <a:schemeClr val="tx2"/>
                 </a:solidFill>
               </a:rPr>
-              <a:t>Kent Beck – Test Desiderata</a:t>
+              <a:t>Example TDD Project</a:t>
             </a:r>
           </a:p>
           <a:p>
@@ -11026,47 +13650,9 @@
             </a:pPr>
             <a:r>
               <a:rPr lang="en-AU" dirty="0">
-                <a:solidFill>
-                  <a:schemeClr val="tx2"/>
-                </a:solidFill>
                 <a:hlinkClick r:id="rId3"/>
               </a:rPr>
-              <a:t>https://www.youtube.com/watch?v=5LOdKDqdWYU&amp;list=PLlmVY7qtgT</a:t>
-            </a:r>
-            <a:r>
-              <a:rPr lang="en-AU">
-                <a:solidFill>
-                  <a:schemeClr val="tx2"/>
-                </a:solidFill>
-                <a:hlinkClick r:id="rId3"/>
-              </a:rPr>
-              <a:t>_lkbrk9iZNizp978mVzpBKl</a:t>
-            </a:r>
-            <a:endParaRPr lang="en-AU" dirty="0">
-              <a:solidFill>
-                <a:schemeClr val="tx2"/>
-              </a:solidFill>
-            </a:endParaRPr>
-          </a:p>
-          <a:p>
-            <a:r>
-              <a:rPr lang="en-AU" dirty="0">
-                <a:solidFill>
-                  <a:schemeClr val="tx2"/>
-                </a:solidFill>
-              </a:rPr>
-              <a:t>Unit Tests</a:t>
-            </a:r>
-          </a:p>
-          <a:p>
-            <a:pPr marL="457200" lvl="1" indent="0">
-              <a:buNone/>
-            </a:pPr>
-            <a:r>
-              <a:rPr lang="en-AU" dirty="0">
-                <a:hlinkClick r:id="rId4"/>
-              </a:rPr>
-              <a:t>https://github.com/JoelViney/TestDrivenTalk</a:t>
+              <a:t>https://github.com/JoelViney/SimpleSharpTemplateEngine</a:t>
             </a:r>
             <a:endParaRPr lang="en-AU" dirty="0"/>
           </a:p>
@@ -11091,16 +13677,6 @@
               <a:t>https://github.com/JoelViney/CorePaginationExample</a:t>
             </a:r>
             <a:endParaRPr lang="en-AU" dirty="0"/>
-          </a:p>
-          <a:p>
-            <a:r>
-              <a:rPr lang="en-AU" dirty="0">
-                <a:solidFill>
-                  <a:schemeClr val="tx2"/>
-                </a:solidFill>
-              </a:rPr>
-              <a:t>Simplified Unit Testing – Jason Taylor</a:t>
-            </a:r>
           </a:p>
           <a:p>
             <a:pPr marL="457200" lvl="1" indent="0">
@@ -11115,6 +13691,14 @@
               </a:rPr>
               <a:t>https://www.youtube.com/watch?v=UON5Rr_CL2M</a:t>
             </a:r>
+            <a:r>
+              <a:rPr lang="en-AU" dirty="0">
+                <a:solidFill>
+                  <a:schemeClr val="tx2"/>
+                </a:solidFill>
+              </a:rPr>
+              <a:t> (Jason Taylor)</a:t>
+            </a:r>
             <a:endParaRPr lang="en-AU" dirty="0"/>
           </a:p>
         </p:txBody>
@@ -11123,120 +13707,6 @@
     <p:extLst>
       <p:ext uri="{BB962C8B-B14F-4D97-AF65-F5344CB8AC3E}">
         <p14:creationId xmlns:p14="http://schemas.microsoft.com/office/powerpoint/2010/main" val="2935810448"/>
-      </p:ext>
-    </p:extLst>
-  </p:cSld>
-  <p:clrMapOvr>
-    <a:masterClrMapping/>
-  </p:clrMapOvr>
-</p:sld>
-</file>
-
-<file path=ppt/slides/slide3.xml><?xml version="1.0" encoding="utf-8"?>
-<p:sld xmlns:a="http://schemas.openxmlformats.org/drawingml/2006/main" xmlns:r="http://schemas.openxmlformats.org/officeDocument/2006/relationships" xmlns:p="http://schemas.openxmlformats.org/presentationml/2006/main">
-  <p:cSld>
-    <p:spTree>
-      <p:nvGrpSpPr>
-        <p:cNvPr id="1" name=""/>
-        <p:cNvGrpSpPr/>
-        <p:nvPr/>
-      </p:nvGrpSpPr>
-      <p:grpSpPr>
-        <a:xfrm>
-          <a:off x="0" y="0"/>
-          <a:ext cx="0" cy="0"/>
-          <a:chOff x="0" y="0"/>
-          <a:chExt cx="0" cy="0"/>
-        </a:xfrm>
-      </p:grpSpPr>
-      <p:sp>
-        <p:nvSpPr>
-          <p:cNvPr id="2" name="Title 1">
-            <a:extLst>
-              <a:ext uri="{FF2B5EF4-FFF2-40B4-BE49-F238E27FC236}">
-                <a16:creationId xmlns:a16="http://schemas.microsoft.com/office/drawing/2014/main" id="{E9EC9588-8D74-4A2B-9E19-3FDCC59DEA1D}"/>
-              </a:ext>
-            </a:extLst>
-          </p:cNvPr>
-          <p:cNvSpPr>
-            <a:spLocks noGrp="1"/>
-          </p:cNvSpPr>
-          <p:nvPr>
-            <p:ph type="title"/>
-          </p:nvPr>
-        </p:nvSpPr>
-        <p:spPr/>
-        <p:txBody>
-          <a:bodyPr/>
-          <a:lstStyle/>
-          <a:p>
-            <a:r>
-              <a:rPr lang="en-AU" dirty="0"/>
-              <a:t>Test Driven Development (TDD)</a:t>
-            </a:r>
-          </a:p>
-        </p:txBody>
-      </p:sp>
-      <p:sp>
-        <p:nvSpPr>
-          <p:cNvPr id="3" name="Content Placeholder 2">
-            <a:extLst>
-              <a:ext uri="{FF2B5EF4-FFF2-40B4-BE49-F238E27FC236}">
-                <a16:creationId xmlns:a16="http://schemas.microsoft.com/office/drawing/2014/main" id="{49DA1CEC-D066-4570-A0C5-065C2933DCEB}"/>
-              </a:ext>
-            </a:extLst>
-          </p:cNvPr>
-          <p:cNvSpPr>
-            <a:spLocks noGrp="1"/>
-          </p:cNvSpPr>
-          <p:nvPr>
-            <p:ph idx="1"/>
-          </p:nvPr>
-        </p:nvSpPr>
-        <p:spPr/>
-        <p:txBody>
-          <a:bodyPr/>
-          <a:lstStyle/>
-          <a:p>
-            <a:r>
-              <a:rPr lang="en-AU" dirty="0"/>
-              <a:t>Different types of tests:</a:t>
-            </a:r>
-          </a:p>
-          <a:p>
-            <a:pPr lvl="1"/>
-            <a:r>
-              <a:rPr lang="en-AU" dirty="0"/>
-              <a:t>Integration Test</a:t>
-            </a:r>
-          </a:p>
-          <a:p>
-            <a:pPr lvl="1"/>
-            <a:r>
-              <a:rPr lang="en-AU" dirty="0"/>
-              <a:t>Behaviour Driven Tests</a:t>
-            </a:r>
-          </a:p>
-          <a:p>
-            <a:pPr lvl="1"/>
-            <a:r>
-              <a:rPr lang="en-AU" dirty="0"/>
-              <a:t>Load Testing</a:t>
-            </a:r>
-          </a:p>
-          <a:p>
-            <a:pPr lvl="1"/>
-            <a:r>
-              <a:rPr lang="en-AU" dirty="0"/>
-              <a:t>Unit Tests</a:t>
-            </a:r>
-          </a:p>
-        </p:txBody>
-      </p:sp>
-    </p:spTree>
-    <p:extLst>
-      <p:ext uri="{BB962C8B-B14F-4D97-AF65-F5344CB8AC3E}">
-        <p14:creationId xmlns:p14="http://schemas.microsoft.com/office/powerpoint/2010/main" val="1814829582"/>
       </p:ext>
     </p:extLst>
   </p:cSld>
@@ -11413,13 +13883,18 @@
           </a:xfrm>
         </p:spPr>
         <p:txBody>
-          <a:bodyPr/>
-          <a:lstStyle/>
-          <a:p>
-            <a:r>
-              <a:rPr lang="en-AU" dirty="0"/>
-              <a:t>Not Really a Golden Hammer</a:t>
-            </a:r>
+          <a:bodyPr>
+            <a:normAutofit/>
+          </a:bodyPr>
+          <a:lstStyle/>
+          <a:p>
+            <a:r>
+              <a:rPr lang="en-AU" dirty="0"/>
+              <a:t>Not Really a Golden Hammer…</a:t>
+            </a:r>
+          </a:p>
+          <a:p>
+            <a:endParaRPr lang="en-AU" dirty="0"/>
           </a:p>
           <a:p>
             <a:r>
@@ -11440,6 +13915,10 @@
               <a:rPr lang="en-AU" dirty="0"/>
               <a:t>Payroll System</a:t>
             </a:r>
+          </a:p>
+          <a:p>
+            <a:pPr lvl="1"/>
+            <a:endParaRPr lang="en-AU" dirty="0"/>
           </a:p>
           <a:p>
             <a:r>
@@ -11759,7 +14238,7 @@
         </p:spPr>
         <p:txBody>
           <a:bodyPr>
-            <a:normAutofit fontScale="92500" lnSpcReduction="10000"/>
+            <a:normAutofit lnSpcReduction="10000"/>
           </a:bodyPr>
           <a:lstStyle/>
           <a:p>
@@ -11808,13 +14287,6 @@
             </a:r>
           </a:p>
           <a:p>
-            <a:pPr lvl="1"/>
-            <a:r>
-              <a:rPr lang="en-AU" dirty="0"/>
-              <a:t>Emergent Design</a:t>
-            </a:r>
-          </a:p>
-          <a:p>
             <a:pPr marL="0" indent="0">
               <a:buNone/>
             </a:pPr>
@@ -11831,7 +14303,7 @@
             <a:pPr lvl="1"/>
             <a:r>
               <a:rPr lang="en-AU" dirty="0"/>
-              <a:t>One line of code</a:t>
+              <a:t>One line of code!</a:t>
             </a:r>
             <a:endParaRPr lang="en-AU" dirty="0">
               <a:solidFill>
@@ -12179,7 +14651,7 @@
         </p:blipFill>
         <p:spPr>
           <a:xfrm>
-            <a:off x="6095999" y="1825625"/>
+            <a:off x="6207901" y="1922672"/>
             <a:ext cx="5145899" cy="2213442"/>
           </a:xfrm>
           <a:prstGeom prst="rect">
